--- a/Projects/Project 3/Identifying Covid-19 patients from Chest X-Rays.pptx
+++ b/Projects/Project 3/Identifying Covid-19 patients from Chest X-Rays.pptx
@@ -5,15 +5,30 @@
     <p:sldMasterId id="2147483648" r:id="rId1"/>
   </p:sldMasterIdLst>
   <p:notesMasterIdLst>
-    <p:notesMasterId r:id="rId8"/>
+    <p:notesMasterId r:id="rId23"/>
   </p:notesMasterIdLst>
   <p:sldIdLst>
     <p:sldId id="256" r:id="rId2"/>
     <p:sldId id="257" r:id="rId3"/>
-    <p:sldId id="258" r:id="rId4"/>
-    <p:sldId id="259" r:id="rId5"/>
-    <p:sldId id="260" r:id="rId6"/>
-    <p:sldId id="261" r:id="rId7"/>
+    <p:sldId id="259" r:id="rId4"/>
+    <p:sldId id="262" r:id="rId5"/>
+    <p:sldId id="258" r:id="rId6"/>
+    <p:sldId id="263" r:id="rId7"/>
+    <p:sldId id="264" r:id="rId8"/>
+    <p:sldId id="265" r:id="rId9"/>
+    <p:sldId id="266" r:id="rId10"/>
+    <p:sldId id="267" r:id="rId11"/>
+    <p:sldId id="268" r:id="rId12"/>
+    <p:sldId id="260" r:id="rId13"/>
+    <p:sldId id="269" r:id="rId14"/>
+    <p:sldId id="275" r:id="rId15"/>
+    <p:sldId id="272" r:id="rId16"/>
+    <p:sldId id="261" r:id="rId17"/>
+    <p:sldId id="270" r:id="rId18"/>
+    <p:sldId id="271" r:id="rId19"/>
+    <p:sldId id="273" r:id="rId20"/>
+    <p:sldId id="274" r:id="rId21"/>
+    <p:sldId id="276" r:id="rId22"/>
   </p:sldIdLst>
   <p:sldSz cx="12192000" cy="6858000"/>
   <p:notesSz cx="6858000" cy="9144000"/>
@@ -112,6 +127,11 @@
       </a:defRPr>
     </a:lvl9pPr>
   </p:defaultTextStyle>
+  <p:extLst>
+    <p:ext uri="{EFAFB233-063F-42B5-8137-9DF3F51BA10A}">
+      <p15:sldGuideLst xmlns:p15="http://schemas.microsoft.com/office/powerpoint/2012/main"/>
+    </p:ext>
+  </p:extLst>
 </p:presentation>
 </file>
 
@@ -855,6 +875,925 @@
     <dgm:fillClrLst meth="repeat">
       <a:schemeClr val="accent1">
         <a:tint val="60000"/>
+      </a:schemeClr>
+    </dgm:fillClrLst>
+    <dgm:linClrLst meth="repeat">
+      <a:schemeClr val="lt1"/>
+    </dgm:linClrLst>
+    <dgm:effectClrLst/>
+    <dgm:txLinClrLst/>
+    <dgm:txFillClrLst meth="repeat">
+      <a:schemeClr val="dk1"/>
+    </dgm:txFillClrLst>
+    <dgm:txEffectClrLst/>
+  </dgm:styleLbl>
+  <dgm:styleLbl name="revTx">
+    <dgm:fillClrLst meth="repeat">
+      <a:schemeClr val="lt1">
+        <a:alpha val="0"/>
+      </a:schemeClr>
+    </dgm:fillClrLst>
+    <dgm:linClrLst meth="repeat">
+      <a:schemeClr val="dk1">
+        <a:alpha val="0"/>
+      </a:schemeClr>
+    </dgm:linClrLst>
+    <dgm:effectClrLst/>
+    <dgm:txLinClrLst/>
+    <dgm:txFillClrLst meth="repeat">
+      <a:schemeClr val="tx1"/>
+    </dgm:txFillClrLst>
+    <dgm:txEffectClrLst/>
+  </dgm:styleLbl>
+</dgm:colorsDef>
+</file>
+
+<file path=ppt/diagrams/colors2.xml><?xml version="1.0" encoding="utf-8"?>
+<dgm:colorsDef xmlns:dgm="http://schemas.openxmlformats.org/drawingml/2006/diagram" xmlns:a="http://schemas.openxmlformats.org/drawingml/2006/main" uniqueId="urn:microsoft.com/office/officeart/2005/8/colors/colorful1">
+  <dgm:title val=""/>
+  <dgm:desc val=""/>
+  <dgm:catLst>
+    <dgm:cat type="colorful" pri="10100"/>
+  </dgm:catLst>
+  <dgm:styleLbl name="node0">
+    <dgm:fillClrLst meth="repeat">
+      <a:schemeClr val="accent1"/>
+    </dgm:fillClrLst>
+    <dgm:linClrLst meth="repeat">
+      <a:schemeClr val="lt1"/>
+    </dgm:linClrLst>
+    <dgm:effectClrLst/>
+    <dgm:txLinClrLst/>
+    <dgm:txFillClrLst/>
+    <dgm:txEffectClrLst/>
+  </dgm:styleLbl>
+  <dgm:styleLbl name="node1">
+    <dgm:fillClrLst meth="repeat">
+      <a:schemeClr val="accent2"/>
+      <a:schemeClr val="accent3"/>
+      <a:schemeClr val="accent4"/>
+      <a:schemeClr val="accent5"/>
+      <a:schemeClr val="accent6"/>
+    </dgm:fillClrLst>
+    <dgm:linClrLst meth="repeat">
+      <a:schemeClr val="lt1"/>
+    </dgm:linClrLst>
+    <dgm:effectClrLst/>
+    <dgm:txLinClrLst/>
+    <dgm:txFillClrLst/>
+    <dgm:txEffectClrLst/>
+  </dgm:styleLbl>
+  <dgm:styleLbl name="alignNode1">
+    <dgm:fillClrLst meth="repeat">
+      <a:schemeClr val="accent2"/>
+      <a:schemeClr val="accent3"/>
+      <a:schemeClr val="accent4"/>
+      <a:schemeClr val="accent5"/>
+      <a:schemeClr val="accent6"/>
+    </dgm:fillClrLst>
+    <dgm:linClrLst meth="repeat">
+      <a:schemeClr val="accent2"/>
+      <a:schemeClr val="accent3"/>
+      <a:schemeClr val="accent4"/>
+      <a:schemeClr val="accent5"/>
+      <a:schemeClr val="accent6"/>
+    </dgm:linClrLst>
+    <dgm:effectClrLst/>
+    <dgm:txLinClrLst/>
+    <dgm:txFillClrLst/>
+    <dgm:txEffectClrLst/>
+  </dgm:styleLbl>
+  <dgm:styleLbl name="lnNode1">
+    <dgm:fillClrLst meth="repeat">
+      <a:schemeClr val="accent2"/>
+      <a:schemeClr val="accent3"/>
+      <a:schemeClr val="accent4"/>
+      <a:schemeClr val="accent5"/>
+      <a:schemeClr val="accent6"/>
+    </dgm:fillClrLst>
+    <dgm:linClrLst meth="repeat">
+      <a:schemeClr val="lt1"/>
+    </dgm:linClrLst>
+    <dgm:effectClrLst/>
+    <dgm:txLinClrLst/>
+    <dgm:txFillClrLst/>
+    <dgm:txEffectClrLst/>
+  </dgm:styleLbl>
+  <dgm:styleLbl name="vennNode1">
+    <dgm:fillClrLst meth="repeat">
+      <a:schemeClr val="accent2">
+        <a:alpha val="50000"/>
+      </a:schemeClr>
+      <a:schemeClr val="accent3">
+        <a:alpha val="50000"/>
+      </a:schemeClr>
+      <a:schemeClr val="accent4">
+        <a:alpha val="50000"/>
+      </a:schemeClr>
+      <a:schemeClr val="accent5">
+        <a:alpha val="50000"/>
+      </a:schemeClr>
+      <a:schemeClr val="accent6">
+        <a:alpha val="50000"/>
+      </a:schemeClr>
+    </dgm:fillClrLst>
+    <dgm:linClrLst meth="repeat">
+      <a:schemeClr val="lt1"/>
+    </dgm:linClrLst>
+    <dgm:effectClrLst/>
+    <dgm:txLinClrLst/>
+    <dgm:txFillClrLst/>
+    <dgm:txEffectClrLst/>
+  </dgm:styleLbl>
+  <dgm:styleLbl name="node2">
+    <dgm:fillClrLst>
+      <a:schemeClr val="accent2"/>
+    </dgm:fillClrLst>
+    <dgm:linClrLst meth="repeat">
+      <a:schemeClr val="lt1"/>
+    </dgm:linClrLst>
+    <dgm:effectClrLst/>
+    <dgm:txLinClrLst/>
+    <dgm:txFillClrLst/>
+    <dgm:txEffectClrLst/>
+  </dgm:styleLbl>
+  <dgm:styleLbl name="node3">
+    <dgm:fillClrLst>
+      <a:schemeClr val="accent3"/>
+    </dgm:fillClrLst>
+    <dgm:linClrLst meth="repeat">
+      <a:schemeClr val="lt1"/>
+    </dgm:linClrLst>
+    <dgm:effectClrLst/>
+    <dgm:txLinClrLst/>
+    <dgm:txFillClrLst/>
+    <dgm:txEffectClrLst/>
+  </dgm:styleLbl>
+  <dgm:styleLbl name="node4">
+    <dgm:fillClrLst>
+      <a:schemeClr val="accent4"/>
+    </dgm:fillClrLst>
+    <dgm:linClrLst meth="repeat">
+      <a:schemeClr val="lt1"/>
+    </dgm:linClrLst>
+    <dgm:effectClrLst/>
+    <dgm:txLinClrLst/>
+    <dgm:txFillClrLst/>
+    <dgm:txEffectClrLst/>
+  </dgm:styleLbl>
+  <dgm:styleLbl name="fgImgPlace1">
+    <dgm:fillClrLst meth="repeat">
+      <a:schemeClr val="accent2">
+        <a:tint val="50000"/>
+      </a:schemeClr>
+      <a:schemeClr val="accent3">
+        <a:tint val="50000"/>
+      </a:schemeClr>
+      <a:schemeClr val="accent4">
+        <a:tint val="50000"/>
+      </a:schemeClr>
+      <a:schemeClr val="accent5">
+        <a:tint val="50000"/>
+      </a:schemeClr>
+      <a:schemeClr val="accent6">
+        <a:tint val="50000"/>
+      </a:schemeClr>
+    </dgm:fillClrLst>
+    <dgm:linClrLst meth="repeat">
+      <a:schemeClr val="lt1"/>
+    </dgm:linClrLst>
+    <dgm:effectClrLst/>
+    <dgm:txLinClrLst/>
+    <dgm:txFillClrLst meth="repeat">
+      <a:schemeClr val="lt1"/>
+    </dgm:txFillClrLst>
+    <dgm:txEffectClrLst/>
+  </dgm:styleLbl>
+  <dgm:styleLbl name="alignImgPlace1">
+    <dgm:fillClrLst>
+      <a:schemeClr val="accent1">
+        <a:tint val="50000"/>
+      </a:schemeClr>
+      <a:schemeClr val="accent2">
+        <a:tint val="20000"/>
+      </a:schemeClr>
+    </dgm:fillClrLst>
+    <dgm:linClrLst meth="repeat">
+      <a:schemeClr val="lt1"/>
+    </dgm:linClrLst>
+    <dgm:effectClrLst/>
+    <dgm:txLinClrLst/>
+    <dgm:txFillClrLst meth="repeat">
+      <a:schemeClr val="lt1"/>
+    </dgm:txFillClrLst>
+    <dgm:txEffectClrLst/>
+  </dgm:styleLbl>
+  <dgm:styleLbl name="bgImgPlace1">
+    <dgm:fillClrLst>
+      <a:schemeClr val="accent1">
+        <a:tint val="50000"/>
+      </a:schemeClr>
+      <a:schemeClr val="accent2">
+        <a:tint val="20000"/>
+      </a:schemeClr>
+    </dgm:fillClrLst>
+    <dgm:linClrLst meth="repeat">
+      <a:schemeClr val="lt1"/>
+    </dgm:linClrLst>
+    <dgm:effectClrLst/>
+    <dgm:txLinClrLst/>
+    <dgm:txFillClrLst meth="repeat">
+      <a:schemeClr val="lt1"/>
+    </dgm:txFillClrLst>
+    <dgm:txEffectClrLst/>
+  </dgm:styleLbl>
+  <dgm:styleLbl name="sibTrans2D1">
+    <dgm:fillClrLst meth="repeat">
+      <a:schemeClr val="accent2"/>
+      <a:schemeClr val="accent3"/>
+      <a:schemeClr val="accent4"/>
+      <a:schemeClr val="accent5"/>
+      <a:schemeClr val="accent6"/>
+    </dgm:fillClrLst>
+    <dgm:linClrLst meth="cycle">
+      <a:schemeClr val="lt1"/>
+    </dgm:linClrLst>
+    <dgm:effectClrLst/>
+    <dgm:txLinClrLst/>
+    <dgm:txFillClrLst/>
+    <dgm:txEffectClrLst/>
+  </dgm:styleLbl>
+  <dgm:styleLbl name="fgSibTrans2D1">
+    <dgm:fillClrLst meth="repeat">
+      <a:schemeClr val="accent2"/>
+      <a:schemeClr val="accent3"/>
+      <a:schemeClr val="accent4"/>
+      <a:schemeClr val="accent5"/>
+      <a:schemeClr val="accent6"/>
+    </dgm:fillClrLst>
+    <dgm:linClrLst meth="cycle">
+      <a:schemeClr val="lt1"/>
+    </dgm:linClrLst>
+    <dgm:effectClrLst/>
+    <dgm:txLinClrLst/>
+    <dgm:txFillClrLst meth="repeat">
+      <a:schemeClr val="lt1"/>
+    </dgm:txFillClrLst>
+    <dgm:txEffectClrLst/>
+  </dgm:styleLbl>
+  <dgm:styleLbl name="bgSibTrans2D1">
+    <dgm:fillClrLst meth="repeat">
+      <a:schemeClr val="accent2"/>
+      <a:schemeClr val="accent3"/>
+      <a:schemeClr val="accent4"/>
+      <a:schemeClr val="accent5"/>
+      <a:schemeClr val="accent6"/>
+    </dgm:fillClrLst>
+    <dgm:linClrLst meth="cycle">
+      <a:schemeClr val="lt1"/>
+    </dgm:linClrLst>
+    <dgm:effectClrLst/>
+    <dgm:txLinClrLst/>
+    <dgm:txFillClrLst meth="repeat">
+      <a:schemeClr val="lt1"/>
+    </dgm:txFillClrLst>
+    <dgm:txEffectClrLst/>
+  </dgm:styleLbl>
+  <dgm:styleLbl name="sibTrans1D1">
+    <dgm:fillClrLst meth="repeat">
+      <a:schemeClr val="accent2"/>
+      <a:schemeClr val="accent3"/>
+      <a:schemeClr val="accent4"/>
+      <a:schemeClr val="accent5"/>
+      <a:schemeClr val="accent6"/>
+    </dgm:fillClrLst>
+    <dgm:linClrLst meth="repeat">
+      <a:schemeClr val="accent2"/>
+      <a:schemeClr val="accent3"/>
+      <a:schemeClr val="accent4"/>
+      <a:schemeClr val="accent5"/>
+      <a:schemeClr val="accent6"/>
+    </dgm:linClrLst>
+    <dgm:effectClrLst/>
+    <dgm:txLinClrLst/>
+    <dgm:txFillClrLst meth="repeat">
+      <a:schemeClr val="tx1"/>
+    </dgm:txFillClrLst>
+    <dgm:txEffectClrLst/>
+  </dgm:styleLbl>
+  <dgm:styleLbl name="callout">
+    <dgm:fillClrLst meth="repeat">
+      <a:schemeClr val="accent2"/>
+    </dgm:fillClrLst>
+    <dgm:linClrLst meth="repeat">
+      <a:schemeClr val="accent2">
+        <a:tint val="50000"/>
+      </a:schemeClr>
+    </dgm:linClrLst>
+    <dgm:effectClrLst/>
+    <dgm:txLinClrLst/>
+    <dgm:txFillClrLst meth="repeat">
+      <a:schemeClr val="tx1"/>
+    </dgm:txFillClrLst>
+    <dgm:txEffectClrLst/>
+  </dgm:styleLbl>
+  <dgm:styleLbl name="asst0">
+    <dgm:fillClrLst meth="repeat">
+      <a:schemeClr val="accent1"/>
+    </dgm:fillClrLst>
+    <dgm:linClrLst meth="repeat">
+      <a:schemeClr val="lt1"/>
+    </dgm:linClrLst>
+    <dgm:effectClrLst/>
+    <dgm:txLinClrLst/>
+    <dgm:txFillClrLst/>
+    <dgm:txEffectClrLst/>
+  </dgm:styleLbl>
+  <dgm:styleLbl name="asst1">
+    <dgm:fillClrLst meth="repeat">
+      <a:schemeClr val="accent2"/>
+    </dgm:fillClrLst>
+    <dgm:linClrLst meth="repeat">
+      <a:schemeClr val="lt1"/>
+    </dgm:linClrLst>
+    <dgm:effectClrLst/>
+    <dgm:txLinClrLst/>
+    <dgm:txFillClrLst/>
+    <dgm:txEffectClrLst/>
+  </dgm:styleLbl>
+  <dgm:styleLbl name="asst2">
+    <dgm:fillClrLst>
+      <a:schemeClr val="accent3"/>
+    </dgm:fillClrLst>
+    <dgm:linClrLst meth="repeat">
+      <a:schemeClr val="lt1"/>
+    </dgm:linClrLst>
+    <dgm:effectClrLst/>
+    <dgm:txLinClrLst/>
+    <dgm:txFillClrLst/>
+    <dgm:txEffectClrLst/>
+  </dgm:styleLbl>
+  <dgm:styleLbl name="asst3">
+    <dgm:fillClrLst>
+      <a:schemeClr val="accent4"/>
+    </dgm:fillClrLst>
+    <dgm:linClrLst meth="repeat">
+      <a:schemeClr val="lt1"/>
+    </dgm:linClrLst>
+    <dgm:effectClrLst/>
+    <dgm:txLinClrLst/>
+    <dgm:txFillClrLst/>
+    <dgm:txEffectClrLst/>
+  </dgm:styleLbl>
+  <dgm:styleLbl name="asst4">
+    <dgm:fillClrLst>
+      <a:schemeClr val="accent5"/>
+    </dgm:fillClrLst>
+    <dgm:linClrLst meth="repeat">
+      <a:schemeClr val="lt1"/>
+    </dgm:linClrLst>
+    <dgm:effectClrLst/>
+    <dgm:txLinClrLst/>
+    <dgm:txFillClrLst/>
+    <dgm:txEffectClrLst/>
+  </dgm:styleLbl>
+  <dgm:styleLbl name="parChTrans2D1">
+    <dgm:fillClrLst meth="repeat">
+      <a:schemeClr val="accent2"/>
+    </dgm:fillClrLst>
+    <dgm:linClrLst meth="repeat">
+      <a:schemeClr val="lt1"/>
+    </dgm:linClrLst>
+    <dgm:effectClrLst/>
+    <dgm:txLinClrLst/>
+    <dgm:txFillClrLst meth="repeat">
+      <a:schemeClr val="lt1"/>
+    </dgm:txFillClrLst>
+    <dgm:txEffectClrLst/>
+  </dgm:styleLbl>
+  <dgm:styleLbl name="parChTrans2D2">
+    <dgm:fillClrLst meth="repeat">
+      <a:schemeClr val="accent3"/>
+    </dgm:fillClrLst>
+    <dgm:linClrLst meth="repeat">
+      <a:schemeClr val="lt1"/>
+    </dgm:linClrLst>
+    <dgm:effectClrLst/>
+    <dgm:txLinClrLst/>
+    <dgm:txFillClrLst/>
+    <dgm:txEffectClrLst/>
+  </dgm:styleLbl>
+  <dgm:styleLbl name="parChTrans2D3">
+    <dgm:fillClrLst meth="repeat">
+      <a:schemeClr val="accent4"/>
+    </dgm:fillClrLst>
+    <dgm:linClrLst meth="repeat">
+      <a:schemeClr val="lt1"/>
+    </dgm:linClrLst>
+    <dgm:effectClrLst/>
+    <dgm:txLinClrLst/>
+    <dgm:txFillClrLst/>
+    <dgm:txEffectClrLst/>
+  </dgm:styleLbl>
+  <dgm:styleLbl name="parChTrans2D4">
+    <dgm:fillClrLst meth="repeat">
+      <a:schemeClr val="accent5"/>
+    </dgm:fillClrLst>
+    <dgm:linClrLst meth="repeat">
+      <a:schemeClr val="lt1"/>
+    </dgm:linClrLst>
+    <dgm:effectClrLst/>
+    <dgm:txLinClrLst/>
+    <dgm:txFillClrLst meth="repeat">
+      <a:schemeClr val="lt1"/>
+    </dgm:txFillClrLst>
+    <dgm:txEffectClrLst/>
+  </dgm:styleLbl>
+  <dgm:styleLbl name="parChTrans1D1">
+    <dgm:fillClrLst meth="repeat">
+      <a:schemeClr val="accent2"/>
+    </dgm:fillClrLst>
+    <dgm:linClrLst meth="repeat">
+      <a:schemeClr val="accent1"/>
+    </dgm:linClrLst>
+    <dgm:effectClrLst/>
+    <dgm:txLinClrLst/>
+    <dgm:txFillClrLst meth="repeat">
+      <a:schemeClr val="tx1"/>
+    </dgm:txFillClrLst>
+    <dgm:txEffectClrLst/>
+  </dgm:styleLbl>
+  <dgm:styleLbl name="parChTrans1D2">
+    <dgm:fillClrLst meth="repeat">
+      <a:schemeClr val="accent3">
+        <a:tint val="90000"/>
+      </a:schemeClr>
+    </dgm:fillClrLst>
+    <dgm:linClrLst meth="repeat">
+      <a:schemeClr val="accent2"/>
+    </dgm:linClrLst>
+    <dgm:effectClrLst/>
+    <dgm:txLinClrLst/>
+    <dgm:txFillClrLst meth="repeat">
+      <a:schemeClr val="tx1"/>
+    </dgm:txFillClrLst>
+    <dgm:txEffectClrLst/>
+  </dgm:styleLbl>
+  <dgm:styleLbl name="parChTrans1D3">
+    <dgm:fillClrLst meth="repeat">
+      <a:schemeClr val="accent4">
+        <a:tint val="70000"/>
+      </a:schemeClr>
+    </dgm:fillClrLst>
+    <dgm:linClrLst meth="repeat">
+      <a:schemeClr val="accent3"/>
+    </dgm:linClrLst>
+    <dgm:effectClrLst/>
+    <dgm:txLinClrLst/>
+    <dgm:txFillClrLst meth="repeat">
+      <a:schemeClr val="tx1"/>
+    </dgm:txFillClrLst>
+    <dgm:txEffectClrLst/>
+  </dgm:styleLbl>
+  <dgm:styleLbl name="parChTrans1D4">
+    <dgm:fillClrLst meth="repeat">
+      <a:schemeClr val="accent5">
+        <a:tint val="50000"/>
+      </a:schemeClr>
+    </dgm:fillClrLst>
+    <dgm:linClrLst meth="repeat">
+      <a:schemeClr val="accent4"/>
+    </dgm:linClrLst>
+    <dgm:effectClrLst/>
+    <dgm:txLinClrLst/>
+    <dgm:txFillClrLst meth="repeat">
+      <a:schemeClr val="tx1"/>
+    </dgm:txFillClrLst>
+    <dgm:txEffectClrLst/>
+  </dgm:styleLbl>
+  <dgm:styleLbl name="fgAcc1">
+    <dgm:fillClrLst meth="repeat">
+      <a:schemeClr val="lt1">
+        <a:alpha val="90000"/>
+      </a:schemeClr>
+    </dgm:fillClrLst>
+    <dgm:linClrLst meth="repeat">
+      <a:schemeClr val="accent2"/>
+      <a:schemeClr val="accent3"/>
+      <a:schemeClr val="accent4"/>
+      <a:schemeClr val="accent5"/>
+      <a:schemeClr val="accent6"/>
+    </dgm:linClrLst>
+    <dgm:effectClrLst/>
+    <dgm:txLinClrLst/>
+    <dgm:txFillClrLst meth="repeat">
+      <a:schemeClr val="dk1"/>
+    </dgm:txFillClrLst>
+    <dgm:txEffectClrLst/>
+  </dgm:styleLbl>
+  <dgm:styleLbl name="conFgAcc1">
+    <dgm:fillClrLst meth="repeat">
+      <a:schemeClr val="lt1">
+        <a:alpha val="90000"/>
+      </a:schemeClr>
+    </dgm:fillClrLst>
+    <dgm:linClrLst meth="repeat">
+      <a:schemeClr val="accent2"/>
+      <a:schemeClr val="accent3"/>
+      <a:schemeClr val="accent4"/>
+      <a:schemeClr val="accent5"/>
+      <a:schemeClr val="accent6"/>
+    </dgm:linClrLst>
+    <dgm:effectClrLst/>
+    <dgm:txLinClrLst/>
+    <dgm:txFillClrLst meth="repeat">
+      <a:schemeClr val="dk1"/>
+    </dgm:txFillClrLst>
+    <dgm:txEffectClrLst/>
+  </dgm:styleLbl>
+  <dgm:styleLbl name="alignAcc1">
+    <dgm:fillClrLst meth="repeat">
+      <a:schemeClr val="lt1">
+        <a:alpha val="90000"/>
+      </a:schemeClr>
+    </dgm:fillClrLst>
+    <dgm:linClrLst meth="repeat">
+      <a:schemeClr val="accent2"/>
+      <a:schemeClr val="accent3"/>
+      <a:schemeClr val="accent4"/>
+      <a:schemeClr val="accent5"/>
+      <a:schemeClr val="accent6"/>
+    </dgm:linClrLst>
+    <dgm:effectClrLst/>
+    <dgm:txLinClrLst/>
+    <dgm:txFillClrLst meth="repeat">
+      <a:schemeClr val="dk1"/>
+    </dgm:txFillClrLst>
+    <dgm:txEffectClrLst/>
+  </dgm:styleLbl>
+  <dgm:styleLbl name="trAlignAcc1">
+    <dgm:fillClrLst meth="repeat">
+      <a:schemeClr val="lt1">
+        <a:alpha val="40000"/>
+      </a:schemeClr>
+    </dgm:fillClrLst>
+    <dgm:linClrLst meth="repeat">
+      <a:schemeClr val="accent1"/>
+    </dgm:linClrLst>
+    <dgm:effectClrLst/>
+    <dgm:txLinClrLst/>
+    <dgm:txFillClrLst meth="repeat">
+      <a:schemeClr val="dk1"/>
+    </dgm:txFillClrLst>
+    <dgm:txEffectClrLst/>
+  </dgm:styleLbl>
+  <dgm:styleLbl name="bgAcc1">
+    <dgm:fillClrLst meth="repeat">
+      <a:schemeClr val="lt1">
+        <a:alpha val="90000"/>
+      </a:schemeClr>
+    </dgm:fillClrLst>
+    <dgm:linClrLst meth="repeat">
+      <a:schemeClr val="accent2"/>
+      <a:schemeClr val="accent3"/>
+      <a:schemeClr val="accent4"/>
+      <a:schemeClr val="accent5"/>
+      <a:schemeClr val="accent6"/>
+    </dgm:linClrLst>
+    <dgm:effectClrLst/>
+    <dgm:txLinClrLst/>
+    <dgm:txFillClrLst meth="repeat">
+      <a:schemeClr val="dk1"/>
+    </dgm:txFillClrLst>
+    <dgm:txEffectClrLst/>
+  </dgm:styleLbl>
+  <dgm:styleLbl name="solidFgAcc1">
+    <dgm:fillClrLst meth="repeat">
+      <a:schemeClr val="lt1"/>
+    </dgm:fillClrLst>
+    <dgm:linClrLst meth="repeat">
+      <a:schemeClr val="accent2"/>
+      <a:schemeClr val="accent3"/>
+      <a:schemeClr val="accent4"/>
+      <a:schemeClr val="accent5"/>
+      <a:schemeClr val="accent6"/>
+    </dgm:linClrLst>
+    <dgm:effectClrLst/>
+    <dgm:txLinClrLst/>
+    <dgm:txFillClrLst meth="repeat">
+      <a:schemeClr val="dk1"/>
+    </dgm:txFillClrLst>
+    <dgm:txEffectClrLst/>
+  </dgm:styleLbl>
+  <dgm:styleLbl name="solidAlignAcc1">
+    <dgm:fillClrLst meth="repeat">
+      <a:schemeClr val="lt1"/>
+    </dgm:fillClrLst>
+    <dgm:linClrLst meth="repeat">
+      <a:schemeClr val="accent2"/>
+      <a:schemeClr val="accent3"/>
+      <a:schemeClr val="accent4"/>
+      <a:schemeClr val="accent5"/>
+      <a:schemeClr val="accent6"/>
+    </dgm:linClrLst>
+    <dgm:effectClrLst/>
+    <dgm:txLinClrLst/>
+    <dgm:txFillClrLst meth="repeat">
+      <a:schemeClr val="dk1"/>
+    </dgm:txFillClrLst>
+    <dgm:txEffectClrLst/>
+  </dgm:styleLbl>
+  <dgm:styleLbl name="solidBgAcc1">
+    <dgm:fillClrLst meth="repeat">
+      <a:schemeClr val="lt1"/>
+    </dgm:fillClrLst>
+    <dgm:linClrLst meth="repeat">
+      <a:schemeClr val="accent2"/>
+      <a:schemeClr val="accent3"/>
+      <a:schemeClr val="accent4"/>
+      <a:schemeClr val="accent5"/>
+      <a:schemeClr val="accent6"/>
+    </dgm:linClrLst>
+    <dgm:effectClrLst/>
+    <dgm:txLinClrLst/>
+    <dgm:txFillClrLst meth="repeat">
+      <a:schemeClr val="dk1"/>
+    </dgm:txFillClrLst>
+    <dgm:txEffectClrLst/>
+  </dgm:styleLbl>
+  <dgm:styleLbl name="fgAccFollowNode1">
+    <dgm:fillClrLst meth="repeat">
+      <a:schemeClr val="accent2">
+        <a:tint val="40000"/>
+        <a:alpha val="90000"/>
+      </a:schemeClr>
+      <a:schemeClr val="accent3">
+        <a:tint val="40000"/>
+        <a:alpha val="90000"/>
+      </a:schemeClr>
+      <a:schemeClr val="accent4">
+        <a:tint val="40000"/>
+        <a:alpha val="90000"/>
+      </a:schemeClr>
+      <a:schemeClr val="accent5">
+        <a:tint val="40000"/>
+        <a:alpha val="90000"/>
+      </a:schemeClr>
+      <a:schemeClr val="accent6">
+        <a:tint val="40000"/>
+        <a:alpha val="90000"/>
+      </a:schemeClr>
+    </dgm:fillClrLst>
+    <dgm:linClrLst meth="repeat">
+      <a:schemeClr val="accent2">
+        <a:tint val="40000"/>
+        <a:alpha val="90000"/>
+      </a:schemeClr>
+      <a:schemeClr val="accent3">
+        <a:tint val="40000"/>
+        <a:alpha val="90000"/>
+      </a:schemeClr>
+      <a:schemeClr val="accent4">
+        <a:tint val="40000"/>
+        <a:alpha val="90000"/>
+      </a:schemeClr>
+      <a:schemeClr val="accent5">
+        <a:tint val="40000"/>
+        <a:alpha val="90000"/>
+      </a:schemeClr>
+      <a:schemeClr val="accent6">
+        <a:tint val="40000"/>
+        <a:alpha val="90000"/>
+      </a:schemeClr>
+    </dgm:linClrLst>
+    <dgm:effectClrLst/>
+    <dgm:txLinClrLst/>
+    <dgm:txFillClrLst meth="repeat">
+      <a:schemeClr val="dk1"/>
+    </dgm:txFillClrLst>
+    <dgm:txEffectClrLst/>
+  </dgm:styleLbl>
+  <dgm:styleLbl name="alignAccFollowNode1">
+    <dgm:fillClrLst meth="repeat">
+      <a:schemeClr val="accent2">
+        <a:tint val="40000"/>
+        <a:alpha val="90000"/>
+      </a:schemeClr>
+      <a:schemeClr val="accent3">
+        <a:tint val="40000"/>
+        <a:alpha val="90000"/>
+      </a:schemeClr>
+      <a:schemeClr val="accent4">
+        <a:tint val="40000"/>
+        <a:alpha val="90000"/>
+      </a:schemeClr>
+      <a:schemeClr val="accent5">
+        <a:tint val="40000"/>
+        <a:alpha val="90000"/>
+      </a:schemeClr>
+      <a:schemeClr val="accent6">
+        <a:tint val="40000"/>
+        <a:alpha val="90000"/>
+      </a:schemeClr>
+    </dgm:fillClrLst>
+    <dgm:linClrLst meth="repeat">
+      <a:schemeClr val="accent2">
+        <a:tint val="40000"/>
+        <a:alpha val="90000"/>
+      </a:schemeClr>
+      <a:schemeClr val="accent3">
+        <a:tint val="40000"/>
+        <a:alpha val="90000"/>
+      </a:schemeClr>
+      <a:schemeClr val="accent4">
+        <a:tint val="40000"/>
+        <a:alpha val="90000"/>
+      </a:schemeClr>
+      <a:schemeClr val="accent5">
+        <a:tint val="40000"/>
+        <a:alpha val="90000"/>
+      </a:schemeClr>
+      <a:schemeClr val="accent6">
+        <a:tint val="40000"/>
+        <a:alpha val="90000"/>
+      </a:schemeClr>
+    </dgm:linClrLst>
+    <dgm:effectClrLst/>
+    <dgm:txLinClrLst/>
+    <dgm:txFillClrLst meth="repeat">
+      <a:schemeClr val="dk1"/>
+    </dgm:txFillClrLst>
+    <dgm:txEffectClrLst/>
+  </dgm:styleLbl>
+  <dgm:styleLbl name="bgAccFollowNode1">
+    <dgm:fillClrLst meth="repeat">
+      <a:schemeClr val="accent2">
+        <a:tint val="40000"/>
+        <a:alpha val="90000"/>
+      </a:schemeClr>
+      <a:schemeClr val="accent3">
+        <a:tint val="40000"/>
+        <a:alpha val="90000"/>
+      </a:schemeClr>
+      <a:schemeClr val="accent4">
+        <a:tint val="40000"/>
+        <a:alpha val="90000"/>
+      </a:schemeClr>
+      <a:schemeClr val="accent5">
+        <a:tint val="40000"/>
+        <a:alpha val="90000"/>
+      </a:schemeClr>
+      <a:schemeClr val="accent6">
+        <a:tint val="40000"/>
+        <a:alpha val="90000"/>
+      </a:schemeClr>
+    </dgm:fillClrLst>
+    <dgm:linClrLst meth="repeat">
+      <a:schemeClr val="accent2">
+        <a:tint val="40000"/>
+        <a:alpha val="90000"/>
+      </a:schemeClr>
+      <a:schemeClr val="accent3">
+        <a:tint val="40000"/>
+        <a:alpha val="90000"/>
+      </a:schemeClr>
+      <a:schemeClr val="accent4">
+        <a:tint val="40000"/>
+        <a:alpha val="90000"/>
+      </a:schemeClr>
+      <a:schemeClr val="accent5">
+        <a:tint val="40000"/>
+        <a:alpha val="90000"/>
+      </a:schemeClr>
+      <a:schemeClr val="accent6">
+        <a:tint val="40000"/>
+        <a:alpha val="90000"/>
+      </a:schemeClr>
+    </dgm:linClrLst>
+    <dgm:effectClrLst/>
+    <dgm:txLinClrLst/>
+    <dgm:txFillClrLst meth="repeat">
+      <a:schemeClr val="dk1"/>
+    </dgm:txFillClrLst>
+    <dgm:txEffectClrLst/>
+  </dgm:styleLbl>
+  <dgm:styleLbl name="fgAcc0">
+    <dgm:fillClrLst meth="repeat">
+      <a:schemeClr val="lt1">
+        <a:alpha val="90000"/>
+      </a:schemeClr>
+    </dgm:fillClrLst>
+    <dgm:linClrLst>
+      <a:schemeClr val="accent1"/>
+    </dgm:linClrLst>
+    <dgm:effectClrLst/>
+    <dgm:txLinClrLst/>
+    <dgm:txFillClrLst meth="repeat">
+      <a:schemeClr val="dk1"/>
+    </dgm:txFillClrLst>
+    <dgm:txEffectClrLst/>
+  </dgm:styleLbl>
+  <dgm:styleLbl name="fgAcc2">
+    <dgm:fillClrLst meth="repeat">
+      <a:schemeClr val="lt1">
+        <a:alpha val="90000"/>
+      </a:schemeClr>
+    </dgm:fillClrLst>
+    <dgm:linClrLst>
+      <a:schemeClr val="accent2"/>
+    </dgm:linClrLst>
+    <dgm:effectClrLst/>
+    <dgm:txLinClrLst/>
+    <dgm:txFillClrLst meth="repeat">
+      <a:schemeClr val="dk1"/>
+    </dgm:txFillClrLst>
+    <dgm:txEffectClrLst/>
+  </dgm:styleLbl>
+  <dgm:styleLbl name="fgAcc3">
+    <dgm:fillClrLst meth="repeat">
+      <a:schemeClr val="lt1">
+        <a:alpha val="90000"/>
+      </a:schemeClr>
+    </dgm:fillClrLst>
+    <dgm:linClrLst>
+      <a:schemeClr val="accent3"/>
+    </dgm:linClrLst>
+    <dgm:effectClrLst/>
+    <dgm:txLinClrLst/>
+    <dgm:txFillClrLst meth="repeat">
+      <a:schemeClr val="dk1"/>
+    </dgm:txFillClrLst>
+    <dgm:txEffectClrLst/>
+  </dgm:styleLbl>
+  <dgm:styleLbl name="fgAcc4">
+    <dgm:fillClrLst meth="repeat">
+      <a:schemeClr val="lt1">
+        <a:alpha val="90000"/>
+      </a:schemeClr>
+    </dgm:fillClrLst>
+    <dgm:linClrLst>
+      <a:schemeClr val="accent4"/>
+    </dgm:linClrLst>
+    <dgm:effectClrLst/>
+    <dgm:txLinClrLst/>
+    <dgm:txFillClrLst meth="repeat">
+      <a:schemeClr val="dk1"/>
+    </dgm:txFillClrLst>
+    <dgm:txEffectClrLst/>
+  </dgm:styleLbl>
+  <dgm:styleLbl name="bgShp">
+    <dgm:fillClrLst meth="repeat">
+      <a:schemeClr val="accent2">
+        <a:tint val="40000"/>
+      </a:schemeClr>
+    </dgm:fillClrLst>
+    <dgm:linClrLst meth="repeat">
+      <a:schemeClr val="dk1"/>
+    </dgm:linClrLst>
+    <dgm:effectClrLst/>
+    <dgm:txLinClrLst/>
+    <dgm:txFillClrLst meth="repeat">
+      <a:schemeClr val="dk1"/>
+    </dgm:txFillClrLst>
+    <dgm:txEffectClrLst/>
+  </dgm:styleLbl>
+  <dgm:styleLbl name="dkBgShp">
+    <dgm:fillClrLst meth="repeat">
+      <a:schemeClr val="accent2">
+        <a:shade val="90000"/>
+      </a:schemeClr>
+    </dgm:fillClrLst>
+    <dgm:linClrLst meth="repeat">
+      <a:schemeClr val="dk1"/>
+    </dgm:linClrLst>
+    <dgm:effectClrLst/>
+    <dgm:txLinClrLst/>
+    <dgm:txFillClrLst meth="repeat">
+      <a:schemeClr val="lt1"/>
+    </dgm:txFillClrLst>
+    <dgm:txEffectClrLst/>
+  </dgm:styleLbl>
+  <dgm:styleLbl name="trBgShp">
+    <dgm:fillClrLst meth="repeat">
+      <a:schemeClr val="accent1">
+        <a:tint val="50000"/>
+        <a:alpha val="40000"/>
+      </a:schemeClr>
+    </dgm:fillClrLst>
+    <dgm:linClrLst meth="repeat">
+      <a:schemeClr val="accent2"/>
+    </dgm:linClrLst>
+    <dgm:effectClrLst/>
+    <dgm:txLinClrLst/>
+    <dgm:txFillClrLst meth="repeat">
+      <a:schemeClr val="lt1"/>
+    </dgm:txFillClrLst>
+    <dgm:txEffectClrLst/>
+  </dgm:styleLbl>
+  <dgm:styleLbl name="fgShp">
+    <dgm:fillClrLst meth="repeat">
+      <a:schemeClr val="accent2">
+        <a:tint val="40000"/>
       </a:schemeClr>
     </dgm:fillClrLst>
     <dgm:linClrLst meth="repeat">
@@ -1225,6 +2164,393 @@
   <dgm:extLst>
     <a:ext uri="http://schemas.microsoft.com/office/drawing/2008/diagram">
       <dsp:dataModelExt xmlns:dsp="http://schemas.microsoft.com/office/drawing/2008/diagram" relId="rId6" minVer="http://schemas.openxmlformats.org/drawingml/2006/diagram"/>
+    </a:ext>
+  </dgm:extLst>
+</dgm:dataModel>
+</file>
+
+<file path=ppt/diagrams/data2.xml><?xml version="1.0" encoding="utf-8"?>
+<dgm:dataModel xmlns:dgm="http://schemas.openxmlformats.org/drawingml/2006/diagram" xmlns:a="http://schemas.openxmlformats.org/drawingml/2006/main">
+  <dgm:ptLst>
+    <dgm:pt modelId="{505BBAAE-419F-4B9A-8D31-B83EF7B3A118}" type="doc">
+      <dgm:prSet loTypeId="urn:microsoft.com/office/officeart/2005/8/layout/list1" loCatId="list" qsTypeId="urn:microsoft.com/office/officeart/2005/8/quickstyle/simple4" qsCatId="simple" csTypeId="urn:microsoft.com/office/officeart/2005/8/colors/colorful1" csCatId="colorful"/>
+      <dgm:spPr/>
+      <dgm:t>
+        <a:bodyPr/>
+        <a:lstStyle/>
+        <a:p>
+          <a:endParaRPr lang="en-US"/>
+        </a:p>
+      </dgm:t>
+    </dgm:pt>
+    <dgm:pt modelId="{0A9132A3-F991-4DE2-912C-A46C25F6F006}">
+      <dgm:prSet/>
+      <dgm:spPr/>
+      <dgm:t>
+        <a:bodyPr/>
+        <a:lstStyle/>
+        <a:p>
+          <a:r>
+            <a:rPr lang="en-SG"/>
+            <a:t>Optimizer:  </a:t>
+          </a:r>
+          <a:endParaRPr lang="en-US"/>
+        </a:p>
+      </dgm:t>
+    </dgm:pt>
+    <dgm:pt modelId="{7478F5B3-CE46-4EAE-A584-F50A663C0363}" type="parTrans" cxnId="{B08C4001-2DBB-4308-B792-D686FB72125C}">
+      <dgm:prSet/>
+      <dgm:spPr/>
+      <dgm:t>
+        <a:bodyPr/>
+        <a:lstStyle/>
+        <a:p>
+          <a:endParaRPr lang="en-US"/>
+        </a:p>
+      </dgm:t>
+    </dgm:pt>
+    <dgm:pt modelId="{99F2E9C2-41C8-4E3A-871E-31E8740BC70F}" type="sibTrans" cxnId="{B08C4001-2DBB-4308-B792-D686FB72125C}">
+      <dgm:prSet/>
+      <dgm:spPr/>
+      <dgm:t>
+        <a:bodyPr/>
+        <a:lstStyle/>
+        <a:p>
+          <a:endParaRPr lang="en-US"/>
+        </a:p>
+      </dgm:t>
+    </dgm:pt>
+    <dgm:pt modelId="{A01E992D-1C85-4909-80CD-DFAEFF9FC3B9}">
+      <dgm:prSet/>
+      <dgm:spPr/>
+      <dgm:t>
+        <a:bodyPr/>
+        <a:lstStyle/>
+        <a:p>
+          <a:r>
+            <a:rPr lang="en-SG"/>
+            <a:t>Adam was used as the optimizer, which sets per-parameter learning rates based on gradient functions</a:t>
+          </a:r>
+          <a:endParaRPr lang="en-US"/>
+        </a:p>
+      </dgm:t>
+    </dgm:pt>
+    <dgm:pt modelId="{25044026-BB61-4400-8DC3-7E0D2730C7C8}" type="parTrans" cxnId="{98F6317D-1F08-41C0-A2BC-08620A6EBCE1}">
+      <dgm:prSet/>
+      <dgm:spPr/>
+      <dgm:t>
+        <a:bodyPr/>
+        <a:lstStyle/>
+        <a:p>
+          <a:endParaRPr lang="en-US"/>
+        </a:p>
+      </dgm:t>
+    </dgm:pt>
+    <dgm:pt modelId="{5F916E50-D529-45D6-B932-731168EE2123}" type="sibTrans" cxnId="{98F6317D-1F08-41C0-A2BC-08620A6EBCE1}">
+      <dgm:prSet/>
+      <dgm:spPr/>
+      <dgm:t>
+        <a:bodyPr/>
+        <a:lstStyle/>
+        <a:p>
+          <a:endParaRPr lang="en-US"/>
+        </a:p>
+      </dgm:t>
+    </dgm:pt>
+    <dgm:pt modelId="{506B7D9D-D988-424F-ACE3-BFB71556E723}">
+      <dgm:prSet/>
+      <dgm:spPr/>
+      <dgm:t>
+        <a:bodyPr/>
+        <a:lstStyle/>
+        <a:p>
+          <a:r>
+            <a:rPr lang="en-SG"/>
+            <a:t>Scheduler:  </a:t>
+          </a:r>
+          <a:endParaRPr lang="en-US"/>
+        </a:p>
+      </dgm:t>
+    </dgm:pt>
+    <dgm:pt modelId="{70A21D69-E125-43F6-87F1-17B4472DFD30}" type="parTrans" cxnId="{1C4EEF38-8A23-4B62-9014-1ADD3081E673}">
+      <dgm:prSet/>
+      <dgm:spPr/>
+      <dgm:t>
+        <a:bodyPr/>
+        <a:lstStyle/>
+        <a:p>
+          <a:endParaRPr lang="en-US"/>
+        </a:p>
+      </dgm:t>
+    </dgm:pt>
+    <dgm:pt modelId="{D88D117B-1937-48C3-A493-34056487E617}" type="sibTrans" cxnId="{1C4EEF38-8A23-4B62-9014-1ADD3081E673}">
+      <dgm:prSet/>
+      <dgm:spPr/>
+      <dgm:t>
+        <a:bodyPr/>
+        <a:lstStyle/>
+        <a:p>
+          <a:endParaRPr lang="en-US"/>
+        </a:p>
+      </dgm:t>
+    </dgm:pt>
+    <dgm:pt modelId="{9A8A4768-D00D-4642-AC1D-68B1CC163E64}">
+      <dgm:prSet/>
+      <dgm:spPr/>
+      <dgm:t>
+        <a:bodyPr/>
+        <a:lstStyle/>
+        <a:p>
+          <a:r>
+            <a:rPr lang="en-SG"/>
+            <a:t>On top of the Adam adjustments, the base learning rate was set to a reciprocal decay as epochs increased</a:t>
+          </a:r>
+          <a:endParaRPr lang="en-US"/>
+        </a:p>
+      </dgm:t>
+    </dgm:pt>
+    <dgm:pt modelId="{99E80EE9-FAE4-46BE-8568-51702ED5DECA}" type="parTrans" cxnId="{788FE8D3-D115-4CA4-92E6-81048D7951C1}">
+      <dgm:prSet/>
+      <dgm:spPr/>
+      <dgm:t>
+        <a:bodyPr/>
+        <a:lstStyle/>
+        <a:p>
+          <a:endParaRPr lang="en-US"/>
+        </a:p>
+      </dgm:t>
+    </dgm:pt>
+    <dgm:pt modelId="{9E71F101-C27B-4436-9A2D-2CDD1B842CAA}" type="sibTrans" cxnId="{788FE8D3-D115-4CA4-92E6-81048D7951C1}">
+      <dgm:prSet/>
+      <dgm:spPr/>
+      <dgm:t>
+        <a:bodyPr/>
+        <a:lstStyle/>
+        <a:p>
+          <a:endParaRPr lang="en-US"/>
+        </a:p>
+      </dgm:t>
+    </dgm:pt>
+    <dgm:pt modelId="{19B3C798-28B3-4EAA-B7DE-8798E394B0BC}">
+      <dgm:prSet/>
+      <dgm:spPr/>
+      <dgm:t>
+        <a:bodyPr/>
+        <a:lstStyle/>
+        <a:p>
+          <a:r>
+            <a:rPr lang="en-SG"/>
+            <a:t>Class weights:  </a:t>
+          </a:r>
+          <a:endParaRPr lang="en-US"/>
+        </a:p>
+      </dgm:t>
+    </dgm:pt>
+    <dgm:pt modelId="{7085A4C1-FEA7-47BF-A2D3-FFD8C551730B}" type="parTrans" cxnId="{017B5C7F-1C54-4513-B403-CE566DF70B75}">
+      <dgm:prSet/>
+      <dgm:spPr/>
+      <dgm:t>
+        <a:bodyPr/>
+        <a:lstStyle/>
+        <a:p>
+          <a:endParaRPr lang="en-US"/>
+        </a:p>
+      </dgm:t>
+    </dgm:pt>
+    <dgm:pt modelId="{8DCF10F3-A310-4E41-8326-A428B9A5AEA4}" type="sibTrans" cxnId="{017B5C7F-1C54-4513-B403-CE566DF70B75}">
+      <dgm:prSet/>
+      <dgm:spPr/>
+      <dgm:t>
+        <a:bodyPr/>
+        <a:lstStyle/>
+        <a:p>
+          <a:endParaRPr lang="en-US"/>
+        </a:p>
+      </dgm:t>
+    </dgm:pt>
+    <dgm:pt modelId="{56197C75-7DA1-4F23-A73F-850F1C7808A9}">
+      <dgm:prSet/>
+      <dgm:spPr/>
+      <dgm:t>
+        <a:bodyPr/>
+        <a:lstStyle/>
+        <a:p>
+          <a:r>
+            <a:rPr lang="en-SG"/>
+            <a:t>Assigned as previously mentioned</a:t>
+          </a:r>
+          <a:endParaRPr lang="en-US"/>
+        </a:p>
+      </dgm:t>
+    </dgm:pt>
+    <dgm:pt modelId="{75DBF245-46CC-453D-8580-EC77908F7925}" type="parTrans" cxnId="{4DA84831-7D12-49D0-A4AF-409FFFAA326C}">
+      <dgm:prSet/>
+      <dgm:spPr/>
+      <dgm:t>
+        <a:bodyPr/>
+        <a:lstStyle/>
+        <a:p>
+          <a:endParaRPr lang="en-US"/>
+        </a:p>
+      </dgm:t>
+    </dgm:pt>
+    <dgm:pt modelId="{E28F5EAA-B99B-4146-9DE7-410756C7097F}" type="sibTrans" cxnId="{4DA84831-7D12-49D0-A4AF-409FFFAA326C}">
+      <dgm:prSet/>
+      <dgm:spPr/>
+      <dgm:t>
+        <a:bodyPr/>
+        <a:lstStyle/>
+        <a:p>
+          <a:endParaRPr lang="en-US"/>
+        </a:p>
+      </dgm:t>
+    </dgm:pt>
+    <dgm:pt modelId="{8A8B9A41-0314-45BB-90BC-3AF2A7A36C69}" type="pres">
+      <dgm:prSet presAssocID="{505BBAAE-419F-4B9A-8D31-B83EF7B3A118}" presName="linear" presStyleCnt="0">
+        <dgm:presLayoutVars>
+          <dgm:dir/>
+          <dgm:animLvl val="lvl"/>
+          <dgm:resizeHandles val="exact"/>
+        </dgm:presLayoutVars>
+      </dgm:prSet>
+      <dgm:spPr/>
+    </dgm:pt>
+    <dgm:pt modelId="{2F16D09D-2E53-424C-8110-3BC3CF1E3A7A}" type="pres">
+      <dgm:prSet presAssocID="{0A9132A3-F991-4DE2-912C-A46C25F6F006}" presName="parentLin" presStyleCnt="0"/>
+      <dgm:spPr/>
+    </dgm:pt>
+    <dgm:pt modelId="{ABA08E82-CB71-41FD-8FA5-FEF8292B1B17}" type="pres">
+      <dgm:prSet presAssocID="{0A9132A3-F991-4DE2-912C-A46C25F6F006}" presName="parentLeftMargin" presStyleLbl="node1" presStyleIdx="0" presStyleCnt="3"/>
+      <dgm:spPr/>
+    </dgm:pt>
+    <dgm:pt modelId="{45F3E460-EAA2-44C2-AB53-6DE790736783}" type="pres">
+      <dgm:prSet presAssocID="{0A9132A3-F991-4DE2-912C-A46C25F6F006}" presName="parentText" presStyleLbl="node1" presStyleIdx="0" presStyleCnt="3">
+        <dgm:presLayoutVars>
+          <dgm:chMax val="0"/>
+          <dgm:bulletEnabled val="1"/>
+        </dgm:presLayoutVars>
+      </dgm:prSet>
+      <dgm:spPr/>
+    </dgm:pt>
+    <dgm:pt modelId="{6CDE40B6-F44B-40BD-999F-F8D5D270FD84}" type="pres">
+      <dgm:prSet presAssocID="{0A9132A3-F991-4DE2-912C-A46C25F6F006}" presName="negativeSpace" presStyleCnt="0"/>
+      <dgm:spPr/>
+    </dgm:pt>
+    <dgm:pt modelId="{03109490-899A-412C-A7D5-742323774784}" type="pres">
+      <dgm:prSet presAssocID="{0A9132A3-F991-4DE2-912C-A46C25F6F006}" presName="childText" presStyleLbl="conFgAcc1" presStyleIdx="0" presStyleCnt="3">
+        <dgm:presLayoutVars>
+          <dgm:bulletEnabled val="1"/>
+        </dgm:presLayoutVars>
+      </dgm:prSet>
+      <dgm:spPr/>
+    </dgm:pt>
+    <dgm:pt modelId="{78EE7C5F-71BF-47AD-9E3E-1D1FC5988AB4}" type="pres">
+      <dgm:prSet presAssocID="{99F2E9C2-41C8-4E3A-871E-31E8740BC70F}" presName="spaceBetweenRectangles" presStyleCnt="0"/>
+      <dgm:spPr/>
+    </dgm:pt>
+    <dgm:pt modelId="{A186FD4D-C63D-41F5-B0F0-33E48D21F045}" type="pres">
+      <dgm:prSet presAssocID="{506B7D9D-D988-424F-ACE3-BFB71556E723}" presName="parentLin" presStyleCnt="0"/>
+      <dgm:spPr/>
+    </dgm:pt>
+    <dgm:pt modelId="{9ABFFABD-F2A1-4B77-A51D-1772154D0361}" type="pres">
+      <dgm:prSet presAssocID="{506B7D9D-D988-424F-ACE3-BFB71556E723}" presName="parentLeftMargin" presStyleLbl="node1" presStyleIdx="0" presStyleCnt="3"/>
+      <dgm:spPr/>
+    </dgm:pt>
+    <dgm:pt modelId="{47FFDAD0-DE85-459D-91B6-BB57167F98B0}" type="pres">
+      <dgm:prSet presAssocID="{506B7D9D-D988-424F-ACE3-BFB71556E723}" presName="parentText" presStyleLbl="node1" presStyleIdx="1" presStyleCnt="3">
+        <dgm:presLayoutVars>
+          <dgm:chMax val="0"/>
+          <dgm:bulletEnabled val="1"/>
+        </dgm:presLayoutVars>
+      </dgm:prSet>
+      <dgm:spPr/>
+    </dgm:pt>
+    <dgm:pt modelId="{BA87EBF8-0CB3-4A8C-8FB9-897A7BCAF173}" type="pres">
+      <dgm:prSet presAssocID="{506B7D9D-D988-424F-ACE3-BFB71556E723}" presName="negativeSpace" presStyleCnt="0"/>
+      <dgm:spPr/>
+    </dgm:pt>
+    <dgm:pt modelId="{E50BAD21-E3DD-4972-B7D0-8A22E5B659B2}" type="pres">
+      <dgm:prSet presAssocID="{506B7D9D-D988-424F-ACE3-BFB71556E723}" presName="childText" presStyleLbl="conFgAcc1" presStyleIdx="1" presStyleCnt="3">
+        <dgm:presLayoutVars>
+          <dgm:bulletEnabled val="1"/>
+        </dgm:presLayoutVars>
+      </dgm:prSet>
+      <dgm:spPr/>
+    </dgm:pt>
+    <dgm:pt modelId="{7B11B1D0-31C1-4BF0-8870-16812825FE53}" type="pres">
+      <dgm:prSet presAssocID="{D88D117B-1937-48C3-A493-34056487E617}" presName="spaceBetweenRectangles" presStyleCnt="0"/>
+      <dgm:spPr/>
+    </dgm:pt>
+    <dgm:pt modelId="{BE8E5A74-309E-43E5-B3AE-94C7C9C1961B}" type="pres">
+      <dgm:prSet presAssocID="{19B3C798-28B3-4EAA-B7DE-8798E394B0BC}" presName="parentLin" presStyleCnt="0"/>
+      <dgm:spPr/>
+    </dgm:pt>
+    <dgm:pt modelId="{E7FDDA86-B571-4EF1-84FE-D9C56027E627}" type="pres">
+      <dgm:prSet presAssocID="{19B3C798-28B3-4EAA-B7DE-8798E394B0BC}" presName="parentLeftMargin" presStyleLbl="node1" presStyleIdx="1" presStyleCnt="3"/>
+      <dgm:spPr/>
+    </dgm:pt>
+    <dgm:pt modelId="{DF5662E6-A92F-45AC-B07B-A77F85E1C425}" type="pres">
+      <dgm:prSet presAssocID="{19B3C798-28B3-4EAA-B7DE-8798E394B0BC}" presName="parentText" presStyleLbl="node1" presStyleIdx="2" presStyleCnt="3">
+        <dgm:presLayoutVars>
+          <dgm:chMax val="0"/>
+          <dgm:bulletEnabled val="1"/>
+        </dgm:presLayoutVars>
+      </dgm:prSet>
+      <dgm:spPr/>
+    </dgm:pt>
+    <dgm:pt modelId="{1D7BD9FA-7838-4486-893D-BB7BD75C8EDE}" type="pres">
+      <dgm:prSet presAssocID="{19B3C798-28B3-4EAA-B7DE-8798E394B0BC}" presName="negativeSpace" presStyleCnt="0"/>
+      <dgm:spPr/>
+    </dgm:pt>
+    <dgm:pt modelId="{5E017F6B-25F2-4BF4-9E92-663F42921CAD}" type="pres">
+      <dgm:prSet presAssocID="{19B3C798-28B3-4EAA-B7DE-8798E394B0BC}" presName="childText" presStyleLbl="conFgAcc1" presStyleIdx="2" presStyleCnt="3">
+        <dgm:presLayoutVars>
+          <dgm:bulletEnabled val="1"/>
+        </dgm:presLayoutVars>
+      </dgm:prSet>
+      <dgm:spPr/>
+    </dgm:pt>
+  </dgm:ptLst>
+  <dgm:cxnLst>
+    <dgm:cxn modelId="{B08C4001-2DBB-4308-B792-D686FB72125C}" srcId="{505BBAAE-419F-4B9A-8D31-B83EF7B3A118}" destId="{0A9132A3-F991-4DE2-912C-A46C25F6F006}" srcOrd="0" destOrd="0" parTransId="{7478F5B3-CE46-4EAE-A584-F50A663C0363}" sibTransId="{99F2E9C2-41C8-4E3A-871E-31E8740BC70F}"/>
+    <dgm:cxn modelId="{C1B40C0F-D03A-45DB-BB70-0B310FB0CAB1}" type="presOf" srcId="{506B7D9D-D988-424F-ACE3-BFB71556E723}" destId="{9ABFFABD-F2A1-4B77-A51D-1772154D0361}" srcOrd="0" destOrd="0" presId="urn:microsoft.com/office/officeart/2005/8/layout/list1"/>
+    <dgm:cxn modelId="{0BBDC521-6406-4AEC-9165-7DAC0093FD24}" type="presOf" srcId="{506B7D9D-D988-424F-ACE3-BFB71556E723}" destId="{47FFDAD0-DE85-459D-91B6-BB57167F98B0}" srcOrd="1" destOrd="0" presId="urn:microsoft.com/office/officeart/2005/8/layout/list1"/>
+    <dgm:cxn modelId="{4DA84831-7D12-49D0-A4AF-409FFFAA326C}" srcId="{19B3C798-28B3-4EAA-B7DE-8798E394B0BC}" destId="{56197C75-7DA1-4F23-A73F-850F1C7808A9}" srcOrd="0" destOrd="0" parTransId="{75DBF245-46CC-453D-8580-EC77908F7925}" sibTransId="{E28F5EAA-B99B-4146-9DE7-410756C7097F}"/>
+    <dgm:cxn modelId="{1C4EEF38-8A23-4B62-9014-1ADD3081E673}" srcId="{505BBAAE-419F-4B9A-8D31-B83EF7B3A118}" destId="{506B7D9D-D988-424F-ACE3-BFB71556E723}" srcOrd="1" destOrd="0" parTransId="{70A21D69-E125-43F6-87F1-17B4472DFD30}" sibTransId="{D88D117B-1937-48C3-A493-34056487E617}"/>
+    <dgm:cxn modelId="{62A97141-BFFE-4D89-922B-50DB47A7C863}" type="presOf" srcId="{19B3C798-28B3-4EAA-B7DE-8798E394B0BC}" destId="{DF5662E6-A92F-45AC-B07B-A77F85E1C425}" srcOrd="1" destOrd="0" presId="urn:microsoft.com/office/officeart/2005/8/layout/list1"/>
+    <dgm:cxn modelId="{2769916F-C7FC-4967-A3F7-E0C9164467DC}" type="presOf" srcId="{0A9132A3-F991-4DE2-912C-A46C25F6F006}" destId="{45F3E460-EAA2-44C2-AB53-6DE790736783}" srcOrd="1" destOrd="0" presId="urn:microsoft.com/office/officeart/2005/8/layout/list1"/>
+    <dgm:cxn modelId="{98B15776-6761-4E2E-85A4-385CC9D9F746}" type="presOf" srcId="{9A8A4768-D00D-4642-AC1D-68B1CC163E64}" destId="{E50BAD21-E3DD-4972-B7D0-8A22E5B659B2}" srcOrd="0" destOrd="0" presId="urn:microsoft.com/office/officeart/2005/8/layout/list1"/>
+    <dgm:cxn modelId="{98F6317D-1F08-41C0-A2BC-08620A6EBCE1}" srcId="{0A9132A3-F991-4DE2-912C-A46C25F6F006}" destId="{A01E992D-1C85-4909-80CD-DFAEFF9FC3B9}" srcOrd="0" destOrd="0" parTransId="{25044026-BB61-4400-8DC3-7E0D2730C7C8}" sibTransId="{5F916E50-D529-45D6-B932-731168EE2123}"/>
+    <dgm:cxn modelId="{017B5C7F-1C54-4513-B403-CE566DF70B75}" srcId="{505BBAAE-419F-4B9A-8D31-B83EF7B3A118}" destId="{19B3C798-28B3-4EAA-B7DE-8798E394B0BC}" srcOrd="2" destOrd="0" parTransId="{7085A4C1-FEA7-47BF-A2D3-FFD8C551730B}" sibTransId="{8DCF10F3-A310-4E41-8326-A428B9A5AEA4}"/>
+    <dgm:cxn modelId="{48E05885-8884-4879-B876-B88BFBDC94B3}" type="presOf" srcId="{505BBAAE-419F-4B9A-8D31-B83EF7B3A118}" destId="{8A8B9A41-0314-45BB-90BC-3AF2A7A36C69}" srcOrd="0" destOrd="0" presId="urn:microsoft.com/office/officeart/2005/8/layout/list1"/>
+    <dgm:cxn modelId="{42699C93-E6B6-43F2-A33E-0E4E8E3D245A}" type="presOf" srcId="{0A9132A3-F991-4DE2-912C-A46C25F6F006}" destId="{ABA08E82-CB71-41FD-8FA5-FEF8292B1B17}" srcOrd="0" destOrd="0" presId="urn:microsoft.com/office/officeart/2005/8/layout/list1"/>
+    <dgm:cxn modelId="{E5C6DB98-F795-47D5-9334-B3BC397E7128}" type="presOf" srcId="{19B3C798-28B3-4EAA-B7DE-8798E394B0BC}" destId="{E7FDDA86-B571-4EF1-84FE-D9C56027E627}" srcOrd="0" destOrd="0" presId="urn:microsoft.com/office/officeart/2005/8/layout/list1"/>
+    <dgm:cxn modelId="{F1C4A19F-382D-41E0-9FEA-56CE2D6CD805}" type="presOf" srcId="{A01E992D-1C85-4909-80CD-DFAEFF9FC3B9}" destId="{03109490-899A-412C-A7D5-742323774784}" srcOrd="0" destOrd="0" presId="urn:microsoft.com/office/officeart/2005/8/layout/list1"/>
+    <dgm:cxn modelId="{788FE8D3-D115-4CA4-92E6-81048D7951C1}" srcId="{506B7D9D-D988-424F-ACE3-BFB71556E723}" destId="{9A8A4768-D00D-4642-AC1D-68B1CC163E64}" srcOrd="0" destOrd="0" parTransId="{99E80EE9-FAE4-46BE-8568-51702ED5DECA}" sibTransId="{9E71F101-C27B-4436-9A2D-2CDD1B842CAA}"/>
+    <dgm:cxn modelId="{DAF44DDA-E067-40C1-9BC2-34305F836EDC}" type="presOf" srcId="{56197C75-7DA1-4F23-A73F-850F1C7808A9}" destId="{5E017F6B-25F2-4BF4-9E92-663F42921CAD}" srcOrd="0" destOrd="0" presId="urn:microsoft.com/office/officeart/2005/8/layout/list1"/>
+    <dgm:cxn modelId="{F3E5C3A1-704F-44E2-A5B8-832E3BE0E67A}" type="presParOf" srcId="{8A8B9A41-0314-45BB-90BC-3AF2A7A36C69}" destId="{2F16D09D-2E53-424C-8110-3BC3CF1E3A7A}" srcOrd="0" destOrd="0" presId="urn:microsoft.com/office/officeart/2005/8/layout/list1"/>
+    <dgm:cxn modelId="{23E69122-7AD4-4131-89F0-8DB671191A2D}" type="presParOf" srcId="{2F16D09D-2E53-424C-8110-3BC3CF1E3A7A}" destId="{ABA08E82-CB71-41FD-8FA5-FEF8292B1B17}" srcOrd="0" destOrd="0" presId="urn:microsoft.com/office/officeart/2005/8/layout/list1"/>
+    <dgm:cxn modelId="{1B3C8204-2C90-4A76-94C8-1CCBC21D6D21}" type="presParOf" srcId="{2F16D09D-2E53-424C-8110-3BC3CF1E3A7A}" destId="{45F3E460-EAA2-44C2-AB53-6DE790736783}" srcOrd="1" destOrd="0" presId="urn:microsoft.com/office/officeart/2005/8/layout/list1"/>
+    <dgm:cxn modelId="{39CB4E9E-ED83-40C1-B9E2-8A261DE34EF2}" type="presParOf" srcId="{8A8B9A41-0314-45BB-90BC-3AF2A7A36C69}" destId="{6CDE40B6-F44B-40BD-999F-F8D5D270FD84}" srcOrd="1" destOrd="0" presId="urn:microsoft.com/office/officeart/2005/8/layout/list1"/>
+    <dgm:cxn modelId="{4F05C983-1DA2-4C74-BEE8-235E87452586}" type="presParOf" srcId="{8A8B9A41-0314-45BB-90BC-3AF2A7A36C69}" destId="{03109490-899A-412C-A7D5-742323774784}" srcOrd="2" destOrd="0" presId="urn:microsoft.com/office/officeart/2005/8/layout/list1"/>
+    <dgm:cxn modelId="{F4191046-1ED5-487D-9EA7-936E8FBBBBCB}" type="presParOf" srcId="{8A8B9A41-0314-45BB-90BC-3AF2A7A36C69}" destId="{78EE7C5F-71BF-47AD-9E3E-1D1FC5988AB4}" srcOrd="3" destOrd="0" presId="urn:microsoft.com/office/officeart/2005/8/layout/list1"/>
+    <dgm:cxn modelId="{A285DEC9-FBDC-49F0-AF9D-2C896B005FE7}" type="presParOf" srcId="{8A8B9A41-0314-45BB-90BC-3AF2A7A36C69}" destId="{A186FD4D-C63D-41F5-B0F0-33E48D21F045}" srcOrd="4" destOrd="0" presId="urn:microsoft.com/office/officeart/2005/8/layout/list1"/>
+    <dgm:cxn modelId="{2C3FA323-6F0D-4900-BFAE-EF7AC4D3765C}" type="presParOf" srcId="{A186FD4D-C63D-41F5-B0F0-33E48D21F045}" destId="{9ABFFABD-F2A1-4B77-A51D-1772154D0361}" srcOrd="0" destOrd="0" presId="urn:microsoft.com/office/officeart/2005/8/layout/list1"/>
+    <dgm:cxn modelId="{94E0582C-D5FF-40BD-906E-BE1B47969FD1}" type="presParOf" srcId="{A186FD4D-C63D-41F5-B0F0-33E48D21F045}" destId="{47FFDAD0-DE85-459D-91B6-BB57167F98B0}" srcOrd="1" destOrd="0" presId="urn:microsoft.com/office/officeart/2005/8/layout/list1"/>
+    <dgm:cxn modelId="{944CA65B-5523-4E8B-9A72-FE02DAA7B887}" type="presParOf" srcId="{8A8B9A41-0314-45BB-90BC-3AF2A7A36C69}" destId="{BA87EBF8-0CB3-4A8C-8FB9-897A7BCAF173}" srcOrd="5" destOrd="0" presId="urn:microsoft.com/office/officeart/2005/8/layout/list1"/>
+    <dgm:cxn modelId="{97C97363-DE5C-4312-B997-A590FAC9CAD8}" type="presParOf" srcId="{8A8B9A41-0314-45BB-90BC-3AF2A7A36C69}" destId="{E50BAD21-E3DD-4972-B7D0-8A22E5B659B2}" srcOrd="6" destOrd="0" presId="urn:microsoft.com/office/officeart/2005/8/layout/list1"/>
+    <dgm:cxn modelId="{421515EC-EC43-4E23-A598-4CC46740AE34}" type="presParOf" srcId="{8A8B9A41-0314-45BB-90BC-3AF2A7A36C69}" destId="{7B11B1D0-31C1-4BF0-8870-16812825FE53}" srcOrd="7" destOrd="0" presId="urn:microsoft.com/office/officeart/2005/8/layout/list1"/>
+    <dgm:cxn modelId="{A4292A0D-F8B8-476D-B136-E3B7F8CA2D95}" type="presParOf" srcId="{8A8B9A41-0314-45BB-90BC-3AF2A7A36C69}" destId="{BE8E5A74-309E-43E5-B3AE-94C7C9C1961B}" srcOrd="8" destOrd="0" presId="urn:microsoft.com/office/officeart/2005/8/layout/list1"/>
+    <dgm:cxn modelId="{87283786-3B1E-406B-8E75-36A3158330AC}" type="presParOf" srcId="{BE8E5A74-309E-43E5-B3AE-94C7C9C1961B}" destId="{E7FDDA86-B571-4EF1-84FE-D9C56027E627}" srcOrd="0" destOrd="0" presId="urn:microsoft.com/office/officeart/2005/8/layout/list1"/>
+    <dgm:cxn modelId="{521851CC-907F-4D4A-8155-C71CD786A270}" type="presParOf" srcId="{BE8E5A74-309E-43E5-B3AE-94C7C9C1961B}" destId="{DF5662E6-A92F-45AC-B07B-A77F85E1C425}" srcOrd="1" destOrd="0" presId="urn:microsoft.com/office/officeart/2005/8/layout/list1"/>
+    <dgm:cxn modelId="{1738CC8E-AAE9-492E-8834-3B6C5DF0D874}" type="presParOf" srcId="{8A8B9A41-0314-45BB-90BC-3AF2A7A36C69}" destId="{1D7BD9FA-7838-4486-893D-BB7BD75C8EDE}" srcOrd="9" destOrd="0" presId="urn:microsoft.com/office/officeart/2005/8/layout/list1"/>
+    <dgm:cxn modelId="{0FB2762D-1002-4DA5-BDF1-DF0BF97F08C3}" type="presParOf" srcId="{8A8B9A41-0314-45BB-90BC-3AF2A7A36C69}" destId="{5E017F6B-25F2-4BF4-9E92-663F42921CAD}" srcOrd="10" destOrd="0" presId="urn:microsoft.com/office/officeart/2005/8/layout/list1"/>
+  </dgm:cxnLst>
+  <dgm:bg/>
+  <dgm:whole/>
+  <dgm:extLst>
+    <a:ext uri="http://schemas.microsoft.com/office/drawing/2008/diagram">
+      <dsp:dataModelExt xmlns:dsp="http://schemas.microsoft.com/office/drawing/2008/diagram" relId="rId7" minVer="http://schemas.openxmlformats.org/drawingml/2006/diagram"/>
     </a:ext>
   </dgm:extLst>
 </dgm:dataModel>
@@ -1716,6 +3042,549 @@
 </dsp:drawing>
 </file>
 
+<file path=ppt/diagrams/drawing2.xml><?xml version="1.0" encoding="utf-8"?>
+<dsp:drawing xmlns:dgm="http://schemas.openxmlformats.org/drawingml/2006/diagram" xmlns:dsp="http://schemas.microsoft.com/office/drawing/2008/diagram" xmlns:a="http://schemas.openxmlformats.org/drawingml/2006/main">
+  <dsp:spTree>
+    <dsp:nvGrpSpPr>
+      <dsp:cNvPr id="0" name=""/>
+      <dsp:cNvGrpSpPr/>
+    </dsp:nvGrpSpPr>
+    <dsp:grpSpPr/>
+    <dsp:sp modelId="{03109490-899A-412C-A7D5-742323774784}">
+      <dsp:nvSpPr>
+        <dsp:cNvPr id="0" name=""/>
+        <dsp:cNvSpPr/>
+      </dsp:nvSpPr>
+      <dsp:spPr>
+        <a:xfrm>
+          <a:off x="0" y="392442"/>
+          <a:ext cx="5913437" cy="1286775"/>
+        </a:xfrm>
+        <a:prstGeom prst="rect">
+          <a:avLst/>
+        </a:prstGeom>
+        <a:solidFill>
+          <a:schemeClr val="lt1">
+            <a:alpha val="90000"/>
+            <a:hueOff val="0"/>
+            <a:satOff val="0"/>
+            <a:lumOff val="0"/>
+            <a:alphaOff val="0"/>
+          </a:schemeClr>
+        </a:solidFill>
+        <a:ln w="9525" cap="flat" cmpd="sng" algn="ctr">
+          <a:solidFill>
+            <a:schemeClr val="accent2">
+              <a:hueOff val="0"/>
+              <a:satOff val="0"/>
+              <a:lumOff val="0"/>
+              <a:alphaOff val="0"/>
+            </a:schemeClr>
+          </a:solidFill>
+          <a:prstDash val="solid"/>
+        </a:ln>
+        <a:effectLst/>
+      </dsp:spPr>
+      <dsp:style>
+        <a:lnRef idx="1">
+          <a:scrgbClr r="0" g="0" b="0"/>
+        </a:lnRef>
+        <a:fillRef idx="1">
+          <a:scrgbClr r="0" g="0" b="0"/>
+        </a:fillRef>
+        <a:effectRef idx="0">
+          <a:scrgbClr r="0" g="0" b="0"/>
+        </a:effectRef>
+        <a:fontRef idx="minor"/>
+      </dsp:style>
+      <dsp:txBody>
+        <a:bodyPr spcFirstLastPara="0" vert="horz" wrap="square" lIns="458948" tIns="395732" rIns="458948" bIns="135128" numCol="1" spcCol="1270" anchor="t" anchorCtr="0">
+          <a:noAutofit/>
+        </a:bodyPr>
+        <a:lstStyle/>
+        <a:p>
+          <a:pPr marL="171450" lvl="1" indent="-171450" algn="l" defTabSz="844550">
+            <a:lnSpc>
+              <a:spcPct val="90000"/>
+            </a:lnSpc>
+            <a:spcBef>
+              <a:spcPct val="0"/>
+            </a:spcBef>
+            <a:spcAft>
+              <a:spcPct val="15000"/>
+            </a:spcAft>
+            <a:buChar char="•"/>
+          </a:pPr>
+          <a:r>
+            <a:rPr lang="en-SG" sz="1900" kern="1200"/>
+            <a:t>Adam was used as the optimizer, which sets per-parameter learning rates based on gradient functions</a:t>
+          </a:r>
+          <a:endParaRPr lang="en-US" sz="1900" kern="1200"/>
+        </a:p>
+      </dsp:txBody>
+      <dsp:txXfrm>
+        <a:off x="0" y="392442"/>
+        <a:ext cx="5913437" cy="1286775"/>
+      </dsp:txXfrm>
+    </dsp:sp>
+    <dsp:sp modelId="{45F3E460-EAA2-44C2-AB53-6DE790736783}">
+      <dsp:nvSpPr>
+        <dsp:cNvPr id="0" name=""/>
+        <dsp:cNvSpPr/>
+      </dsp:nvSpPr>
+      <dsp:spPr>
+        <a:xfrm>
+          <a:off x="295671" y="112002"/>
+          <a:ext cx="4139405" cy="560880"/>
+        </a:xfrm>
+        <a:prstGeom prst="roundRect">
+          <a:avLst/>
+        </a:prstGeom>
+        <a:gradFill rotWithShape="0">
+          <a:gsLst>
+            <a:gs pos="0">
+              <a:schemeClr val="accent2">
+                <a:hueOff val="0"/>
+                <a:satOff val="0"/>
+                <a:lumOff val="0"/>
+                <a:alphaOff val="0"/>
+                <a:tint val="98000"/>
+                <a:satMod val="110000"/>
+                <a:lumMod val="104000"/>
+              </a:schemeClr>
+            </a:gs>
+            <a:gs pos="69000">
+              <a:schemeClr val="accent2">
+                <a:hueOff val="0"/>
+                <a:satOff val="0"/>
+                <a:lumOff val="0"/>
+                <a:alphaOff val="0"/>
+                <a:shade val="88000"/>
+                <a:satMod val="130000"/>
+                <a:lumMod val="92000"/>
+              </a:schemeClr>
+            </a:gs>
+            <a:gs pos="100000">
+              <a:schemeClr val="accent2">
+                <a:hueOff val="0"/>
+                <a:satOff val="0"/>
+                <a:lumOff val="0"/>
+                <a:alphaOff val="0"/>
+                <a:shade val="78000"/>
+                <a:satMod val="130000"/>
+                <a:lumMod val="92000"/>
+              </a:schemeClr>
+            </a:gs>
+          </a:gsLst>
+          <a:lin ang="5400000" scaled="0"/>
+        </a:gradFill>
+        <a:ln>
+          <a:noFill/>
+        </a:ln>
+        <a:effectLst/>
+      </dsp:spPr>
+      <dsp:style>
+        <a:lnRef idx="0">
+          <a:scrgbClr r="0" g="0" b="0"/>
+        </a:lnRef>
+        <a:fillRef idx="3">
+          <a:scrgbClr r="0" g="0" b="0"/>
+        </a:fillRef>
+        <a:effectRef idx="2">
+          <a:scrgbClr r="0" g="0" b="0"/>
+        </a:effectRef>
+        <a:fontRef idx="minor">
+          <a:schemeClr val="lt1"/>
+        </a:fontRef>
+      </dsp:style>
+      <dsp:txBody>
+        <a:bodyPr spcFirstLastPara="0" vert="horz" wrap="square" lIns="156460" tIns="0" rIns="156460" bIns="0" numCol="1" spcCol="1270" anchor="ctr" anchorCtr="0">
+          <a:noAutofit/>
+        </a:bodyPr>
+        <a:lstStyle/>
+        <a:p>
+          <a:pPr marL="0" lvl="0" indent="0" algn="l" defTabSz="844550">
+            <a:lnSpc>
+              <a:spcPct val="90000"/>
+            </a:lnSpc>
+            <a:spcBef>
+              <a:spcPct val="0"/>
+            </a:spcBef>
+            <a:spcAft>
+              <a:spcPct val="35000"/>
+            </a:spcAft>
+            <a:buNone/>
+          </a:pPr>
+          <a:r>
+            <a:rPr lang="en-SG" sz="1900" kern="1200"/>
+            <a:t>Optimizer:  </a:t>
+          </a:r>
+          <a:endParaRPr lang="en-US" sz="1900" kern="1200"/>
+        </a:p>
+      </dsp:txBody>
+      <dsp:txXfrm>
+        <a:off x="323051" y="139382"/>
+        <a:ext cx="4084645" cy="506120"/>
+      </dsp:txXfrm>
+    </dsp:sp>
+    <dsp:sp modelId="{E50BAD21-E3DD-4972-B7D0-8A22E5B659B2}">
+      <dsp:nvSpPr>
+        <dsp:cNvPr id="0" name=""/>
+        <dsp:cNvSpPr/>
+      </dsp:nvSpPr>
+      <dsp:spPr>
+        <a:xfrm>
+          <a:off x="0" y="2062257"/>
+          <a:ext cx="5913437" cy="1286775"/>
+        </a:xfrm>
+        <a:prstGeom prst="rect">
+          <a:avLst/>
+        </a:prstGeom>
+        <a:solidFill>
+          <a:schemeClr val="lt1">
+            <a:alpha val="90000"/>
+            <a:hueOff val="0"/>
+            <a:satOff val="0"/>
+            <a:lumOff val="0"/>
+            <a:alphaOff val="0"/>
+          </a:schemeClr>
+        </a:solidFill>
+        <a:ln w="9525" cap="flat" cmpd="sng" algn="ctr">
+          <a:solidFill>
+            <a:schemeClr val="accent3">
+              <a:hueOff val="0"/>
+              <a:satOff val="0"/>
+              <a:lumOff val="0"/>
+              <a:alphaOff val="0"/>
+            </a:schemeClr>
+          </a:solidFill>
+          <a:prstDash val="solid"/>
+        </a:ln>
+        <a:effectLst/>
+      </dsp:spPr>
+      <dsp:style>
+        <a:lnRef idx="1">
+          <a:scrgbClr r="0" g="0" b="0"/>
+        </a:lnRef>
+        <a:fillRef idx="1">
+          <a:scrgbClr r="0" g="0" b="0"/>
+        </a:fillRef>
+        <a:effectRef idx="0">
+          <a:scrgbClr r="0" g="0" b="0"/>
+        </a:effectRef>
+        <a:fontRef idx="minor"/>
+      </dsp:style>
+      <dsp:txBody>
+        <a:bodyPr spcFirstLastPara="0" vert="horz" wrap="square" lIns="458948" tIns="395732" rIns="458948" bIns="135128" numCol="1" spcCol="1270" anchor="t" anchorCtr="0">
+          <a:noAutofit/>
+        </a:bodyPr>
+        <a:lstStyle/>
+        <a:p>
+          <a:pPr marL="171450" lvl="1" indent="-171450" algn="l" defTabSz="844550">
+            <a:lnSpc>
+              <a:spcPct val="90000"/>
+            </a:lnSpc>
+            <a:spcBef>
+              <a:spcPct val="0"/>
+            </a:spcBef>
+            <a:spcAft>
+              <a:spcPct val="15000"/>
+            </a:spcAft>
+            <a:buChar char="•"/>
+          </a:pPr>
+          <a:r>
+            <a:rPr lang="en-SG" sz="1900" kern="1200"/>
+            <a:t>On top of the Adam adjustments, the base learning rate was set to a reciprocal decay as epochs increased</a:t>
+          </a:r>
+          <a:endParaRPr lang="en-US" sz="1900" kern="1200"/>
+        </a:p>
+      </dsp:txBody>
+      <dsp:txXfrm>
+        <a:off x="0" y="2062257"/>
+        <a:ext cx="5913437" cy="1286775"/>
+      </dsp:txXfrm>
+    </dsp:sp>
+    <dsp:sp modelId="{47FFDAD0-DE85-459D-91B6-BB57167F98B0}">
+      <dsp:nvSpPr>
+        <dsp:cNvPr id="0" name=""/>
+        <dsp:cNvSpPr/>
+      </dsp:nvSpPr>
+      <dsp:spPr>
+        <a:xfrm>
+          <a:off x="295671" y="1781817"/>
+          <a:ext cx="4139405" cy="560880"/>
+        </a:xfrm>
+        <a:prstGeom prst="roundRect">
+          <a:avLst/>
+        </a:prstGeom>
+        <a:gradFill rotWithShape="0">
+          <a:gsLst>
+            <a:gs pos="0">
+              <a:schemeClr val="accent3">
+                <a:hueOff val="0"/>
+                <a:satOff val="0"/>
+                <a:lumOff val="0"/>
+                <a:alphaOff val="0"/>
+                <a:tint val="98000"/>
+                <a:satMod val="110000"/>
+                <a:lumMod val="104000"/>
+              </a:schemeClr>
+            </a:gs>
+            <a:gs pos="69000">
+              <a:schemeClr val="accent3">
+                <a:hueOff val="0"/>
+                <a:satOff val="0"/>
+                <a:lumOff val="0"/>
+                <a:alphaOff val="0"/>
+                <a:shade val="88000"/>
+                <a:satMod val="130000"/>
+                <a:lumMod val="92000"/>
+              </a:schemeClr>
+            </a:gs>
+            <a:gs pos="100000">
+              <a:schemeClr val="accent3">
+                <a:hueOff val="0"/>
+                <a:satOff val="0"/>
+                <a:lumOff val="0"/>
+                <a:alphaOff val="0"/>
+                <a:shade val="78000"/>
+                <a:satMod val="130000"/>
+                <a:lumMod val="92000"/>
+              </a:schemeClr>
+            </a:gs>
+          </a:gsLst>
+          <a:lin ang="5400000" scaled="0"/>
+        </a:gradFill>
+        <a:ln>
+          <a:noFill/>
+        </a:ln>
+        <a:effectLst/>
+      </dsp:spPr>
+      <dsp:style>
+        <a:lnRef idx="0">
+          <a:scrgbClr r="0" g="0" b="0"/>
+        </a:lnRef>
+        <a:fillRef idx="3">
+          <a:scrgbClr r="0" g="0" b="0"/>
+        </a:fillRef>
+        <a:effectRef idx="2">
+          <a:scrgbClr r="0" g="0" b="0"/>
+        </a:effectRef>
+        <a:fontRef idx="minor">
+          <a:schemeClr val="lt1"/>
+        </a:fontRef>
+      </dsp:style>
+      <dsp:txBody>
+        <a:bodyPr spcFirstLastPara="0" vert="horz" wrap="square" lIns="156460" tIns="0" rIns="156460" bIns="0" numCol="1" spcCol="1270" anchor="ctr" anchorCtr="0">
+          <a:noAutofit/>
+        </a:bodyPr>
+        <a:lstStyle/>
+        <a:p>
+          <a:pPr marL="0" lvl="0" indent="0" algn="l" defTabSz="844550">
+            <a:lnSpc>
+              <a:spcPct val="90000"/>
+            </a:lnSpc>
+            <a:spcBef>
+              <a:spcPct val="0"/>
+            </a:spcBef>
+            <a:spcAft>
+              <a:spcPct val="35000"/>
+            </a:spcAft>
+            <a:buNone/>
+          </a:pPr>
+          <a:r>
+            <a:rPr lang="en-SG" sz="1900" kern="1200"/>
+            <a:t>Scheduler:  </a:t>
+          </a:r>
+          <a:endParaRPr lang="en-US" sz="1900" kern="1200"/>
+        </a:p>
+      </dsp:txBody>
+      <dsp:txXfrm>
+        <a:off x="323051" y="1809197"/>
+        <a:ext cx="4084645" cy="506120"/>
+      </dsp:txXfrm>
+    </dsp:sp>
+    <dsp:sp modelId="{5E017F6B-25F2-4BF4-9E92-663F42921CAD}">
+      <dsp:nvSpPr>
+        <dsp:cNvPr id="0" name=""/>
+        <dsp:cNvSpPr/>
+      </dsp:nvSpPr>
+      <dsp:spPr>
+        <a:xfrm>
+          <a:off x="0" y="3732072"/>
+          <a:ext cx="5913437" cy="793012"/>
+        </a:xfrm>
+        <a:prstGeom prst="rect">
+          <a:avLst/>
+        </a:prstGeom>
+        <a:solidFill>
+          <a:schemeClr val="lt1">
+            <a:alpha val="90000"/>
+            <a:hueOff val="0"/>
+            <a:satOff val="0"/>
+            <a:lumOff val="0"/>
+            <a:alphaOff val="0"/>
+          </a:schemeClr>
+        </a:solidFill>
+        <a:ln w="9525" cap="flat" cmpd="sng" algn="ctr">
+          <a:solidFill>
+            <a:schemeClr val="accent4">
+              <a:hueOff val="0"/>
+              <a:satOff val="0"/>
+              <a:lumOff val="0"/>
+              <a:alphaOff val="0"/>
+            </a:schemeClr>
+          </a:solidFill>
+          <a:prstDash val="solid"/>
+        </a:ln>
+        <a:effectLst/>
+      </dsp:spPr>
+      <dsp:style>
+        <a:lnRef idx="1">
+          <a:scrgbClr r="0" g="0" b="0"/>
+        </a:lnRef>
+        <a:fillRef idx="1">
+          <a:scrgbClr r="0" g="0" b="0"/>
+        </a:fillRef>
+        <a:effectRef idx="0">
+          <a:scrgbClr r="0" g="0" b="0"/>
+        </a:effectRef>
+        <a:fontRef idx="minor"/>
+      </dsp:style>
+      <dsp:txBody>
+        <a:bodyPr spcFirstLastPara="0" vert="horz" wrap="square" lIns="458948" tIns="395732" rIns="458948" bIns="135128" numCol="1" spcCol="1270" anchor="t" anchorCtr="0">
+          <a:noAutofit/>
+        </a:bodyPr>
+        <a:lstStyle/>
+        <a:p>
+          <a:pPr marL="171450" lvl="1" indent="-171450" algn="l" defTabSz="844550">
+            <a:lnSpc>
+              <a:spcPct val="90000"/>
+            </a:lnSpc>
+            <a:spcBef>
+              <a:spcPct val="0"/>
+            </a:spcBef>
+            <a:spcAft>
+              <a:spcPct val="15000"/>
+            </a:spcAft>
+            <a:buChar char="•"/>
+          </a:pPr>
+          <a:r>
+            <a:rPr lang="en-SG" sz="1900" kern="1200"/>
+            <a:t>Assigned as previously mentioned</a:t>
+          </a:r>
+          <a:endParaRPr lang="en-US" sz="1900" kern="1200"/>
+        </a:p>
+      </dsp:txBody>
+      <dsp:txXfrm>
+        <a:off x="0" y="3732072"/>
+        <a:ext cx="5913437" cy="793012"/>
+      </dsp:txXfrm>
+    </dsp:sp>
+    <dsp:sp modelId="{DF5662E6-A92F-45AC-B07B-A77F85E1C425}">
+      <dsp:nvSpPr>
+        <dsp:cNvPr id="0" name=""/>
+        <dsp:cNvSpPr/>
+      </dsp:nvSpPr>
+      <dsp:spPr>
+        <a:xfrm>
+          <a:off x="295671" y="3451632"/>
+          <a:ext cx="4139405" cy="560880"/>
+        </a:xfrm>
+        <a:prstGeom prst="roundRect">
+          <a:avLst/>
+        </a:prstGeom>
+        <a:gradFill rotWithShape="0">
+          <a:gsLst>
+            <a:gs pos="0">
+              <a:schemeClr val="accent4">
+                <a:hueOff val="0"/>
+                <a:satOff val="0"/>
+                <a:lumOff val="0"/>
+                <a:alphaOff val="0"/>
+                <a:tint val="98000"/>
+                <a:satMod val="110000"/>
+                <a:lumMod val="104000"/>
+              </a:schemeClr>
+            </a:gs>
+            <a:gs pos="69000">
+              <a:schemeClr val="accent4">
+                <a:hueOff val="0"/>
+                <a:satOff val="0"/>
+                <a:lumOff val="0"/>
+                <a:alphaOff val="0"/>
+                <a:shade val="88000"/>
+                <a:satMod val="130000"/>
+                <a:lumMod val="92000"/>
+              </a:schemeClr>
+            </a:gs>
+            <a:gs pos="100000">
+              <a:schemeClr val="accent4">
+                <a:hueOff val="0"/>
+                <a:satOff val="0"/>
+                <a:lumOff val="0"/>
+                <a:alphaOff val="0"/>
+                <a:shade val="78000"/>
+                <a:satMod val="130000"/>
+                <a:lumMod val="92000"/>
+              </a:schemeClr>
+            </a:gs>
+          </a:gsLst>
+          <a:lin ang="5400000" scaled="0"/>
+        </a:gradFill>
+        <a:ln>
+          <a:noFill/>
+        </a:ln>
+        <a:effectLst/>
+      </dsp:spPr>
+      <dsp:style>
+        <a:lnRef idx="0">
+          <a:scrgbClr r="0" g="0" b="0"/>
+        </a:lnRef>
+        <a:fillRef idx="3">
+          <a:scrgbClr r="0" g="0" b="0"/>
+        </a:fillRef>
+        <a:effectRef idx="2">
+          <a:scrgbClr r="0" g="0" b="0"/>
+        </a:effectRef>
+        <a:fontRef idx="minor">
+          <a:schemeClr val="lt1"/>
+        </a:fontRef>
+      </dsp:style>
+      <dsp:txBody>
+        <a:bodyPr spcFirstLastPara="0" vert="horz" wrap="square" lIns="156460" tIns="0" rIns="156460" bIns="0" numCol="1" spcCol="1270" anchor="ctr" anchorCtr="0">
+          <a:noAutofit/>
+        </a:bodyPr>
+        <a:lstStyle/>
+        <a:p>
+          <a:pPr marL="0" lvl="0" indent="0" algn="l" defTabSz="844550">
+            <a:lnSpc>
+              <a:spcPct val="90000"/>
+            </a:lnSpc>
+            <a:spcBef>
+              <a:spcPct val="0"/>
+            </a:spcBef>
+            <a:spcAft>
+              <a:spcPct val="35000"/>
+            </a:spcAft>
+            <a:buNone/>
+          </a:pPr>
+          <a:r>
+            <a:rPr lang="en-SG" sz="1900" kern="1200"/>
+            <a:t>Class weights:  </a:t>
+          </a:r>
+          <a:endParaRPr lang="en-US" sz="1900" kern="1200"/>
+        </a:p>
+      </dsp:txBody>
+      <dsp:txXfrm>
+        <a:off x="323051" y="3479012"/>
+        <a:ext cx="4084645" cy="506120"/>
+      </dsp:txXfrm>
+    </dsp:sp>
+  </dsp:spTree>
+</dsp:drawing>
+</file>
+
 <file path=ppt/diagrams/layout1.xml><?xml version="1.0" encoding="utf-8"?>
 <dgm:layoutDef xmlns:dgm="http://schemas.openxmlformats.org/drawingml/2006/diagram" xmlns:a="http://schemas.openxmlformats.org/drawingml/2006/main" uniqueId="urn:microsoft.com/office/officeart/2016/7/layout/ChevronBlockProcess">
   <dgm:title val="Chevron Block Process"/>
@@ -1922,6 +3791,231 @@
 </dgm:layoutDef>
 </file>
 
+<file path=ppt/diagrams/layout2.xml><?xml version="1.0" encoding="utf-8"?>
+<dgm:layoutDef xmlns:dgm="http://schemas.openxmlformats.org/drawingml/2006/diagram" xmlns:a="http://schemas.openxmlformats.org/drawingml/2006/main" uniqueId="urn:microsoft.com/office/officeart/2005/8/layout/list1">
+  <dgm:title val=""/>
+  <dgm:desc val=""/>
+  <dgm:catLst>
+    <dgm:cat type="list" pri="4000"/>
+  </dgm:catLst>
+  <dgm:sampData>
+    <dgm:dataModel>
+      <dgm:ptLst>
+        <dgm:pt modelId="0" type="doc"/>
+        <dgm:pt modelId="1">
+          <dgm:prSet phldr="1"/>
+        </dgm:pt>
+        <dgm:pt modelId="2">
+          <dgm:prSet phldr="1"/>
+        </dgm:pt>
+        <dgm:pt modelId="3">
+          <dgm:prSet phldr="1"/>
+        </dgm:pt>
+      </dgm:ptLst>
+      <dgm:cxnLst>
+        <dgm:cxn modelId="4" srcId="0" destId="1" srcOrd="0" destOrd="0"/>
+        <dgm:cxn modelId="5" srcId="0" destId="2" srcOrd="1" destOrd="0"/>
+        <dgm:cxn modelId="6" srcId="0" destId="3" srcOrd="2" destOrd="0"/>
+      </dgm:cxnLst>
+      <dgm:bg/>
+      <dgm:whole/>
+    </dgm:dataModel>
+  </dgm:sampData>
+  <dgm:styleData>
+    <dgm:dataModel>
+      <dgm:ptLst>
+        <dgm:pt modelId="0" type="doc"/>
+        <dgm:pt modelId="1"/>
+        <dgm:pt modelId="2"/>
+      </dgm:ptLst>
+      <dgm:cxnLst>
+        <dgm:cxn modelId="4" srcId="0" destId="1" srcOrd="0" destOrd="0"/>
+        <dgm:cxn modelId="5" srcId="0" destId="2" srcOrd="1" destOrd="0"/>
+      </dgm:cxnLst>
+      <dgm:bg/>
+      <dgm:whole/>
+    </dgm:dataModel>
+  </dgm:styleData>
+  <dgm:clrData>
+    <dgm:dataModel>
+      <dgm:ptLst>
+        <dgm:pt modelId="0" type="doc"/>
+        <dgm:pt modelId="1"/>
+        <dgm:pt modelId="2"/>
+        <dgm:pt modelId="3"/>
+        <dgm:pt modelId="4"/>
+      </dgm:ptLst>
+      <dgm:cxnLst>
+        <dgm:cxn modelId="5" srcId="0" destId="1" srcOrd="0" destOrd="0"/>
+        <dgm:cxn modelId="6" srcId="0" destId="2" srcOrd="1" destOrd="0"/>
+        <dgm:cxn modelId="7" srcId="0" destId="3" srcOrd="2" destOrd="0"/>
+        <dgm:cxn modelId="8" srcId="0" destId="4" srcOrd="3" destOrd="0"/>
+      </dgm:cxnLst>
+      <dgm:bg/>
+      <dgm:whole/>
+    </dgm:dataModel>
+  </dgm:clrData>
+  <dgm:layoutNode name="linear">
+    <dgm:varLst>
+      <dgm:dir/>
+      <dgm:animLvl val="lvl"/>
+      <dgm:resizeHandles val="exact"/>
+    </dgm:varLst>
+    <dgm:choose name="Name0">
+      <dgm:if name="Name1" func="var" arg="dir" op="equ" val="norm">
+        <dgm:alg type="lin">
+          <dgm:param type="linDir" val="fromT"/>
+          <dgm:param type="vertAlign" val="mid"/>
+          <dgm:param type="horzAlign" val="l"/>
+          <dgm:param type="nodeHorzAlign" val="l"/>
+        </dgm:alg>
+      </dgm:if>
+      <dgm:else name="Name2">
+        <dgm:alg type="lin">
+          <dgm:param type="linDir" val="fromT"/>
+          <dgm:param type="vertAlign" val="mid"/>
+          <dgm:param type="horzAlign" val="r"/>
+          <dgm:param type="nodeHorzAlign" val="r"/>
+        </dgm:alg>
+      </dgm:else>
+    </dgm:choose>
+    <dgm:shape xmlns:r="http://schemas.openxmlformats.org/officeDocument/2006/relationships" r:blip="">
+      <dgm:adjLst/>
+    </dgm:shape>
+    <dgm:presOf/>
+    <dgm:constrLst>
+      <dgm:constr type="w" for="ch" forName="parentLin" refType="w"/>
+      <dgm:constr type="h" for="ch" forName="parentLin" val="INF"/>
+      <dgm:constr type="w" for="des" forName="parentLeftMargin" refType="w" fact="0.05"/>
+      <dgm:constr type="w" for="des" forName="parentText" refType="w" fact="0.7"/>
+      <dgm:constr type="h" for="des" forName="parentText" refType="primFontSz" refFor="des" refForName="parentText" fact="0.82"/>
+      <dgm:constr type="h" for="ch" forName="negativeSpace" refType="primFontSz" refFor="des" refForName="parentText" fact="-0.41"/>
+      <dgm:constr type="h" for="ch" forName="negativeSpace" refType="h" refFor="des" refForName="parentText" op="lte" fact="-0.82"/>
+      <dgm:constr type="h" for="ch" forName="negativeSpace" refType="h" refFor="des" refForName="parentText" op="gte" fact="-0.82"/>
+      <dgm:constr type="w" for="ch" forName="childText" refType="w"/>
+      <dgm:constr type="h" for="ch" forName="childText" refType="primFontSz" refFor="des" refForName="parentText" fact="0.7"/>
+      <dgm:constr type="primFontSz" for="des" forName="parentText" val="65"/>
+      <dgm:constr type="primFontSz" for="ch" forName="childText" refType="primFontSz" refFor="des" refForName="parentText"/>
+      <dgm:constr type="tMarg" for="ch" forName="childText" refType="primFontSz" refFor="des" refForName="parentText" fact="1.64"/>
+      <dgm:constr type="tMarg" for="ch" forName="childText" refType="h" refFor="des" refForName="parentText" op="lte" fact="3.28"/>
+      <dgm:constr type="tMarg" for="ch" forName="childText" refType="h" refFor="des" refForName="parentText" op="gte" fact="3.28"/>
+      <dgm:constr type="lMarg" for="ch" forName="childText" refType="w" fact="0.22"/>
+      <dgm:constr type="rMarg" for="ch" forName="childText" refType="lMarg" refFor="ch" refForName="childText"/>
+      <dgm:constr type="lMarg" for="des" forName="parentText" refType="w" fact="0.075"/>
+      <dgm:constr type="rMarg" for="des" forName="parentText" refType="lMarg" refFor="des" refForName="parentText"/>
+      <dgm:constr type="h" for="ch" forName="spaceBetweenRectangles" refType="primFontSz" refFor="des" refForName="parentText" fact="0.15"/>
+    </dgm:constrLst>
+    <dgm:ruleLst>
+      <dgm:rule type="primFontSz" for="des" forName="parentText" val="5" fact="NaN" max="NaN"/>
+    </dgm:ruleLst>
+    <dgm:forEach name="Name3" axis="ch" ptType="node">
+      <dgm:layoutNode name="parentLin">
+        <dgm:choose name="Name4">
+          <dgm:if name="Name5" func="var" arg="dir" op="equ" val="norm">
+            <dgm:alg type="lin">
+              <dgm:param type="linDir" val="fromL"/>
+              <dgm:param type="horzAlign" val="l"/>
+              <dgm:param type="nodeHorzAlign" val="l"/>
+            </dgm:alg>
+          </dgm:if>
+          <dgm:else name="Name6">
+            <dgm:alg type="lin">
+              <dgm:param type="linDir" val="fromR"/>
+              <dgm:param type="horzAlign" val="r"/>
+              <dgm:param type="nodeHorzAlign" val="r"/>
+            </dgm:alg>
+          </dgm:else>
+        </dgm:choose>
+        <dgm:shape xmlns:r="http://schemas.openxmlformats.org/officeDocument/2006/relationships" r:blip="">
+          <dgm:adjLst/>
+        </dgm:shape>
+        <dgm:presOf/>
+        <dgm:constrLst/>
+        <dgm:ruleLst/>
+        <dgm:layoutNode name="parentLeftMargin">
+          <dgm:alg type="sp"/>
+          <dgm:shape xmlns:r="http://schemas.openxmlformats.org/officeDocument/2006/relationships" type="rect" r:blip="" hideGeom="1">
+            <dgm:adjLst/>
+          </dgm:shape>
+          <dgm:presOf axis="self"/>
+          <dgm:constrLst>
+            <dgm:constr type="h"/>
+          </dgm:constrLst>
+          <dgm:ruleLst/>
+        </dgm:layoutNode>
+        <dgm:layoutNode name="parentText" styleLbl="node1">
+          <dgm:varLst>
+            <dgm:chMax val="0"/>
+            <dgm:bulletEnabled val="1"/>
+          </dgm:varLst>
+          <dgm:choose name="Name7">
+            <dgm:if name="Name8" func="var" arg="dir" op="equ" val="norm">
+              <dgm:alg type="tx">
+                <dgm:param type="parTxLTRAlign" val="l"/>
+                <dgm:param type="parTxRTLAlign" val="l"/>
+              </dgm:alg>
+            </dgm:if>
+            <dgm:else name="Name9">
+              <dgm:alg type="tx">
+                <dgm:param type="parTxLTRAlign" val="r"/>
+                <dgm:param type="parTxRTLAlign" val="r"/>
+              </dgm:alg>
+            </dgm:else>
+          </dgm:choose>
+          <dgm:shape xmlns:r="http://schemas.openxmlformats.org/officeDocument/2006/relationships" type="roundRect" r:blip="">
+            <dgm:adjLst/>
+          </dgm:shape>
+          <dgm:presOf axis="self" ptType="node"/>
+          <dgm:constrLst>
+            <dgm:constr type="tMarg"/>
+            <dgm:constr type="bMarg"/>
+          </dgm:constrLst>
+          <dgm:ruleLst/>
+        </dgm:layoutNode>
+      </dgm:layoutNode>
+      <dgm:layoutNode name="negativeSpace">
+        <dgm:alg type="sp"/>
+        <dgm:shape xmlns:r="http://schemas.openxmlformats.org/officeDocument/2006/relationships" r:blip="">
+          <dgm:adjLst/>
+        </dgm:shape>
+        <dgm:presOf/>
+        <dgm:constrLst/>
+        <dgm:ruleLst/>
+      </dgm:layoutNode>
+      <dgm:layoutNode name="childText" styleLbl="conFgAcc1">
+        <dgm:varLst>
+          <dgm:bulletEnabled val="1"/>
+        </dgm:varLst>
+        <dgm:alg type="tx">
+          <dgm:param type="stBulletLvl" val="1"/>
+        </dgm:alg>
+        <dgm:shape xmlns:r="http://schemas.openxmlformats.org/officeDocument/2006/relationships" type="rect" r:blip="" zOrderOff="-2">
+          <dgm:adjLst/>
+        </dgm:shape>
+        <dgm:presOf axis="des" ptType="node"/>
+        <dgm:constrLst>
+          <dgm:constr type="secFontSz" refType="primFontSz"/>
+        </dgm:constrLst>
+        <dgm:ruleLst>
+          <dgm:rule type="h" val="INF" fact="NaN" max="NaN"/>
+        </dgm:ruleLst>
+      </dgm:layoutNode>
+      <dgm:forEach name="Name10" axis="followSib" ptType="sibTrans" cnt="1">
+        <dgm:layoutNode name="spaceBetweenRectangles">
+          <dgm:alg type="sp"/>
+          <dgm:shape xmlns:r="http://schemas.openxmlformats.org/officeDocument/2006/relationships" r:blip="">
+            <dgm:adjLst/>
+          </dgm:shape>
+          <dgm:presOf/>
+          <dgm:constrLst/>
+          <dgm:ruleLst/>
+        </dgm:layoutNode>
+      </dgm:forEach>
+    </dgm:forEach>
+  </dgm:layoutNode>
+</dgm:layoutDef>
+</file>
+
 <file path=ppt/diagrams/quickStyle1.xml><?xml version="1.0" encoding="utf-8"?>
 <dgm:styleDef xmlns:dgm="http://schemas.openxmlformats.org/drawingml/2006/diagram" xmlns:a="http://schemas.openxmlformats.org/drawingml/2006/main" uniqueId="urn:microsoft.com/office/officeart/2005/8/quickstyle/simple1">
   <dgm:title val=""/>
@@ -2928,6 +5022,1040 @@
         <a:scrgbClr r="0" g="0" b="0"/>
       </a:fillRef>
       <a:effectRef idx="0">
+        <a:scrgbClr r="0" g="0" b="0"/>
+      </a:effectRef>
+      <a:fontRef idx="minor"/>
+    </dgm:style>
+  </dgm:styleLbl>
+  <dgm:styleLbl name="revTx">
+    <dgm:scene3d>
+      <a:camera prst="orthographicFront"/>
+      <a:lightRig rig="threePt" dir="t"/>
+    </dgm:scene3d>
+    <dgm:sp3d/>
+    <dgm:txPr/>
+    <dgm:style>
+      <a:lnRef idx="0">
+        <a:scrgbClr r="0" g="0" b="0"/>
+      </a:lnRef>
+      <a:fillRef idx="0">
+        <a:scrgbClr r="0" g="0" b="0"/>
+      </a:fillRef>
+      <a:effectRef idx="0">
+        <a:scrgbClr r="0" g="0" b="0"/>
+      </a:effectRef>
+      <a:fontRef idx="minor"/>
+    </dgm:style>
+  </dgm:styleLbl>
+</dgm:styleDef>
+</file>
+
+<file path=ppt/diagrams/quickStyle2.xml><?xml version="1.0" encoding="utf-8"?>
+<dgm:styleDef xmlns:dgm="http://schemas.openxmlformats.org/drawingml/2006/diagram" xmlns:a="http://schemas.openxmlformats.org/drawingml/2006/main" uniqueId="urn:microsoft.com/office/officeart/2005/8/quickstyle/simple4">
+  <dgm:title val=""/>
+  <dgm:desc val=""/>
+  <dgm:catLst>
+    <dgm:cat type="simple" pri="10400"/>
+  </dgm:catLst>
+  <dgm:scene3d>
+    <a:camera prst="orthographicFront"/>
+    <a:lightRig rig="threePt" dir="t"/>
+  </dgm:scene3d>
+  <dgm:styleLbl name="node0">
+    <dgm:scene3d>
+      <a:camera prst="orthographicFront"/>
+      <a:lightRig rig="threePt" dir="t"/>
+    </dgm:scene3d>
+    <dgm:sp3d/>
+    <dgm:txPr/>
+    <dgm:style>
+      <a:lnRef idx="0">
+        <a:scrgbClr r="0" g="0" b="0"/>
+      </a:lnRef>
+      <a:fillRef idx="3">
+        <a:scrgbClr r="0" g="0" b="0"/>
+      </a:fillRef>
+      <a:effectRef idx="2">
+        <a:scrgbClr r="0" g="0" b="0"/>
+      </a:effectRef>
+      <a:fontRef idx="minor">
+        <a:schemeClr val="lt1"/>
+      </a:fontRef>
+    </dgm:style>
+  </dgm:styleLbl>
+  <dgm:styleLbl name="lnNode1">
+    <dgm:scene3d>
+      <a:camera prst="orthographicFront"/>
+      <a:lightRig rig="threePt" dir="t"/>
+    </dgm:scene3d>
+    <dgm:sp3d/>
+    <dgm:txPr/>
+    <dgm:style>
+      <a:lnRef idx="1">
+        <a:scrgbClr r="0" g="0" b="0"/>
+      </a:lnRef>
+      <a:fillRef idx="3">
+        <a:scrgbClr r="0" g="0" b="0"/>
+      </a:fillRef>
+      <a:effectRef idx="2">
+        <a:scrgbClr r="0" g="0" b="0"/>
+      </a:effectRef>
+      <a:fontRef idx="minor">
+        <a:schemeClr val="lt1"/>
+      </a:fontRef>
+    </dgm:style>
+  </dgm:styleLbl>
+  <dgm:styleLbl name="vennNode1">
+    <dgm:scene3d>
+      <a:camera prst="orthographicFront"/>
+      <a:lightRig rig="threePt" dir="t"/>
+    </dgm:scene3d>
+    <dgm:sp3d/>
+    <dgm:txPr/>
+    <dgm:style>
+      <a:lnRef idx="0">
+        <a:scrgbClr r="0" g="0" b="0"/>
+      </a:lnRef>
+      <a:fillRef idx="3">
+        <a:scrgbClr r="0" g="0" b="0"/>
+      </a:fillRef>
+      <a:effectRef idx="0">
+        <a:scrgbClr r="0" g="0" b="0"/>
+      </a:effectRef>
+      <a:fontRef idx="minor">
+        <a:schemeClr val="tx1"/>
+      </a:fontRef>
+    </dgm:style>
+  </dgm:styleLbl>
+  <dgm:styleLbl name="alignNode1">
+    <dgm:scene3d>
+      <a:camera prst="orthographicFront"/>
+      <a:lightRig rig="threePt" dir="t"/>
+    </dgm:scene3d>
+    <dgm:sp3d/>
+    <dgm:txPr/>
+    <dgm:style>
+      <a:lnRef idx="1">
+        <a:scrgbClr r="0" g="0" b="0"/>
+      </a:lnRef>
+      <a:fillRef idx="3">
+        <a:scrgbClr r="0" g="0" b="0"/>
+      </a:fillRef>
+      <a:effectRef idx="2">
+        <a:scrgbClr r="0" g="0" b="0"/>
+      </a:effectRef>
+      <a:fontRef idx="minor">
+        <a:schemeClr val="lt1"/>
+      </a:fontRef>
+    </dgm:style>
+  </dgm:styleLbl>
+  <dgm:styleLbl name="node1">
+    <dgm:scene3d>
+      <a:camera prst="orthographicFront"/>
+      <a:lightRig rig="threePt" dir="t"/>
+    </dgm:scene3d>
+    <dgm:sp3d/>
+    <dgm:txPr/>
+    <dgm:style>
+      <a:lnRef idx="0">
+        <a:scrgbClr r="0" g="0" b="0"/>
+      </a:lnRef>
+      <a:fillRef idx="3">
+        <a:scrgbClr r="0" g="0" b="0"/>
+      </a:fillRef>
+      <a:effectRef idx="2">
+        <a:scrgbClr r="0" g="0" b="0"/>
+      </a:effectRef>
+      <a:fontRef idx="minor">
+        <a:schemeClr val="lt1"/>
+      </a:fontRef>
+    </dgm:style>
+  </dgm:styleLbl>
+  <dgm:styleLbl name="node2">
+    <dgm:scene3d>
+      <a:camera prst="orthographicFront"/>
+      <a:lightRig rig="threePt" dir="t"/>
+    </dgm:scene3d>
+    <dgm:sp3d/>
+    <dgm:txPr/>
+    <dgm:style>
+      <a:lnRef idx="0">
+        <a:scrgbClr r="0" g="0" b="0"/>
+      </a:lnRef>
+      <a:fillRef idx="3">
+        <a:scrgbClr r="0" g="0" b="0"/>
+      </a:fillRef>
+      <a:effectRef idx="2">
+        <a:scrgbClr r="0" g="0" b="0"/>
+      </a:effectRef>
+      <a:fontRef idx="minor">
+        <a:schemeClr val="lt1"/>
+      </a:fontRef>
+    </dgm:style>
+  </dgm:styleLbl>
+  <dgm:styleLbl name="node3">
+    <dgm:scene3d>
+      <a:camera prst="orthographicFront"/>
+      <a:lightRig rig="threePt" dir="t"/>
+    </dgm:scene3d>
+    <dgm:sp3d/>
+    <dgm:txPr/>
+    <dgm:style>
+      <a:lnRef idx="0">
+        <a:scrgbClr r="0" g="0" b="0"/>
+      </a:lnRef>
+      <a:fillRef idx="3">
+        <a:scrgbClr r="0" g="0" b="0"/>
+      </a:fillRef>
+      <a:effectRef idx="2">
+        <a:scrgbClr r="0" g="0" b="0"/>
+      </a:effectRef>
+      <a:fontRef idx="minor">
+        <a:schemeClr val="lt1"/>
+      </a:fontRef>
+    </dgm:style>
+  </dgm:styleLbl>
+  <dgm:styleLbl name="node4">
+    <dgm:scene3d>
+      <a:camera prst="orthographicFront"/>
+      <a:lightRig rig="threePt" dir="t"/>
+    </dgm:scene3d>
+    <dgm:sp3d/>
+    <dgm:txPr/>
+    <dgm:style>
+      <a:lnRef idx="0">
+        <a:scrgbClr r="0" g="0" b="0"/>
+      </a:lnRef>
+      <a:fillRef idx="3">
+        <a:scrgbClr r="0" g="0" b="0"/>
+      </a:fillRef>
+      <a:effectRef idx="2">
+        <a:scrgbClr r="0" g="0" b="0"/>
+      </a:effectRef>
+      <a:fontRef idx="minor">
+        <a:schemeClr val="lt1"/>
+      </a:fontRef>
+    </dgm:style>
+  </dgm:styleLbl>
+  <dgm:styleLbl name="fgImgPlace1">
+    <dgm:scene3d>
+      <a:camera prst="orthographicFront"/>
+      <a:lightRig rig="threePt" dir="t"/>
+    </dgm:scene3d>
+    <dgm:sp3d/>
+    <dgm:txPr/>
+    <dgm:style>
+      <a:lnRef idx="0">
+        <a:scrgbClr r="0" g="0" b="0"/>
+      </a:lnRef>
+      <a:fillRef idx="1">
+        <a:scrgbClr r="0" g="0" b="0"/>
+      </a:fillRef>
+      <a:effectRef idx="2">
+        <a:scrgbClr r="0" g="0" b="0"/>
+      </a:effectRef>
+      <a:fontRef idx="minor"/>
+    </dgm:style>
+  </dgm:styleLbl>
+  <dgm:styleLbl name="alignImgPlace1">
+    <dgm:scene3d>
+      <a:camera prst="orthographicFront"/>
+      <a:lightRig rig="threePt" dir="t"/>
+    </dgm:scene3d>
+    <dgm:sp3d/>
+    <dgm:txPr/>
+    <dgm:style>
+      <a:lnRef idx="0">
+        <a:scrgbClr r="0" g="0" b="0"/>
+      </a:lnRef>
+      <a:fillRef idx="1">
+        <a:scrgbClr r="0" g="0" b="0"/>
+      </a:fillRef>
+      <a:effectRef idx="2">
+        <a:scrgbClr r="0" g="0" b="0"/>
+      </a:effectRef>
+      <a:fontRef idx="minor"/>
+    </dgm:style>
+  </dgm:styleLbl>
+  <dgm:styleLbl name="bgImgPlace1">
+    <dgm:scene3d>
+      <a:camera prst="orthographicFront"/>
+      <a:lightRig rig="threePt" dir="t"/>
+    </dgm:scene3d>
+    <dgm:sp3d/>
+    <dgm:txPr/>
+    <dgm:style>
+      <a:lnRef idx="0">
+        <a:scrgbClr r="0" g="0" b="0"/>
+      </a:lnRef>
+      <a:fillRef idx="1">
+        <a:scrgbClr r="0" g="0" b="0"/>
+      </a:fillRef>
+      <a:effectRef idx="2">
+        <a:scrgbClr r="0" g="0" b="0"/>
+      </a:effectRef>
+      <a:fontRef idx="minor"/>
+    </dgm:style>
+  </dgm:styleLbl>
+  <dgm:styleLbl name="sibTrans2D1">
+    <dgm:scene3d>
+      <a:camera prst="orthographicFront"/>
+      <a:lightRig rig="threePt" dir="t"/>
+    </dgm:scene3d>
+    <dgm:sp3d/>
+    <dgm:txPr/>
+    <dgm:style>
+      <a:lnRef idx="0">
+        <a:scrgbClr r="0" g="0" b="0"/>
+      </a:lnRef>
+      <a:fillRef idx="3">
+        <a:scrgbClr r="0" g="0" b="0"/>
+      </a:fillRef>
+      <a:effectRef idx="2">
+        <a:scrgbClr r="0" g="0" b="0"/>
+      </a:effectRef>
+      <a:fontRef idx="minor">
+        <a:schemeClr val="lt1"/>
+      </a:fontRef>
+    </dgm:style>
+  </dgm:styleLbl>
+  <dgm:styleLbl name="fgSibTrans2D1">
+    <dgm:scene3d>
+      <a:camera prst="orthographicFront"/>
+      <a:lightRig rig="threePt" dir="t"/>
+    </dgm:scene3d>
+    <dgm:sp3d/>
+    <dgm:txPr/>
+    <dgm:style>
+      <a:lnRef idx="0">
+        <a:scrgbClr r="0" g="0" b="0"/>
+      </a:lnRef>
+      <a:fillRef idx="3">
+        <a:scrgbClr r="0" g="0" b="0"/>
+      </a:fillRef>
+      <a:effectRef idx="2">
+        <a:scrgbClr r="0" g="0" b="0"/>
+      </a:effectRef>
+      <a:fontRef idx="minor">
+        <a:schemeClr val="lt1"/>
+      </a:fontRef>
+    </dgm:style>
+  </dgm:styleLbl>
+  <dgm:styleLbl name="bgSibTrans2D1">
+    <dgm:scene3d>
+      <a:camera prst="orthographicFront"/>
+      <a:lightRig rig="threePt" dir="t"/>
+    </dgm:scene3d>
+    <dgm:sp3d/>
+    <dgm:txPr/>
+    <dgm:style>
+      <a:lnRef idx="0">
+        <a:scrgbClr r="0" g="0" b="0"/>
+      </a:lnRef>
+      <a:fillRef idx="3">
+        <a:scrgbClr r="0" g="0" b="0"/>
+      </a:fillRef>
+      <a:effectRef idx="2">
+        <a:scrgbClr r="0" g="0" b="0"/>
+      </a:effectRef>
+      <a:fontRef idx="minor">
+        <a:schemeClr val="lt1"/>
+      </a:fontRef>
+    </dgm:style>
+  </dgm:styleLbl>
+  <dgm:styleLbl name="sibTrans1D1">
+    <dgm:scene3d>
+      <a:camera prst="orthographicFront"/>
+      <a:lightRig rig="threePt" dir="t"/>
+    </dgm:scene3d>
+    <dgm:sp3d/>
+    <dgm:txPr/>
+    <dgm:style>
+      <a:lnRef idx="1">
+        <a:scrgbClr r="0" g="0" b="0"/>
+      </a:lnRef>
+      <a:fillRef idx="0">
+        <a:scrgbClr r="0" g="0" b="0"/>
+      </a:fillRef>
+      <a:effectRef idx="0">
+        <a:scrgbClr r="0" g="0" b="0"/>
+      </a:effectRef>
+      <a:fontRef idx="minor"/>
+    </dgm:style>
+  </dgm:styleLbl>
+  <dgm:styleLbl name="callout">
+    <dgm:scene3d>
+      <a:camera prst="orthographicFront"/>
+      <a:lightRig rig="threePt" dir="t"/>
+    </dgm:scene3d>
+    <dgm:sp3d/>
+    <dgm:txPr/>
+    <dgm:style>
+      <a:lnRef idx="2">
+        <a:scrgbClr r="0" g="0" b="0"/>
+      </a:lnRef>
+      <a:fillRef idx="1">
+        <a:scrgbClr r="0" g="0" b="0"/>
+      </a:fillRef>
+      <a:effectRef idx="1">
+        <a:scrgbClr r="0" g="0" b="0"/>
+      </a:effectRef>
+      <a:fontRef idx="minor"/>
+    </dgm:style>
+  </dgm:styleLbl>
+  <dgm:styleLbl name="asst0">
+    <dgm:scene3d>
+      <a:camera prst="orthographicFront"/>
+      <a:lightRig rig="threePt" dir="t"/>
+    </dgm:scene3d>
+    <dgm:sp3d/>
+    <dgm:txPr/>
+    <dgm:style>
+      <a:lnRef idx="0">
+        <a:scrgbClr r="0" g="0" b="0"/>
+      </a:lnRef>
+      <a:fillRef idx="3">
+        <a:scrgbClr r="0" g="0" b="0"/>
+      </a:fillRef>
+      <a:effectRef idx="2">
+        <a:scrgbClr r="0" g="0" b="0"/>
+      </a:effectRef>
+      <a:fontRef idx="minor">
+        <a:schemeClr val="lt1"/>
+      </a:fontRef>
+    </dgm:style>
+  </dgm:styleLbl>
+  <dgm:styleLbl name="asst1">
+    <dgm:scene3d>
+      <a:camera prst="orthographicFront"/>
+      <a:lightRig rig="threePt" dir="t"/>
+    </dgm:scene3d>
+    <dgm:sp3d/>
+    <dgm:txPr/>
+    <dgm:style>
+      <a:lnRef idx="0">
+        <a:scrgbClr r="0" g="0" b="0"/>
+      </a:lnRef>
+      <a:fillRef idx="3">
+        <a:scrgbClr r="0" g="0" b="0"/>
+      </a:fillRef>
+      <a:effectRef idx="2">
+        <a:scrgbClr r="0" g="0" b="0"/>
+      </a:effectRef>
+      <a:fontRef idx="minor">
+        <a:schemeClr val="lt1"/>
+      </a:fontRef>
+    </dgm:style>
+  </dgm:styleLbl>
+  <dgm:styleLbl name="asst2">
+    <dgm:scene3d>
+      <a:camera prst="orthographicFront"/>
+      <a:lightRig rig="threePt" dir="t"/>
+    </dgm:scene3d>
+    <dgm:sp3d/>
+    <dgm:txPr/>
+    <dgm:style>
+      <a:lnRef idx="0">
+        <a:scrgbClr r="0" g="0" b="0"/>
+      </a:lnRef>
+      <a:fillRef idx="3">
+        <a:scrgbClr r="0" g="0" b="0"/>
+      </a:fillRef>
+      <a:effectRef idx="2">
+        <a:scrgbClr r="0" g="0" b="0"/>
+      </a:effectRef>
+      <a:fontRef idx="minor">
+        <a:schemeClr val="lt1"/>
+      </a:fontRef>
+    </dgm:style>
+  </dgm:styleLbl>
+  <dgm:styleLbl name="asst3">
+    <dgm:scene3d>
+      <a:camera prst="orthographicFront"/>
+      <a:lightRig rig="threePt" dir="t"/>
+    </dgm:scene3d>
+    <dgm:sp3d/>
+    <dgm:txPr/>
+    <dgm:style>
+      <a:lnRef idx="0">
+        <a:scrgbClr r="0" g="0" b="0"/>
+      </a:lnRef>
+      <a:fillRef idx="3">
+        <a:scrgbClr r="0" g="0" b="0"/>
+      </a:fillRef>
+      <a:effectRef idx="2">
+        <a:scrgbClr r="0" g="0" b="0"/>
+      </a:effectRef>
+      <a:fontRef idx="minor">
+        <a:schemeClr val="lt1"/>
+      </a:fontRef>
+    </dgm:style>
+  </dgm:styleLbl>
+  <dgm:styleLbl name="asst4">
+    <dgm:scene3d>
+      <a:camera prst="orthographicFront"/>
+      <a:lightRig rig="threePt" dir="t"/>
+    </dgm:scene3d>
+    <dgm:sp3d/>
+    <dgm:txPr/>
+    <dgm:style>
+      <a:lnRef idx="0">
+        <a:scrgbClr r="0" g="0" b="0"/>
+      </a:lnRef>
+      <a:fillRef idx="3">
+        <a:scrgbClr r="0" g="0" b="0"/>
+      </a:fillRef>
+      <a:effectRef idx="2">
+        <a:scrgbClr r="0" g="0" b="0"/>
+      </a:effectRef>
+      <a:fontRef idx="minor">
+        <a:schemeClr val="lt1"/>
+      </a:fontRef>
+    </dgm:style>
+  </dgm:styleLbl>
+  <dgm:styleLbl name="parChTrans2D1">
+    <dgm:scene3d>
+      <a:camera prst="orthographicFront"/>
+      <a:lightRig rig="threePt" dir="t"/>
+    </dgm:scene3d>
+    <dgm:sp3d/>
+    <dgm:txPr/>
+    <dgm:style>
+      <a:lnRef idx="0">
+        <a:scrgbClr r="0" g="0" b="0"/>
+      </a:lnRef>
+      <a:fillRef idx="3">
+        <a:scrgbClr r="0" g="0" b="0"/>
+      </a:fillRef>
+      <a:effectRef idx="2">
+        <a:scrgbClr r="0" g="0" b="0"/>
+      </a:effectRef>
+      <a:fontRef idx="minor">
+        <a:schemeClr val="lt1"/>
+      </a:fontRef>
+    </dgm:style>
+  </dgm:styleLbl>
+  <dgm:styleLbl name="parChTrans2D2">
+    <dgm:scene3d>
+      <a:camera prst="orthographicFront"/>
+      <a:lightRig rig="threePt" dir="t"/>
+    </dgm:scene3d>
+    <dgm:sp3d/>
+    <dgm:txPr/>
+    <dgm:style>
+      <a:lnRef idx="0">
+        <a:scrgbClr r="0" g="0" b="0"/>
+      </a:lnRef>
+      <a:fillRef idx="3">
+        <a:scrgbClr r="0" g="0" b="0"/>
+      </a:fillRef>
+      <a:effectRef idx="2">
+        <a:scrgbClr r="0" g="0" b="0"/>
+      </a:effectRef>
+      <a:fontRef idx="minor">
+        <a:schemeClr val="lt1"/>
+      </a:fontRef>
+    </dgm:style>
+  </dgm:styleLbl>
+  <dgm:styleLbl name="parChTrans2D3">
+    <dgm:scene3d>
+      <a:camera prst="orthographicFront"/>
+      <a:lightRig rig="threePt" dir="t"/>
+    </dgm:scene3d>
+    <dgm:sp3d/>
+    <dgm:txPr/>
+    <dgm:style>
+      <a:lnRef idx="1">
+        <a:scrgbClr r="0" g="0" b="0"/>
+      </a:lnRef>
+      <a:fillRef idx="3">
+        <a:scrgbClr r="0" g="0" b="0"/>
+      </a:fillRef>
+      <a:effectRef idx="2">
+        <a:scrgbClr r="0" g="0" b="0"/>
+      </a:effectRef>
+      <a:fontRef idx="minor">
+        <a:schemeClr val="lt1"/>
+      </a:fontRef>
+    </dgm:style>
+  </dgm:styleLbl>
+  <dgm:styleLbl name="parChTrans2D4">
+    <dgm:scene3d>
+      <a:camera prst="orthographicFront"/>
+      <a:lightRig rig="threePt" dir="t"/>
+    </dgm:scene3d>
+    <dgm:sp3d/>
+    <dgm:txPr/>
+    <dgm:style>
+      <a:lnRef idx="1">
+        <a:scrgbClr r="0" g="0" b="0"/>
+      </a:lnRef>
+      <a:fillRef idx="3">
+        <a:scrgbClr r="0" g="0" b="0"/>
+      </a:fillRef>
+      <a:effectRef idx="2">
+        <a:scrgbClr r="0" g="0" b="0"/>
+      </a:effectRef>
+      <a:fontRef idx="minor">
+        <a:schemeClr val="lt1"/>
+      </a:fontRef>
+    </dgm:style>
+  </dgm:styleLbl>
+  <dgm:styleLbl name="parChTrans1D1">
+    <dgm:scene3d>
+      <a:camera prst="orthographicFront"/>
+      <a:lightRig rig="threePt" dir="t"/>
+    </dgm:scene3d>
+    <dgm:sp3d/>
+    <dgm:txPr/>
+    <dgm:style>
+      <a:lnRef idx="1">
+        <a:scrgbClr r="0" g="0" b="0"/>
+      </a:lnRef>
+      <a:fillRef idx="0">
+        <a:scrgbClr r="0" g="0" b="0"/>
+      </a:fillRef>
+      <a:effectRef idx="0">
+        <a:scrgbClr r="0" g="0" b="0"/>
+      </a:effectRef>
+      <a:fontRef idx="minor"/>
+    </dgm:style>
+  </dgm:styleLbl>
+  <dgm:styleLbl name="parChTrans1D2">
+    <dgm:scene3d>
+      <a:camera prst="orthographicFront"/>
+      <a:lightRig rig="threePt" dir="t"/>
+    </dgm:scene3d>
+    <dgm:sp3d/>
+    <dgm:txPr/>
+    <dgm:style>
+      <a:lnRef idx="1">
+        <a:scrgbClr r="0" g="0" b="0"/>
+      </a:lnRef>
+      <a:fillRef idx="0">
+        <a:scrgbClr r="0" g="0" b="0"/>
+      </a:fillRef>
+      <a:effectRef idx="0">
+        <a:scrgbClr r="0" g="0" b="0"/>
+      </a:effectRef>
+      <a:fontRef idx="minor"/>
+    </dgm:style>
+  </dgm:styleLbl>
+  <dgm:styleLbl name="parChTrans1D3">
+    <dgm:scene3d>
+      <a:camera prst="orthographicFront"/>
+      <a:lightRig rig="threePt" dir="t"/>
+    </dgm:scene3d>
+    <dgm:sp3d/>
+    <dgm:txPr/>
+    <dgm:style>
+      <a:lnRef idx="1">
+        <a:scrgbClr r="0" g="0" b="0"/>
+      </a:lnRef>
+      <a:fillRef idx="0">
+        <a:scrgbClr r="0" g="0" b="0"/>
+      </a:fillRef>
+      <a:effectRef idx="0">
+        <a:scrgbClr r="0" g="0" b="0"/>
+      </a:effectRef>
+      <a:fontRef idx="minor"/>
+    </dgm:style>
+  </dgm:styleLbl>
+  <dgm:styleLbl name="parChTrans1D4">
+    <dgm:scene3d>
+      <a:camera prst="orthographicFront"/>
+      <a:lightRig rig="threePt" dir="t"/>
+    </dgm:scene3d>
+    <dgm:sp3d/>
+    <dgm:txPr/>
+    <dgm:style>
+      <a:lnRef idx="1">
+        <a:scrgbClr r="0" g="0" b="0"/>
+      </a:lnRef>
+      <a:fillRef idx="0">
+        <a:scrgbClr r="0" g="0" b="0"/>
+      </a:fillRef>
+      <a:effectRef idx="0">
+        <a:scrgbClr r="0" g="0" b="0"/>
+      </a:effectRef>
+      <a:fontRef idx="minor"/>
+    </dgm:style>
+  </dgm:styleLbl>
+  <dgm:styleLbl name="fgAcc1">
+    <dgm:scene3d>
+      <a:camera prst="orthographicFront"/>
+      <a:lightRig rig="threePt" dir="t"/>
+    </dgm:scene3d>
+    <dgm:sp3d/>
+    <dgm:txPr/>
+    <dgm:style>
+      <a:lnRef idx="1">
+        <a:scrgbClr r="0" g="0" b="0"/>
+      </a:lnRef>
+      <a:fillRef idx="1">
+        <a:scrgbClr r="0" g="0" b="0"/>
+      </a:fillRef>
+      <a:effectRef idx="0">
+        <a:scrgbClr r="0" g="0" b="0"/>
+      </a:effectRef>
+      <a:fontRef idx="minor"/>
+    </dgm:style>
+  </dgm:styleLbl>
+  <dgm:styleLbl name="conFgAcc1">
+    <dgm:scene3d>
+      <a:camera prst="orthographicFront"/>
+      <a:lightRig rig="threePt" dir="t"/>
+    </dgm:scene3d>
+    <dgm:sp3d/>
+    <dgm:txPr/>
+    <dgm:style>
+      <a:lnRef idx="1">
+        <a:scrgbClr r="0" g="0" b="0"/>
+      </a:lnRef>
+      <a:fillRef idx="1">
+        <a:scrgbClr r="0" g="0" b="0"/>
+      </a:fillRef>
+      <a:effectRef idx="0">
+        <a:scrgbClr r="0" g="0" b="0"/>
+      </a:effectRef>
+      <a:fontRef idx="minor"/>
+    </dgm:style>
+  </dgm:styleLbl>
+  <dgm:styleLbl name="alignAcc1">
+    <dgm:scene3d>
+      <a:camera prst="orthographicFront"/>
+      <a:lightRig rig="threePt" dir="t"/>
+    </dgm:scene3d>
+    <dgm:sp3d/>
+    <dgm:txPr/>
+    <dgm:style>
+      <a:lnRef idx="1">
+        <a:scrgbClr r="0" g="0" b="0"/>
+      </a:lnRef>
+      <a:fillRef idx="1">
+        <a:scrgbClr r="0" g="0" b="0"/>
+      </a:fillRef>
+      <a:effectRef idx="0">
+        <a:scrgbClr r="0" g="0" b="0"/>
+      </a:effectRef>
+      <a:fontRef idx="minor"/>
+    </dgm:style>
+  </dgm:styleLbl>
+  <dgm:styleLbl name="trAlignAcc1">
+    <dgm:scene3d>
+      <a:camera prst="orthographicFront"/>
+      <a:lightRig rig="threePt" dir="t"/>
+    </dgm:scene3d>
+    <dgm:sp3d/>
+    <dgm:txPr/>
+    <dgm:style>
+      <a:lnRef idx="1">
+        <a:scrgbClr r="0" g="0" b="0"/>
+      </a:lnRef>
+      <a:fillRef idx="1">
+        <a:scrgbClr r="0" g="0" b="0"/>
+      </a:fillRef>
+      <a:effectRef idx="0">
+        <a:scrgbClr r="0" g="0" b="0"/>
+      </a:effectRef>
+      <a:fontRef idx="minor"/>
+    </dgm:style>
+  </dgm:styleLbl>
+  <dgm:styleLbl name="bgAcc1">
+    <dgm:scene3d>
+      <a:camera prst="orthographicFront"/>
+      <a:lightRig rig="threePt" dir="t"/>
+    </dgm:scene3d>
+    <dgm:sp3d/>
+    <dgm:txPr/>
+    <dgm:style>
+      <a:lnRef idx="1">
+        <a:scrgbClr r="0" g="0" b="0"/>
+      </a:lnRef>
+      <a:fillRef idx="1">
+        <a:scrgbClr r="0" g="0" b="0"/>
+      </a:fillRef>
+      <a:effectRef idx="0">
+        <a:scrgbClr r="0" g="0" b="0"/>
+      </a:effectRef>
+      <a:fontRef idx="minor"/>
+    </dgm:style>
+  </dgm:styleLbl>
+  <dgm:styleLbl name="solidFgAcc1">
+    <dgm:scene3d>
+      <a:camera prst="orthographicFront"/>
+      <a:lightRig rig="threePt" dir="t"/>
+    </dgm:scene3d>
+    <dgm:sp3d/>
+    <dgm:txPr/>
+    <dgm:style>
+      <a:lnRef idx="1">
+        <a:scrgbClr r="0" g="0" b="0"/>
+      </a:lnRef>
+      <a:fillRef idx="1">
+        <a:scrgbClr r="0" g="0" b="0"/>
+      </a:fillRef>
+      <a:effectRef idx="0">
+        <a:scrgbClr r="0" g="0" b="0"/>
+      </a:effectRef>
+      <a:fontRef idx="minor"/>
+    </dgm:style>
+  </dgm:styleLbl>
+  <dgm:styleLbl name="solidAlignAcc1">
+    <dgm:scene3d>
+      <a:camera prst="orthographicFront"/>
+      <a:lightRig rig="threePt" dir="t"/>
+    </dgm:scene3d>
+    <dgm:sp3d/>
+    <dgm:txPr/>
+    <dgm:style>
+      <a:lnRef idx="1">
+        <a:scrgbClr r="0" g="0" b="0"/>
+      </a:lnRef>
+      <a:fillRef idx="1">
+        <a:scrgbClr r="0" g="0" b="0"/>
+      </a:fillRef>
+      <a:effectRef idx="0">
+        <a:scrgbClr r="0" g="0" b="0"/>
+      </a:effectRef>
+      <a:fontRef idx="minor"/>
+    </dgm:style>
+  </dgm:styleLbl>
+  <dgm:styleLbl name="solidBgAcc1">
+    <dgm:scene3d>
+      <a:camera prst="orthographicFront"/>
+      <a:lightRig rig="threePt" dir="t"/>
+    </dgm:scene3d>
+    <dgm:sp3d/>
+    <dgm:txPr/>
+    <dgm:style>
+      <a:lnRef idx="1">
+        <a:scrgbClr r="0" g="0" b="0"/>
+      </a:lnRef>
+      <a:fillRef idx="1">
+        <a:scrgbClr r="0" g="0" b="0"/>
+      </a:fillRef>
+      <a:effectRef idx="0">
+        <a:scrgbClr r="0" g="0" b="0"/>
+      </a:effectRef>
+      <a:fontRef idx="minor"/>
+    </dgm:style>
+  </dgm:styleLbl>
+  <dgm:styleLbl name="fgAccFollowNode1">
+    <dgm:scene3d>
+      <a:camera prst="orthographicFront"/>
+      <a:lightRig rig="threePt" dir="t"/>
+    </dgm:scene3d>
+    <dgm:sp3d/>
+    <dgm:txPr/>
+    <dgm:style>
+      <a:lnRef idx="1">
+        <a:scrgbClr r="0" g="0" b="0"/>
+      </a:lnRef>
+      <a:fillRef idx="1">
+        <a:scrgbClr r="0" g="0" b="0"/>
+      </a:fillRef>
+      <a:effectRef idx="0">
+        <a:scrgbClr r="0" g="0" b="0"/>
+      </a:effectRef>
+      <a:fontRef idx="minor"/>
+    </dgm:style>
+  </dgm:styleLbl>
+  <dgm:styleLbl name="alignAccFollowNode1">
+    <dgm:scene3d>
+      <a:camera prst="orthographicFront"/>
+      <a:lightRig rig="threePt" dir="t"/>
+    </dgm:scene3d>
+    <dgm:sp3d/>
+    <dgm:txPr/>
+    <dgm:style>
+      <a:lnRef idx="1">
+        <a:scrgbClr r="0" g="0" b="0"/>
+      </a:lnRef>
+      <a:fillRef idx="1">
+        <a:scrgbClr r="0" g="0" b="0"/>
+      </a:fillRef>
+      <a:effectRef idx="0">
+        <a:scrgbClr r="0" g="0" b="0"/>
+      </a:effectRef>
+      <a:fontRef idx="minor"/>
+    </dgm:style>
+  </dgm:styleLbl>
+  <dgm:styleLbl name="bgAccFollowNode1">
+    <dgm:scene3d>
+      <a:camera prst="orthographicFront"/>
+      <a:lightRig rig="threePt" dir="t"/>
+    </dgm:scene3d>
+    <dgm:sp3d/>
+    <dgm:txPr/>
+    <dgm:style>
+      <a:lnRef idx="1">
+        <a:scrgbClr r="0" g="0" b="0"/>
+      </a:lnRef>
+      <a:fillRef idx="1">
+        <a:scrgbClr r="0" g="0" b="0"/>
+      </a:fillRef>
+      <a:effectRef idx="0">
+        <a:scrgbClr r="0" g="0" b="0"/>
+      </a:effectRef>
+      <a:fontRef idx="minor"/>
+    </dgm:style>
+  </dgm:styleLbl>
+  <dgm:styleLbl name="fgAcc0">
+    <dgm:scene3d>
+      <a:camera prst="orthographicFront"/>
+      <a:lightRig rig="threePt" dir="t"/>
+    </dgm:scene3d>
+    <dgm:sp3d/>
+    <dgm:txPr/>
+    <dgm:style>
+      <a:lnRef idx="1">
+        <a:scrgbClr r="0" g="0" b="0"/>
+      </a:lnRef>
+      <a:fillRef idx="1">
+        <a:scrgbClr r="0" g="0" b="0"/>
+      </a:fillRef>
+      <a:effectRef idx="0">
+        <a:scrgbClr r="0" g="0" b="0"/>
+      </a:effectRef>
+      <a:fontRef idx="minor"/>
+    </dgm:style>
+  </dgm:styleLbl>
+  <dgm:styleLbl name="fgAcc2">
+    <dgm:scene3d>
+      <a:camera prst="orthographicFront"/>
+      <a:lightRig rig="threePt" dir="t"/>
+    </dgm:scene3d>
+    <dgm:sp3d/>
+    <dgm:txPr/>
+    <dgm:style>
+      <a:lnRef idx="1">
+        <a:scrgbClr r="0" g="0" b="0"/>
+      </a:lnRef>
+      <a:fillRef idx="1">
+        <a:scrgbClr r="0" g="0" b="0"/>
+      </a:fillRef>
+      <a:effectRef idx="0">
+        <a:scrgbClr r="0" g="0" b="0"/>
+      </a:effectRef>
+      <a:fontRef idx="minor"/>
+    </dgm:style>
+  </dgm:styleLbl>
+  <dgm:styleLbl name="fgAcc3">
+    <dgm:scene3d>
+      <a:camera prst="orthographicFront"/>
+      <a:lightRig rig="threePt" dir="t"/>
+    </dgm:scene3d>
+    <dgm:sp3d/>
+    <dgm:txPr/>
+    <dgm:style>
+      <a:lnRef idx="1">
+        <a:scrgbClr r="0" g="0" b="0"/>
+      </a:lnRef>
+      <a:fillRef idx="1">
+        <a:scrgbClr r="0" g="0" b="0"/>
+      </a:fillRef>
+      <a:effectRef idx="0">
+        <a:scrgbClr r="0" g="0" b="0"/>
+      </a:effectRef>
+      <a:fontRef idx="minor"/>
+    </dgm:style>
+  </dgm:styleLbl>
+  <dgm:styleLbl name="fgAcc4">
+    <dgm:scene3d>
+      <a:camera prst="orthographicFront"/>
+      <a:lightRig rig="threePt" dir="t"/>
+    </dgm:scene3d>
+    <dgm:sp3d/>
+    <dgm:txPr/>
+    <dgm:style>
+      <a:lnRef idx="1">
+        <a:scrgbClr r="0" g="0" b="0"/>
+      </a:lnRef>
+      <a:fillRef idx="1">
+        <a:scrgbClr r="0" g="0" b="0"/>
+      </a:fillRef>
+      <a:effectRef idx="0">
+        <a:scrgbClr r="0" g="0" b="0"/>
+      </a:effectRef>
+      <a:fontRef idx="minor"/>
+    </dgm:style>
+  </dgm:styleLbl>
+  <dgm:styleLbl name="bgShp">
+    <dgm:scene3d>
+      <a:camera prst="orthographicFront"/>
+      <a:lightRig rig="threePt" dir="t"/>
+    </dgm:scene3d>
+    <dgm:sp3d/>
+    <dgm:txPr/>
+    <dgm:style>
+      <a:lnRef idx="0">
+        <a:scrgbClr r="0" g="0" b="0"/>
+      </a:lnRef>
+      <a:fillRef idx="1">
+        <a:scrgbClr r="0" g="0" b="0"/>
+      </a:fillRef>
+      <a:effectRef idx="2">
+        <a:scrgbClr r="0" g="0" b="0"/>
+      </a:effectRef>
+      <a:fontRef idx="minor"/>
+    </dgm:style>
+  </dgm:styleLbl>
+  <dgm:styleLbl name="dkBgShp">
+    <dgm:scene3d>
+      <a:camera prst="orthographicFront"/>
+      <a:lightRig rig="threePt" dir="t"/>
+    </dgm:scene3d>
+    <dgm:sp3d/>
+    <dgm:txPr/>
+    <dgm:style>
+      <a:lnRef idx="0">
+        <a:scrgbClr r="0" g="0" b="0"/>
+      </a:lnRef>
+      <a:fillRef idx="1">
+        <a:scrgbClr r="0" g="0" b="0"/>
+      </a:fillRef>
+      <a:effectRef idx="2">
+        <a:scrgbClr r="0" g="0" b="0"/>
+      </a:effectRef>
+      <a:fontRef idx="minor"/>
+    </dgm:style>
+  </dgm:styleLbl>
+  <dgm:styleLbl name="trBgShp">
+    <dgm:scene3d>
+      <a:camera prst="orthographicFront"/>
+      <a:lightRig rig="threePt" dir="t"/>
+    </dgm:scene3d>
+    <dgm:sp3d/>
+    <dgm:txPr/>
+    <dgm:style>
+      <a:lnRef idx="0">
+        <a:scrgbClr r="0" g="0" b="0"/>
+      </a:lnRef>
+      <a:fillRef idx="1">
+        <a:scrgbClr r="0" g="0" b="0"/>
+      </a:fillRef>
+      <a:effectRef idx="0">
+        <a:scrgbClr r="0" g="0" b="0"/>
+      </a:effectRef>
+      <a:fontRef idx="minor"/>
+    </dgm:style>
+  </dgm:styleLbl>
+  <dgm:styleLbl name="fgShp">
+    <dgm:scene3d>
+      <a:camera prst="orthographicFront"/>
+      <a:lightRig rig="threePt" dir="t"/>
+    </dgm:scene3d>
+    <dgm:sp3d/>
+    <dgm:txPr/>
+    <dgm:style>
+      <a:lnRef idx="0">
+        <a:scrgbClr r="0" g="0" b="0"/>
+      </a:lnRef>
+      <a:fillRef idx="3">
+        <a:scrgbClr r="0" g="0" b="0"/>
+      </a:fillRef>
+      <a:effectRef idx="2">
         <a:scrgbClr r="0" g="0" b="0"/>
       </a:effectRef>
       <a:fontRef idx="minor"/>
@@ -3038,7 +6166,7 @@
           <a:p>
             <a:fld id="{027FBAD7-3B6B-4076-AB20-874DA6FB7435}" type="datetimeFigureOut">
               <a:rPr lang="en-SG" smtClean="0"/>
-              <a:t>23 Nov 2020</a:t>
+              <a:t>25 Nov 2020</a:t>
             </a:fld>
             <a:endParaRPr lang="en-SG"/>
           </a:p>
@@ -3482,7 +6610,7 @@
           <a:p>
             <a:fld id="{98928E23-EEE6-43F7-A8BE-5A52F918F6E1}" type="slidenum">
               <a:rPr lang="en-SG" smtClean="0"/>
-              <a:t>3</a:t>
+              <a:t>5</a:t>
             </a:fld>
             <a:endParaRPr lang="en-SG"/>
           </a:p>
@@ -3640,7 +6768,7 @@
           <a:p>
             <a:fld id="{48A87A34-81AB-432B-8DAE-1953F412C126}" type="datetimeFigureOut">
               <a:rPr lang="en-US" dirty="0"/>
-              <a:t>11/23/2020</a:t>
+              <a:t>11/25/2020</a:t>
             </a:fld>
             <a:endParaRPr lang="en-US" dirty="0"/>
           </a:p>
@@ -3846,7 +6974,7 @@
           <a:p>
             <a:fld id="{48A87A34-81AB-432B-8DAE-1953F412C126}" type="datetimeFigureOut">
               <a:rPr lang="en-US" dirty="0"/>
-              <a:t>11/23/2020</a:t>
+              <a:t>11/25/2020</a:t>
             </a:fld>
             <a:endParaRPr lang="en-US" dirty="0"/>
           </a:p>
@@ -4056,7 +7184,7 @@
           <a:p>
             <a:fld id="{48A87A34-81AB-432B-8DAE-1953F412C126}" type="datetimeFigureOut">
               <a:rPr lang="en-US" dirty="0"/>
-              <a:t>11/23/2020</a:t>
+              <a:t>11/25/2020</a:t>
             </a:fld>
             <a:endParaRPr lang="en-US" dirty="0"/>
           </a:p>
@@ -4252,7 +7380,7 @@
           <a:p>
             <a:fld id="{48A87A34-81AB-432B-8DAE-1953F412C126}" type="datetimeFigureOut">
               <a:rPr lang="en-US" dirty="0"/>
-              <a:t>11/23/2020</a:t>
+              <a:t>11/25/2020</a:t>
             </a:fld>
             <a:endParaRPr lang="en-US" dirty="0"/>
           </a:p>
@@ -4526,7 +7654,7 @@
           <a:p>
             <a:fld id="{48A87A34-81AB-432B-8DAE-1953F412C126}" type="datetimeFigureOut">
               <a:rPr lang="en-US" dirty="0"/>
-              <a:t>11/23/2020</a:t>
+              <a:t>11/25/2020</a:t>
             </a:fld>
             <a:endParaRPr lang="en-US" dirty="0"/>
           </a:p>
@@ -4789,7 +7917,7 @@
           <a:p>
             <a:fld id="{48A87A34-81AB-432B-8DAE-1953F412C126}" type="datetimeFigureOut">
               <a:rPr lang="en-US" dirty="0"/>
-              <a:t>11/23/2020</a:t>
+              <a:t>11/25/2020</a:t>
             </a:fld>
             <a:endParaRPr lang="en-US" dirty="0"/>
           </a:p>
@@ -5200,7 +8328,7 @@
           <a:p>
             <a:fld id="{48A87A34-81AB-432B-8DAE-1953F412C126}" type="datetimeFigureOut">
               <a:rPr lang="en-US" dirty="0"/>
-              <a:t>11/23/2020</a:t>
+              <a:t>11/25/2020</a:t>
             </a:fld>
             <a:endParaRPr lang="en-US" dirty="0"/>
           </a:p>
@@ -5344,7 +8472,7 @@
           <a:p>
             <a:fld id="{48A87A34-81AB-432B-8DAE-1953F412C126}" type="datetimeFigureOut">
               <a:rPr lang="en-US" dirty="0"/>
-              <a:t>11/23/2020</a:t>
+              <a:t>11/25/2020</a:t>
             </a:fld>
             <a:endParaRPr lang="en-US" dirty="0"/>
           </a:p>
@@ -5465,7 +8593,7 @@
           <a:p>
             <a:fld id="{48A87A34-81AB-432B-8DAE-1953F412C126}" type="datetimeFigureOut">
               <a:rPr lang="en-US" dirty="0"/>
-              <a:t>11/23/2020</a:t>
+              <a:t>11/25/2020</a:t>
             </a:fld>
             <a:endParaRPr lang="en-US" dirty="0"/>
           </a:p>
@@ -5711,7 +8839,7 @@
           <a:p>
             <a:fld id="{48A87A34-81AB-432B-8DAE-1953F412C126}" type="datetimeFigureOut">
               <a:rPr lang="en-US" dirty="0"/>
-              <a:t>11/23/2020</a:t>
+              <a:t>11/25/2020</a:t>
             </a:fld>
             <a:endParaRPr lang="en-US" dirty="0"/>
           </a:p>
@@ -6152,7 +9280,7 @@
             <a:fld id="{48A87A34-81AB-432B-8DAE-1953F412C126}" type="datetimeFigureOut">
               <a:rPr lang="en-US" dirty="0"/>
               <a:pPr/>
-              <a:t>11/23/2020</a:t>
+              <a:t>11/25/2020</a:t>
             </a:fld>
             <a:endParaRPr lang="en-US" dirty="0"/>
           </a:p>
@@ -6475,7 +9603,7 @@
             <a:fld id="{48A87A34-81AB-432B-8DAE-1953F412C126}" type="datetimeFigureOut">
               <a:rPr lang="en-US" dirty="0"/>
               <a:pPr/>
-              <a:t>11/23/2020</a:t>
+              <a:t>11/25/2020</a:t>
             </a:fld>
             <a:endParaRPr lang="en-US" dirty="0"/>
           </a:p>
@@ -7040,6 +10168,2351 @@
 </p:sld>
 </file>
 
+<file path=ppt/slides/slide10.xml><?xml version="1.0" encoding="utf-8"?>
+<p:sld xmlns:a="http://schemas.openxmlformats.org/drawingml/2006/main" xmlns:r="http://schemas.openxmlformats.org/officeDocument/2006/relationships" xmlns:p="http://schemas.openxmlformats.org/presentationml/2006/main">
+  <p:cSld>
+    <p:bg>
+      <p:bgPr>
+        <a:gradFill rotWithShape="1">
+          <a:gsLst>
+            <a:gs pos="0">
+              <a:schemeClr val="bg2">
+                <a:tint val="94000"/>
+                <a:satMod val="80000"/>
+                <a:lumMod val="106000"/>
+              </a:schemeClr>
+            </a:gs>
+            <a:gs pos="100000">
+              <a:schemeClr val="bg2">
+                <a:shade val="80000"/>
+              </a:schemeClr>
+            </a:gs>
+          </a:gsLst>
+          <a:path path="circle">
+            <a:fillToRect l="43000" r="43000" b="100000"/>
+          </a:path>
+        </a:gradFill>
+        <a:effectLst/>
+      </p:bgPr>
+    </p:bg>
+    <p:spTree>
+      <p:nvGrpSpPr>
+        <p:cNvPr id="1" name=""/>
+        <p:cNvGrpSpPr/>
+        <p:nvPr/>
+      </p:nvGrpSpPr>
+      <p:grpSpPr>
+        <a:xfrm>
+          <a:off x="0" y="0"/>
+          <a:ext cx="0" cy="0"/>
+          <a:chOff x="0" y="0"/>
+          <a:chExt cx="0" cy="0"/>
+        </a:xfrm>
+      </p:grpSpPr>
+      <p:sp>
+        <p:nvSpPr>
+          <p:cNvPr id="2" name="Title 1">
+            <a:extLst>
+              <a:ext uri="{FF2B5EF4-FFF2-40B4-BE49-F238E27FC236}">
+                <a16:creationId xmlns:a16="http://schemas.microsoft.com/office/drawing/2014/main" id="{4EE43133-1FAB-423D-A5D3-246717534E7F}"/>
+              </a:ext>
+            </a:extLst>
+          </p:cNvPr>
+          <p:cNvSpPr>
+            <a:spLocks noGrp="1"/>
+          </p:cNvSpPr>
+          <p:nvPr>
+            <p:ph type="title"/>
+          </p:nvPr>
+        </p:nvSpPr>
+        <p:spPr>
+          <a:xfrm>
+            <a:off x="1451579" y="804519"/>
+            <a:ext cx="9603275" cy="1049235"/>
+          </a:xfrm>
+        </p:spPr>
+        <p:txBody>
+          <a:bodyPr>
+            <a:normAutofit/>
+          </a:bodyPr>
+          <a:lstStyle/>
+          <a:p>
+            <a:r>
+              <a:rPr lang="en-SG" cap="none" dirty="0"/>
+              <a:t>Class weights</a:t>
+            </a:r>
+          </a:p>
+        </p:txBody>
+      </p:sp>
+      <p:pic>
+        <p:nvPicPr>
+          <p:cNvPr id="5" name="Picture 4">
+            <a:extLst>
+              <a:ext uri="{FF2B5EF4-FFF2-40B4-BE49-F238E27FC236}">
+                <a16:creationId xmlns:a16="http://schemas.microsoft.com/office/drawing/2014/main" id="{AAFABC93-D14E-4610-97B2-A82A24171A54}"/>
+              </a:ext>
+            </a:extLst>
+          </p:cNvPr>
+          <p:cNvPicPr>
+            <a:picLocks noChangeAspect="1"/>
+          </p:cNvPicPr>
+          <p:nvPr/>
+        </p:nvPicPr>
+        <p:blipFill>
+          <a:blip r:embed="rId2"/>
+          <a:stretch>
+            <a:fillRect/>
+          </a:stretch>
+        </p:blipFill>
+        <p:spPr>
+          <a:xfrm>
+            <a:off x="1451579" y="2933090"/>
+            <a:ext cx="4960443" cy="1615901"/>
+          </a:xfrm>
+          <a:prstGeom prst="rect">
+            <a:avLst/>
+          </a:prstGeom>
+        </p:spPr>
+      </p:pic>
+      <p:sp>
+        <p:nvSpPr>
+          <p:cNvPr id="3" name="Content Placeholder 2">
+            <a:extLst>
+              <a:ext uri="{FF2B5EF4-FFF2-40B4-BE49-F238E27FC236}">
+                <a16:creationId xmlns:a16="http://schemas.microsoft.com/office/drawing/2014/main" id="{AA2E3418-15F3-42E3-A237-BAE217F169A0}"/>
+              </a:ext>
+            </a:extLst>
+          </p:cNvPr>
+          <p:cNvSpPr>
+            <a:spLocks noGrp="1"/>
+          </p:cNvSpPr>
+          <p:nvPr>
+            <p:ph idx="1"/>
+          </p:nvPr>
+        </p:nvSpPr>
+        <p:spPr>
+          <a:xfrm>
+            <a:off x="6892299" y="2015734"/>
+            <a:ext cx="4162555" cy="3450613"/>
+          </a:xfrm>
+        </p:spPr>
+        <p:txBody>
+          <a:bodyPr>
+            <a:normAutofit/>
+          </a:bodyPr>
+          <a:lstStyle/>
+          <a:p>
+            <a:r>
+              <a:rPr lang="en-SG" dirty="0"/>
+              <a:t>Class weights are calculated as a simple inverse of (class count / total count).</a:t>
+            </a:r>
+          </a:p>
+          <a:p>
+            <a:r>
+              <a:rPr lang="en-SG" dirty="0"/>
+              <a:t>Covid-19 classified X-Rays are given significantly higher weights in this approach.</a:t>
+            </a:r>
+          </a:p>
+        </p:txBody>
+      </p:sp>
+    </p:spTree>
+    <p:extLst>
+      <p:ext uri="{BB962C8B-B14F-4D97-AF65-F5344CB8AC3E}">
+        <p14:creationId xmlns:p14="http://schemas.microsoft.com/office/powerpoint/2010/main" val="4026691295"/>
+      </p:ext>
+    </p:extLst>
+  </p:cSld>
+  <p:clrMapOvr>
+    <a:masterClrMapping/>
+  </p:clrMapOvr>
+</p:sld>
+</file>
+
+<file path=ppt/slides/slide11.xml><?xml version="1.0" encoding="utf-8"?>
+<p:sld xmlns:a="http://schemas.openxmlformats.org/drawingml/2006/main" xmlns:r="http://schemas.openxmlformats.org/officeDocument/2006/relationships" xmlns:p="http://schemas.openxmlformats.org/presentationml/2006/main">
+  <p:cSld>
+    <p:bg>
+      <p:bgPr>
+        <a:gradFill rotWithShape="1">
+          <a:gsLst>
+            <a:gs pos="0">
+              <a:schemeClr val="bg2">
+                <a:tint val="94000"/>
+                <a:satMod val="80000"/>
+                <a:lumMod val="106000"/>
+              </a:schemeClr>
+            </a:gs>
+            <a:gs pos="100000">
+              <a:schemeClr val="bg2">
+                <a:shade val="80000"/>
+              </a:schemeClr>
+            </a:gs>
+          </a:gsLst>
+          <a:path path="circle">
+            <a:fillToRect l="50000" t="50000" r="50000" b="50000"/>
+          </a:path>
+        </a:gradFill>
+        <a:effectLst/>
+      </p:bgPr>
+    </p:bg>
+    <p:spTree>
+      <p:nvGrpSpPr>
+        <p:cNvPr id="1" name=""/>
+        <p:cNvGrpSpPr/>
+        <p:nvPr/>
+      </p:nvGrpSpPr>
+      <p:grpSpPr>
+        <a:xfrm>
+          <a:off x="0" y="0"/>
+          <a:ext cx="0" cy="0"/>
+          <a:chOff x="0" y="0"/>
+          <a:chExt cx="0" cy="0"/>
+        </a:xfrm>
+      </p:grpSpPr>
+      <p:sp>
+        <p:nvSpPr>
+          <p:cNvPr id="7" name="Rectangle 6">
+            <a:extLst>
+              <a:ext uri="{FF2B5EF4-FFF2-40B4-BE49-F238E27FC236}">
+                <a16:creationId xmlns:a16="http://schemas.microsoft.com/office/drawing/2014/main" id="{23522FE7-5A29-4EF6-B1EF-2CA55748A772}"/>
+              </a:ext>
+              <a:ext uri="{C183D7F6-B498-43B3-948B-1728B52AA6E4}">
+                <adec:decorative xmlns:adec="http://schemas.microsoft.com/office/drawing/2017/decorative" val="1"/>
+              </a:ext>
+            </a:extLst>
+          </p:cNvPr>
+          <p:cNvSpPr>
+            <a:spLocks noGrp="1" noRot="1" noChangeAspect="1" noMove="1" noResize="1" noEditPoints="1" noAdjustHandles="1" noChangeArrowheads="1" noChangeShapeType="1" noTextEdit="1"/>
+          </p:cNvSpPr>
+          <p:nvPr>
+            <p:extLst>
+              <p:ext uri="{386F3935-93C4-4BCD-93E2-E3B085C9AB24}">
+                <p16:designElem xmlns:p16="http://schemas.microsoft.com/office/powerpoint/2015/main" val="1"/>
+              </p:ext>
+            </p:extLst>
+          </p:nvPr>
+        </p:nvSpPr>
+        <p:spPr>
+          <a:xfrm>
+            <a:off x="0" y="2019476"/>
+            <a:ext cx="12192000" cy="4105941"/>
+          </a:xfrm>
+          <a:prstGeom prst="rect">
+            <a:avLst/>
+          </a:prstGeom>
+          <a:gradFill flip="none" rotWithShape="1">
+            <a:gsLst>
+              <a:gs pos="0">
+                <a:schemeClr val="bg2">
+                  <a:alpha val="0"/>
+                </a:schemeClr>
+              </a:gs>
+              <a:gs pos="100000">
+                <a:schemeClr val="bg2"/>
+              </a:gs>
+            </a:gsLst>
+            <a:lin ang="5400000" scaled="0"/>
+            <a:tileRect/>
+          </a:gradFill>
+          <a:ln>
+            <a:noFill/>
+          </a:ln>
+        </p:spPr>
+        <p:style>
+          <a:lnRef idx="2">
+            <a:schemeClr val="accent1">
+              <a:shade val="50000"/>
+            </a:schemeClr>
+          </a:lnRef>
+          <a:fillRef idx="1">
+            <a:schemeClr val="accent1"/>
+          </a:fillRef>
+          <a:effectRef idx="0">
+            <a:schemeClr val="accent1"/>
+          </a:effectRef>
+          <a:fontRef idx="minor">
+            <a:schemeClr val="lt1"/>
+          </a:fontRef>
+        </p:style>
+      </p:sp>
+      <p:pic>
+        <p:nvPicPr>
+          <p:cNvPr id="9" name="Picture 8">
+            <a:extLst>
+              <a:ext uri="{FF2B5EF4-FFF2-40B4-BE49-F238E27FC236}">
+                <a16:creationId xmlns:a16="http://schemas.microsoft.com/office/drawing/2014/main" id="{C2192E09-EBC7-416C-B887-DFF915D7F43D}"/>
+              </a:ext>
+              <a:ext uri="{C183D7F6-B498-43B3-948B-1728B52AA6E4}">
+                <adec:decorative xmlns:adec="http://schemas.microsoft.com/office/drawing/2017/decorative" val="1"/>
+              </a:ext>
+            </a:extLst>
+          </p:cNvPr>
+          <p:cNvPicPr>
+            <a:picLocks noGrp="1" noRot="1" noChangeAspect="1" noMove="1" noResize="1" noEditPoints="1" noAdjustHandles="1" noChangeArrowheads="1" noChangeShapeType="1" noCrop="1"/>
+          </p:cNvPicPr>
+          <p:nvPr>
+            <p:extLst>
+              <p:ext uri="{386F3935-93C4-4BCD-93E2-E3B085C9AB24}">
+                <p16:designElem xmlns:p16="http://schemas.microsoft.com/office/powerpoint/2015/main" val="1"/>
+              </p:ext>
+            </p:extLst>
+          </p:nvPr>
+        </p:nvPicPr>
+        <p:blipFill rotWithShape="1">
+          <a:blip r:embed="rId2">
+            <a:extLst>
+              <a:ext uri="{28A0092B-C50C-407E-A947-70E740481C1C}">
+                <a14:useLocalDpi xmlns:a14="http://schemas.microsoft.com/office/drawing/2010/main" val="0"/>
+              </a:ext>
+            </a:extLst>
+          </a:blip>
+          <a:srcRect t="1538" b="-1538"/>
+          <a:stretch/>
+        </p:blipFill>
+        <p:spPr bwMode="black">
+          <a:xfrm>
+            <a:off x="0" y="6126480"/>
+            <a:ext cx="12192000" cy="742950"/>
+          </a:xfrm>
+          <a:prstGeom prst="rect">
+            <a:avLst/>
+          </a:prstGeom>
+        </p:spPr>
+      </p:pic>
+      <p:cxnSp>
+        <p:nvCxnSpPr>
+          <p:cNvPr id="11" name="Straight Connector 10">
+            <a:extLst>
+              <a:ext uri="{FF2B5EF4-FFF2-40B4-BE49-F238E27FC236}">
+                <a16:creationId xmlns:a16="http://schemas.microsoft.com/office/drawing/2014/main" id="{2924498D-E084-44BE-A196-CFCE35564350}"/>
+              </a:ext>
+              <a:ext uri="{C183D7F6-B498-43B3-948B-1728B52AA6E4}">
+                <adec:decorative xmlns:adec="http://schemas.microsoft.com/office/drawing/2017/decorative" val="1"/>
+              </a:ext>
+            </a:extLst>
+          </p:cNvPr>
+          <p:cNvCxnSpPr>
+            <a:cxnSpLocks noGrp="1" noRot="1" noChangeAspect="1" noMove="1" noResize="1" noEditPoints="1" noAdjustHandles="1" noChangeArrowheads="1" noChangeShapeType="1"/>
+          </p:cNvCxnSpPr>
+          <p:nvPr>
+            <p:extLst>
+              <p:ext uri="{386F3935-93C4-4BCD-93E2-E3B085C9AB24}">
+                <p16:designElem xmlns:p16="http://schemas.microsoft.com/office/powerpoint/2015/main" val="1"/>
+              </p:ext>
+            </p:extLst>
+          </p:nvPr>
+        </p:nvCxnSpPr>
+        <p:spPr>
+          <a:xfrm>
+            <a:off x="0" y="6128413"/>
+            <a:ext cx="12192000" cy="0"/>
+          </a:xfrm>
+          <a:prstGeom prst="line">
+            <a:avLst/>
+          </a:prstGeom>
+          <a:ln w="12700">
+            <a:solidFill>
+              <a:srgbClr val="000001">
+                <a:alpha val="20000"/>
+              </a:srgbClr>
+            </a:solidFill>
+          </a:ln>
+        </p:spPr>
+        <p:style>
+          <a:lnRef idx="1">
+            <a:schemeClr val="accent1"/>
+          </a:lnRef>
+          <a:fillRef idx="0">
+            <a:schemeClr val="accent1"/>
+          </a:fillRef>
+          <a:effectRef idx="0">
+            <a:schemeClr val="accent1"/>
+          </a:effectRef>
+          <a:fontRef idx="minor">
+            <a:schemeClr val="tx1"/>
+          </a:fontRef>
+        </p:style>
+      </p:cxnSp>
+      <p:cxnSp>
+        <p:nvCxnSpPr>
+          <p:cNvPr id="13" name="Straight Connector 12">
+            <a:extLst>
+              <a:ext uri="{FF2B5EF4-FFF2-40B4-BE49-F238E27FC236}">
+                <a16:creationId xmlns:a16="http://schemas.microsoft.com/office/drawing/2014/main" id="{3BBC7667-C352-4842-9AFD-E5C16AD002F4}"/>
+              </a:ext>
+              <a:ext uri="{C183D7F6-B498-43B3-948B-1728B52AA6E4}">
+                <adec:decorative xmlns:adec="http://schemas.microsoft.com/office/drawing/2017/decorative" val="1"/>
+              </a:ext>
+            </a:extLst>
+          </p:cNvPr>
+          <p:cNvCxnSpPr>
+            <a:cxnSpLocks noGrp="1" noRot="1" noChangeAspect="1" noMove="1" noResize="1" noEditPoints="1" noAdjustHandles="1" noChangeArrowheads="1" noChangeShapeType="1"/>
+          </p:cNvCxnSpPr>
+          <p:nvPr>
+            <p:extLst>
+              <p:ext uri="{386F3935-93C4-4BCD-93E2-E3B085C9AB24}">
+                <p16:designElem xmlns:p16="http://schemas.microsoft.com/office/powerpoint/2015/main" val="1"/>
+              </p:ext>
+            </p:extLst>
+          </p:nvPr>
+        </p:nvCxnSpPr>
+        <p:spPr>
+          <a:xfrm>
+            <a:off x="2417780" y="3528542"/>
+            <a:ext cx="8637072" cy="0"/>
+          </a:xfrm>
+          <a:prstGeom prst="line">
+            <a:avLst/>
+          </a:prstGeom>
+          <a:ln w="31750"/>
+        </p:spPr>
+        <p:style>
+          <a:lnRef idx="3">
+            <a:schemeClr val="accent1"/>
+          </a:lnRef>
+          <a:fillRef idx="0">
+            <a:schemeClr val="accent1"/>
+          </a:fillRef>
+          <a:effectRef idx="2">
+            <a:schemeClr val="accent1"/>
+          </a:effectRef>
+          <a:fontRef idx="minor">
+            <a:schemeClr val="tx1"/>
+          </a:fontRef>
+        </p:style>
+      </p:cxnSp>
+      <p:sp useBgFill="1">
+        <p:nvSpPr>
+          <p:cNvPr id="15" name="Rectangle 14">
+            <a:extLst>
+              <a:ext uri="{FF2B5EF4-FFF2-40B4-BE49-F238E27FC236}">
+                <a16:creationId xmlns:a16="http://schemas.microsoft.com/office/drawing/2014/main" id="{352BB3D1-FC10-43EE-8114-34C0EBA6F825}"/>
+              </a:ext>
+              <a:ext uri="{C183D7F6-B498-43B3-948B-1728B52AA6E4}">
+                <adec:decorative xmlns:adec="http://schemas.microsoft.com/office/drawing/2017/decorative" val="1"/>
+              </a:ext>
+            </a:extLst>
+          </p:cNvPr>
+          <p:cNvSpPr>
+            <a:spLocks noGrp="1" noRot="1" noChangeAspect="1" noMove="1" noResize="1" noEditPoints="1" noAdjustHandles="1" noChangeArrowheads="1" noChangeShapeType="1" noTextEdit="1"/>
+          </p:cNvSpPr>
+          <p:nvPr>
+            <p:extLst>
+              <p:ext uri="{386F3935-93C4-4BCD-93E2-E3B085C9AB24}">
+                <p16:designElem xmlns:p16="http://schemas.microsoft.com/office/powerpoint/2015/main" val="1"/>
+              </p:ext>
+            </p:extLst>
+          </p:nvPr>
+        </p:nvSpPr>
+        <p:spPr>
+          <a:xfrm>
+            <a:off x="2" y="0"/>
+            <a:ext cx="12191695" cy="6858000"/>
+          </a:xfrm>
+          <a:prstGeom prst="rect">
+            <a:avLst/>
+          </a:prstGeom>
+          <a:ln>
+            <a:noFill/>
+          </a:ln>
+        </p:spPr>
+        <p:style>
+          <a:lnRef idx="2">
+            <a:schemeClr val="accent1">
+              <a:shade val="50000"/>
+            </a:schemeClr>
+          </a:lnRef>
+          <a:fillRef idx="1">
+            <a:schemeClr val="accent1"/>
+          </a:fillRef>
+          <a:effectRef idx="0">
+            <a:schemeClr val="accent1"/>
+          </a:effectRef>
+          <a:fontRef idx="minor">
+            <a:schemeClr val="lt1"/>
+          </a:fontRef>
+        </p:style>
+        <p:txBody>
+          <a:bodyPr rtlCol="0" anchor="ctr"/>
+          <a:lstStyle/>
+          <a:p>
+            <a:pPr algn="ctr"/>
+            <a:endParaRPr lang="en-US"/>
+          </a:p>
+        </p:txBody>
+      </p:sp>
+      <p:sp>
+        <p:nvSpPr>
+          <p:cNvPr id="2" name="Title 1">
+            <a:extLst>
+              <a:ext uri="{FF2B5EF4-FFF2-40B4-BE49-F238E27FC236}">
+                <a16:creationId xmlns:a16="http://schemas.microsoft.com/office/drawing/2014/main" id="{2766667F-D0FD-4A1A-AE38-1FF59C64F511}"/>
+              </a:ext>
+            </a:extLst>
+          </p:cNvPr>
+          <p:cNvSpPr>
+            <a:spLocks noGrp="1"/>
+          </p:cNvSpPr>
+          <p:nvPr>
+            <p:ph type="title"/>
+          </p:nvPr>
+        </p:nvSpPr>
+        <p:spPr>
+          <a:xfrm>
+            <a:off x="4976636" y="992221"/>
+            <a:ext cx="6247308" cy="4873558"/>
+          </a:xfrm>
+        </p:spPr>
+        <p:txBody>
+          <a:bodyPr vert="horz" lIns="91440" tIns="45720" rIns="91440" bIns="0" rtlCol="0" anchor="ctr">
+            <a:normAutofit/>
+          </a:bodyPr>
+          <a:lstStyle/>
+          <a:p>
+            <a:r>
+              <a:rPr lang="en-US" sz="4800" dirty="0"/>
+              <a:t>Building a model</a:t>
+            </a:r>
+          </a:p>
+        </p:txBody>
+      </p:sp>
+      <p:cxnSp>
+        <p:nvCxnSpPr>
+          <p:cNvPr id="17" name="Straight Connector 16">
+            <a:extLst>
+              <a:ext uri="{FF2B5EF4-FFF2-40B4-BE49-F238E27FC236}">
+                <a16:creationId xmlns:a16="http://schemas.microsoft.com/office/drawing/2014/main" id="{7766695C-9F91-4225-8954-E3288BC513F1}"/>
+              </a:ext>
+              <a:ext uri="{C183D7F6-B498-43B3-948B-1728B52AA6E4}">
+                <adec:decorative xmlns:adec="http://schemas.microsoft.com/office/drawing/2017/decorative" val="1"/>
+              </a:ext>
+            </a:extLst>
+          </p:cNvPr>
+          <p:cNvCxnSpPr>
+            <a:cxnSpLocks noGrp="1" noRot="1" noChangeAspect="1" noMove="1" noResize="1" noEditPoints="1" noAdjustHandles="1" noChangeArrowheads="1" noChangeShapeType="1"/>
+          </p:cNvCxnSpPr>
+          <p:nvPr>
+            <p:extLst>
+              <p:ext uri="{386F3935-93C4-4BCD-93E2-E3B085C9AB24}">
+                <p16:designElem xmlns:p16="http://schemas.microsoft.com/office/powerpoint/2015/main" val="1"/>
+              </p:ext>
+            </p:extLst>
+          </p:nvPr>
+        </p:nvCxnSpPr>
+        <p:spPr>
+          <a:xfrm>
+            <a:off x="4654296" y="1600200"/>
+            <a:ext cx="0" cy="3657600"/>
+          </a:xfrm>
+          <a:prstGeom prst="line">
+            <a:avLst/>
+          </a:prstGeom>
+          <a:ln w="31750"/>
+        </p:spPr>
+        <p:style>
+          <a:lnRef idx="1">
+            <a:schemeClr val="accent1"/>
+          </a:lnRef>
+          <a:fillRef idx="0">
+            <a:schemeClr val="accent1"/>
+          </a:fillRef>
+          <a:effectRef idx="0">
+            <a:schemeClr val="accent1"/>
+          </a:effectRef>
+          <a:fontRef idx="minor">
+            <a:schemeClr val="tx1"/>
+          </a:fontRef>
+        </p:style>
+      </p:cxnSp>
+      <p:pic>
+        <p:nvPicPr>
+          <p:cNvPr id="4098" name="Picture 2" descr="Qoo10 - Building Construction Toys Model Building Kits Wooden building  blocks... : Toys">
+            <a:extLst>
+              <a:ext uri="{FF2B5EF4-FFF2-40B4-BE49-F238E27FC236}">
+                <a16:creationId xmlns:a16="http://schemas.microsoft.com/office/drawing/2014/main" id="{54E534E7-B3B5-44EF-A9C8-B356902F290B}"/>
+              </a:ext>
+            </a:extLst>
+          </p:cNvPr>
+          <p:cNvPicPr>
+            <a:picLocks noChangeAspect="1" noChangeArrowheads="1"/>
+          </p:cNvPicPr>
+          <p:nvPr/>
+        </p:nvPicPr>
+        <p:blipFill>
+          <a:blip r:embed="rId3">
+            <a:extLst>
+              <a:ext uri="{28A0092B-C50C-407E-A947-70E740481C1C}">
+                <a14:useLocalDpi xmlns:a14="http://schemas.microsoft.com/office/drawing/2010/main" val="0"/>
+              </a:ext>
+            </a:extLst>
+          </a:blip>
+          <a:srcRect/>
+          <a:stretch>
+            <a:fillRect/>
+          </a:stretch>
+        </p:blipFill>
+        <p:spPr bwMode="auto">
+          <a:xfrm>
+            <a:off x="658324" y="2397166"/>
+            <a:ext cx="3350559" cy="3350559"/>
+          </a:xfrm>
+          <a:prstGeom prst="rect">
+            <a:avLst/>
+          </a:prstGeom>
+          <a:noFill/>
+          <a:extLst>
+            <a:ext uri="{909E8E84-426E-40DD-AFC4-6F175D3DCCD1}">
+              <a14:hiddenFill xmlns:a14="http://schemas.microsoft.com/office/drawing/2010/main">
+                <a:solidFill>
+                  <a:srgbClr val="FFFFFF"/>
+                </a:solidFill>
+              </a14:hiddenFill>
+            </a:ext>
+          </a:extLst>
+        </p:spPr>
+      </p:pic>
+    </p:spTree>
+    <p:extLst>
+      <p:ext uri="{BB962C8B-B14F-4D97-AF65-F5344CB8AC3E}">
+        <p14:creationId xmlns:p14="http://schemas.microsoft.com/office/powerpoint/2010/main" val="2311787070"/>
+      </p:ext>
+    </p:extLst>
+  </p:cSld>
+  <p:clrMapOvr>
+    <a:masterClrMapping/>
+  </p:clrMapOvr>
+</p:sld>
+</file>
+
+<file path=ppt/slides/slide12.xml><?xml version="1.0" encoding="utf-8"?>
+<p:sld xmlns:a="http://schemas.openxmlformats.org/drawingml/2006/main" xmlns:r="http://schemas.openxmlformats.org/officeDocument/2006/relationships" xmlns:p="http://schemas.openxmlformats.org/presentationml/2006/main">
+  <p:cSld>
+    <p:bg>
+      <p:bgPr>
+        <a:gradFill rotWithShape="1">
+          <a:gsLst>
+            <a:gs pos="0">
+              <a:schemeClr val="bg2">
+                <a:tint val="94000"/>
+                <a:satMod val="80000"/>
+                <a:lumMod val="106000"/>
+              </a:schemeClr>
+            </a:gs>
+            <a:gs pos="100000">
+              <a:schemeClr val="bg2">
+                <a:shade val="80000"/>
+              </a:schemeClr>
+            </a:gs>
+          </a:gsLst>
+          <a:path path="circle">
+            <a:fillToRect l="50000" t="50000" r="50000" b="50000"/>
+          </a:path>
+        </a:gradFill>
+        <a:effectLst/>
+      </p:bgPr>
+    </p:bg>
+    <p:spTree>
+      <p:nvGrpSpPr>
+        <p:cNvPr id="1" name=""/>
+        <p:cNvGrpSpPr/>
+        <p:nvPr/>
+      </p:nvGrpSpPr>
+      <p:grpSpPr>
+        <a:xfrm>
+          <a:off x="0" y="0"/>
+          <a:ext cx="0" cy="0"/>
+          <a:chOff x="0" y="0"/>
+          <a:chExt cx="0" cy="0"/>
+        </a:xfrm>
+      </p:grpSpPr>
+      <p:sp useBgFill="1">
+        <p:nvSpPr>
+          <p:cNvPr id="8" name="Rectangle 7">
+            <a:extLst>
+              <a:ext uri="{FF2B5EF4-FFF2-40B4-BE49-F238E27FC236}">
+                <a16:creationId xmlns:a16="http://schemas.microsoft.com/office/drawing/2014/main" id="{29C51009-A09A-4689-8E6C-F8FC99E6A840}"/>
+              </a:ext>
+              <a:ext uri="{C183D7F6-B498-43B3-948B-1728B52AA6E4}">
+                <adec:decorative xmlns:adec="http://schemas.microsoft.com/office/drawing/2017/decorative" val="1"/>
+              </a:ext>
+            </a:extLst>
+          </p:cNvPr>
+          <p:cNvSpPr>
+            <a:spLocks noGrp="1" noRot="1" noChangeAspect="1" noMove="1" noResize="1" noEditPoints="1" noAdjustHandles="1" noChangeArrowheads="1" noChangeShapeType="1" noTextEdit="1"/>
+          </p:cNvSpPr>
+          <p:nvPr>
+            <p:extLst>
+              <p:ext uri="{386F3935-93C4-4BCD-93E2-E3B085C9AB24}">
+                <p16:designElem xmlns:p16="http://schemas.microsoft.com/office/powerpoint/2015/main" val="1"/>
+              </p:ext>
+            </p:extLst>
+          </p:nvPr>
+        </p:nvSpPr>
+        <p:spPr>
+          <a:xfrm>
+            <a:off x="2" y="0"/>
+            <a:ext cx="12191695" cy="6858000"/>
+          </a:xfrm>
+          <a:prstGeom prst="rect">
+            <a:avLst/>
+          </a:prstGeom>
+          <a:ln>
+            <a:noFill/>
+          </a:ln>
+        </p:spPr>
+        <p:style>
+          <a:lnRef idx="2">
+            <a:schemeClr val="accent1">
+              <a:shade val="50000"/>
+            </a:schemeClr>
+          </a:lnRef>
+          <a:fillRef idx="1">
+            <a:schemeClr val="accent1"/>
+          </a:fillRef>
+          <a:effectRef idx="0">
+            <a:schemeClr val="accent1"/>
+          </a:effectRef>
+          <a:fontRef idx="minor">
+            <a:schemeClr val="lt1"/>
+          </a:fontRef>
+        </p:style>
+        <p:txBody>
+          <a:bodyPr rtlCol="0" anchor="ctr"/>
+          <a:lstStyle/>
+          <a:p>
+            <a:pPr algn="ctr"/>
+            <a:endParaRPr lang="en-US"/>
+          </a:p>
+        </p:txBody>
+      </p:sp>
+      <p:sp>
+        <p:nvSpPr>
+          <p:cNvPr id="2" name="Title 1">
+            <a:extLst>
+              <a:ext uri="{FF2B5EF4-FFF2-40B4-BE49-F238E27FC236}">
+                <a16:creationId xmlns:a16="http://schemas.microsoft.com/office/drawing/2014/main" id="{6C879FC2-6E6C-4B87-A5F9-EC54D599FC3D}"/>
+              </a:ext>
+            </a:extLst>
+          </p:cNvPr>
+          <p:cNvSpPr>
+            <a:spLocks noGrp="1"/>
+          </p:cNvSpPr>
+          <p:nvPr>
+            <p:ph type="title"/>
+          </p:nvPr>
+        </p:nvSpPr>
+        <p:spPr>
+          <a:xfrm>
+            <a:off x="844476" y="1600199"/>
+            <a:ext cx="3539266" cy="4297680"/>
+          </a:xfrm>
+        </p:spPr>
+        <p:txBody>
+          <a:bodyPr anchor="ctr">
+            <a:normAutofit/>
+          </a:bodyPr>
+          <a:lstStyle/>
+          <a:p>
+            <a:r>
+              <a:rPr lang="en-SG" cap="none" dirty="0"/>
+              <a:t>Model choice: Convolutional neural network</a:t>
+            </a:r>
+          </a:p>
+        </p:txBody>
+      </p:sp>
+      <p:cxnSp>
+        <p:nvCxnSpPr>
+          <p:cNvPr id="10" name="Straight Connector 9">
+            <a:extLst>
+              <a:ext uri="{FF2B5EF4-FFF2-40B4-BE49-F238E27FC236}">
+                <a16:creationId xmlns:a16="http://schemas.microsoft.com/office/drawing/2014/main" id="{9EC65442-F244-409C-BF44-C5D6472E810A}"/>
+              </a:ext>
+              <a:ext uri="{C183D7F6-B498-43B3-948B-1728B52AA6E4}">
+                <adec:decorative xmlns:adec="http://schemas.microsoft.com/office/drawing/2017/decorative" val="1"/>
+              </a:ext>
+            </a:extLst>
+          </p:cNvPr>
+          <p:cNvCxnSpPr>
+            <a:cxnSpLocks noGrp="1" noRot="1" noChangeAspect="1" noMove="1" noResize="1" noEditPoints="1" noAdjustHandles="1" noChangeArrowheads="1" noChangeShapeType="1"/>
+          </p:cNvCxnSpPr>
+          <p:nvPr>
+            <p:extLst>
+              <p:ext uri="{386F3935-93C4-4BCD-93E2-E3B085C9AB24}">
+                <p16:designElem xmlns:p16="http://schemas.microsoft.com/office/powerpoint/2015/main" val="1"/>
+              </p:ext>
+            </p:extLst>
+          </p:nvPr>
+        </p:nvCxnSpPr>
+        <p:spPr>
+          <a:xfrm>
+            <a:off x="4654296" y="2148839"/>
+            <a:ext cx="0" cy="3200400"/>
+          </a:xfrm>
+          <a:prstGeom prst="line">
+            <a:avLst/>
+          </a:prstGeom>
+          <a:ln w="31750"/>
+        </p:spPr>
+        <p:style>
+          <a:lnRef idx="1">
+            <a:schemeClr val="accent1"/>
+          </a:lnRef>
+          <a:fillRef idx="0">
+            <a:schemeClr val="accent1"/>
+          </a:fillRef>
+          <a:effectRef idx="0">
+            <a:schemeClr val="accent1"/>
+          </a:effectRef>
+          <a:fontRef idx="minor">
+            <a:schemeClr val="tx1"/>
+          </a:fontRef>
+        </p:style>
+      </p:cxnSp>
+      <p:sp>
+        <p:nvSpPr>
+          <p:cNvPr id="3" name="Content Placeholder 2">
+            <a:extLst>
+              <a:ext uri="{FF2B5EF4-FFF2-40B4-BE49-F238E27FC236}">
+                <a16:creationId xmlns:a16="http://schemas.microsoft.com/office/drawing/2014/main" id="{675F8EBE-C537-4D47-B320-E8C538EAF447}"/>
+              </a:ext>
+            </a:extLst>
+          </p:cNvPr>
+          <p:cNvSpPr>
+            <a:spLocks noGrp="1"/>
+          </p:cNvSpPr>
+          <p:nvPr>
+            <p:ph idx="1"/>
+          </p:nvPr>
+        </p:nvSpPr>
+        <p:spPr>
+          <a:xfrm>
+            <a:off x="4924851" y="1600199"/>
+            <a:ext cx="6130003" cy="4297680"/>
+          </a:xfrm>
+        </p:spPr>
+        <p:txBody>
+          <a:bodyPr anchor="ctr">
+            <a:normAutofit/>
+          </a:bodyPr>
+          <a:lstStyle/>
+          <a:p>
+            <a:r>
+              <a:rPr lang="en-SG" dirty="0"/>
+              <a:t>Commonly used for image classification problems</a:t>
+            </a:r>
+          </a:p>
+          <a:p>
+            <a:r>
+              <a:rPr lang="en-SG" dirty="0"/>
+              <a:t>Well established CNN architectures available to use as a starting point, instead of starting from scratch (LeNet-5,  </a:t>
+            </a:r>
+            <a:r>
+              <a:rPr lang="en-SG" dirty="0" err="1"/>
+              <a:t>AlexNet</a:t>
+            </a:r>
+            <a:r>
+              <a:rPr lang="en-SG" dirty="0"/>
+              <a:t>,  VGG etc.)</a:t>
+            </a:r>
+          </a:p>
+          <a:p>
+            <a:r>
+              <a:rPr lang="en-SG" dirty="0"/>
+              <a:t>Images are not sequential, therefore Recurrent Neural Networks (RNNs) are not relevant</a:t>
+            </a:r>
+          </a:p>
+        </p:txBody>
+      </p:sp>
+    </p:spTree>
+    <p:extLst>
+      <p:ext uri="{BB962C8B-B14F-4D97-AF65-F5344CB8AC3E}">
+        <p14:creationId xmlns:p14="http://schemas.microsoft.com/office/powerpoint/2010/main" val="1645237531"/>
+      </p:ext>
+    </p:extLst>
+  </p:cSld>
+  <p:clrMapOvr>
+    <a:masterClrMapping/>
+  </p:clrMapOvr>
+</p:sld>
+</file>
+
+<file path=ppt/slides/slide13.xml><?xml version="1.0" encoding="utf-8"?>
+<p:sld xmlns:a="http://schemas.openxmlformats.org/drawingml/2006/main" xmlns:r="http://schemas.openxmlformats.org/officeDocument/2006/relationships" xmlns:p="http://schemas.openxmlformats.org/presentationml/2006/main">
+  <p:cSld>
+    <p:bg>
+      <p:bgPr>
+        <a:gradFill rotWithShape="1">
+          <a:gsLst>
+            <a:gs pos="0">
+              <a:schemeClr val="bg2">
+                <a:tint val="94000"/>
+                <a:satMod val="80000"/>
+                <a:lumMod val="106000"/>
+              </a:schemeClr>
+            </a:gs>
+            <a:gs pos="100000">
+              <a:schemeClr val="bg2">
+                <a:shade val="80000"/>
+              </a:schemeClr>
+            </a:gs>
+          </a:gsLst>
+          <a:path path="circle">
+            <a:fillToRect l="43000" r="43000" b="100000"/>
+          </a:path>
+        </a:gradFill>
+        <a:effectLst/>
+      </p:bgPr>
+    </p:bg>
+    <p:spTree>
+      <p:nvGrpSpPr>
+        <p:cNvPr id="1" name=""/>
+        <p:cNvGrpSpPr/>
+        <p:nvPr/>
+      </p:nvGrpSpPr>
+      <p:grpSpPr>
+        <a:xfrm>
+          <a:off x="0" y="0"/>
+          <a:ext cx="0" cy="0"/>
+          <a:chOff x="0" y="0"/>
+          <a:chExt cx="0" cy="0"/>
+        </a:xfrm>
+      </p:grpSpPr>
+      <p:sp useBgFill="1">
+        <p:nvSpPr>
+          <p:cNvPr id="9" name="Rectangle 8">
+            <a:extLst>
+              <a:ext uri="{FF2B5EF4-FFF2-40B4-BE49-F238E27FC236}">
+                <a16:creationId xmlns:a16="http://schemas.microsoft.com/office/drawing/2014/main" id="{32D32A60-013B-47A8-8833-D2424080917B}"/>
+              </a:ext>
+              <a:ext uri="{C183D7F6-B498-43B3-948B-1728B52AA6E4}">
+                <adec:decorative xmlns:adec="http://schemas.microsoft.com/office/drawing/2017/decorative" val="1"/>
+              </a:ext>
+            </a:extLst>
+          </p:cNvPr>
+          <p:cNvSpPr>
+            <a:spLocks noGrp="1" noRot="1" noChangeAspect="1" noMove="1" noResize="1" noEditPoints="1" noAdjustHandles="1" noChangeArrowheads="1" noChangeShapeType="1" noTextEdit="1"/>
+          </p:cNvSpPr>
+          <p:nvPr>
+            <p:extLst>
+              <p:ext uri="{386F3935-93C4-4BCD-93E2-E3B085C9AB24}">
+                <p16:designElem xmlns:p16="http://schemas.microsoft.com/office/powerpoint/2015/main" val="1"/>
+              </p:ext>
+            </p:extLst>
+          </p:nvPr>
+        </p:nvSpPr>
+        <p:spPr>
+          <a:xfrm>
+            <a:off x="2" y="0"/>
+            <a:ext cx="12191695" cy="6858000"/>
+          </a:xfrm>
+          <a:prstGeom prst="rect">
+            <a:avLst/>
+          </a:prstGeom>
+          <a:ln>
+            <a:noFill/>
+          </a:ln>
+        </p:spPr>
+        <p:style>
+          <a:lnRef idx="2">
+            <a:schemeClr val="accent1">
+              <a:shade val="50000"/>
+            </a:schemeClr>
+          </a:lnRef>
+          <a:fillRef idx="1">
+            <a:schemeClr val="accent1"/>
+          </a:fillRef>
+          <a:effectRef idx="0">
+            <a:schemeClr val="accent1"/>
+          </a:effectRef>
+          <a:fontRef idx="minor">
+            <a:schemeClr val="lt1"/>
+          </a:fontRef>
+        </p:style>
+        <p:txBody>
+          <a:bodyPr rtlCol="0" anchor="ctr"/>
+          <a:lstStyle/>
+          <a:p>
+            <a:pPr algn="ctr"/>
+            <a:endParaRPr lang="en-US"/>
+          </a:p>
+        </p:txBody>
+      </p:sp>
+      <p:sp>
+        <p:nvSpPr>
+          <p:cNvPr id="11" name="Rectangle 10">
+            <a:extLst>
+              <a:ext uri="{FF2B5EF4-FFF2-40B4-BE49-F238E27FC236}">
+                <a16:creationId xmlns:a16="http://schemas.microsoft.com/office/drawing/2014/main" id="{AE27932B-B694-4C4C-90D7-A0333A7C5876}"/>
+              </a:ext>
+              <a:ext uri="{C183D7F6-B498-43B3-948B-1728B52AA6E4}">
+                <adec:decorative xmlns:adec="http://schemas.microsoft.com/office/drawing/2017/decorative" val="1"/>
+              </a:ext>
+            </a:extLst>
+          </p:cNvPr>
+          <p:cNvSpPr>
+            <a:spLocks noGrp="1" noRot="1" noChangeAspect="1" noMove="1" noResize="1" noEditPoints="1" noAdjustHandles="1" noChangeArrowheads="1" noChangeShapeType="1" noTextEdit="1"/>
+          </p:cNvSpPr>
+          <p:nvPr>
+            <p:extLst>
+              <p:ext uri="{386F3935-93C4-4BCD-93E2-E3B085C9AB24}">
+                <p16:designElem xmlns:p16="http://schemas.microsoft.com/office/powerpoint/2015/main" val="1"/>
+              </p:ext>
+            </p:extLst>
+          </p:nvPr>
+        </p:nvSpPr>
+        <p:spPr>
+          <a:xfrm>
+            <a:off x="0" y="2019476"/>
+            <a:ext cx="12192000" cy="4105941"/>
+          </a:xfrm>
+          <a:prstGeom prst="rect">
+            <a:avLst/>
+          </a:prstGeom>
+          <a:gradFill flip="none" rotWithShape="1">
+            <a:gsLst>
+              <a:gs pos="0">
+                <a:schemeClr val="bg2">
+                  <a:alpha val="0"/>
+                </a:schemeClr>
+              </a:gs>
+              <a:gs pos="100000">
+                <a:schemeClr val="bg2"/>
+              </a:gs>
+            </a:gsLst>
+            <a:lin ang="5400000" scaled="0"/>
+            <a:tileRect/>
+          </a:gradFill>
+          <a:ln>
+            <a:noFill/>
+          </a:ln>
+        </p:spPr>
+        <p:style>
+          <a:lnRef idx="2">
+            <a:schemeClr val="accent1">
+              <a:shade val="50000"/>
+            </a:schemeClr>
+          </a:lnRef>
+          <a:fillRef idx="1">
+            <a:schemeClr val="accent1"/>
+          </a:fillRef>
+          <a:effectRef idx="0">
+            <a:schemeClr val="accent1"/>
+          </a:effectRef>
+          <a:fontRef idx="minor">
+            <a:schemeClr val="lt1"/>
+          </a:fontRef>
+        </p:style>
+        <p:txBody>
+          <a:bodyPr rtlCol="0" anchor="ctr"/>
+          <a:lstStyle/>
+          <a:p>
+            <a:pPr lvl="0" algn="ctr"/>
+            <a:endParaRPr lang="en-US"/>
+          </a:p>
+        </p:txBody>
+      </p:sp>
+      <p:sp>
+        <p:nvSpPr>
+          <p:cNvPr id="2" name="Title 1">
+            <a:extLst>
+              <a:ext uri="{FF2B5EF4-FFF2-40B4-BE49-F238E27FC236}">
+                <a16:creationId xmlns:a16="http://schemas.microsoft.com/office/drawing/2014/main" id="{1EE28A14-1DFB-44FD-991E-A21DAA4758BA}"/>
+              </a:ext>
+            </a:extLst>
+          </p:cNvPr>
+          <p:cNvSpPr>
+            <a:spLocks noGrp="1"/>
+          </p:cNvSpPr>
+          <p:nvPr>
+            <p:ph type="title"/>
+          </p:nvPr>
+        </p:nvSpPr>
+        <p:spPr>
+          <a:xfrm>
+            <a:off x="1451579" y="2303047"/>
+            <a:ext cx="3272093" cy="2674198"/>
+          </a:xfrm>
+        </p:spPr>
+        <p:txBody>
+          <a:bodyPr anchor="t">
+            <a:normAutofit/>
+          </a:bodyPr>
+          <a:lstStyle/>
+          <a:p>
+            <a:r>
+              <a:rPr lang="en-SG" cap="none" dirty="0"/>
+              <a:t>Model parameters:</a:t>
+            </a:r>
+          </a:p>
+        </p:txBody>
+      </p:sp>
+      <p:cxnSp>
+        <p:nvCxnSpPr>
+          <p:cNvPr id="13" name="Straight Connector 12">
+            <a:extLst>
+              <a:ext uri="{FF2B5EF4-FFF2-40B4-BE49-F238E27FC236}">
+                <a16:creationId xmlns:a16="http://schemas.microsoft.com/office/drawing/2014/main" id="{9EBB0476-5CF0-4F44-8D68-5D42D7AEE43A}"/>
+              </a:ext>
+              <a:ext uri="{C183D7F6-B498-43B3-948B-1728B52AA6E4}">
+                <adec:decorative xmlns:adec="http://schemas.microsoft.com/office/drawing/2017/decorative" val="1"/>
+              </a:ext>
+            </a:extLst>
+          </p:cNvPr>
+          <p:cNvCxnSpPr>
+            <a:cxnSpLocks noGrp="1" noRot="1" noChangeAspect="1" noMove="1" noResize="1" noEditPoints="1" noAdjustHandles="1" noChangeArrowheads="1" noChangeShapeType="1"/>
+          </p:cNvCxnSpPr>
+          <p:nvPr>
+            <p:extLst>
+              <p:ext uri="{386F3935-93C4-4BCD-93E2-E3B085C9AB24}">
+                <p16:designElem xmlns:p16="http://schemas.microsoft.com/office/powerpoint/2015/main" val="1"/>
+              </p:ext>
+            </p:extLst>
+          </p:nvPr>
+        </p:nvCxnSpPr>
+        <p:spPr>
+          <a:xfrm>
+            <a:off x="1451579" y="2146542"/>
+            <a:ext cx="3272094" cy="0"/>
+          </a:xfrm>
+          <a:prstGeom prst="line">
+            <a:avLst/>
+          </a:prstGeom>
+          <a:ln w="31750"/>
+        </p:spPr>
+        <p:style>
+          <a:lnRef idx="3">
+            <a:schemeClr val="accent1"/>
+          </a:lnRef>
+          <a:fillRef idx="0">
+            <a:schemeClr val="accent1"/>
+          </a:fillRef>
+          <a:effectRef idx="2">
+            <a:schemeClr val="accent1"/>
+          </a:effectRef>
+          <a:fontRef idx="minor">
+            <a:schemeClr val="tx1"/>
+          </a:fontRef>
+        </p:style>
+      </p:cxnSp>
+      <p:sp>
+        <p:nvSpPr>
+          <p:cNvPr id="15" name="Title 1">
+            <a:extLst>
+              <a:ext uri="{FF2B5EF4-FFF2-40B4-BE49-F238E27FC236}">
+                <a16:creationId xmlns:a16="http://schemas.microsoft.com/office/drawing/2014/main" id="{A9DA474E-6B91-4200-840F-0257B2358A75}"/>
+              </a:ext>
+              <a:ext uri="{C183D7F6-B498-43B3-948B-1728B52AA6E4}">
+                <adec:decorative xmlns:adec="http://schemas.microsoft.com/office/drawing/2017/decorative" val="1"/>
+              </a:ext>
+            </a:extLst>
+          </p:cNvPr>
+          <p:cNvSpPr txBox="1">
+            <a:spLocks noGrp="1" noRot="1" noChangeAspect="1" noMove="1" noResize="1" noEditPoints="1" noAdjustHandles="1" noChangeArrowheads="1" noChangeShapeType="1" noTextEdit="1"/>
+          </p:cNvSpPr>
+          <p:nvPr>
+            <p:extLst>
+              <p:ext uri="{386F3935-93C4-4BCD-93E2-E3B085C9AB24}">
+                <p16:designElem xmlns:p16="http://schemas.microsoft.com/office/powerpoint/2015/main" val="1"/>
+              </p:ext>
+            </p:extLst>
+          </p:nvPr>
+        </p:nvSpPr>
+        <p:spPr>
+          <a:xfrm>
+            <a:off x="1451580" y="3122496"/>
+            <a:ext cx="3530157" cy="1049235"/>
+          </a:xfrm>
+          <a:prstGeom prst="rect">
+            <a:avLst/>
+          </a:prstGeom>
+        </p:spPr>
+        <p:txBody>
+          <a:bodyPr vert="horz" lIns="91440" tIns="45720" rIns="91440" bIns="45720" rtlCol="0" anchor="t">
+            <a:normAutofit/>
+          </a:bodyPr>
+          <a:lstStyle>
+            <a:lvl1pPr algn="l" defTabSz="914400" rtl="0" eaLnBrk="1" latinLnBrk="0" hangingPunct="1">
+              <a:lnSpc>
+                <a:spcPct val="90000"/>
+              </a:lnSpc>
+              <a:spcBef>
+                <a:spcPct val="0"/>
+              </a:spcBef>
+              <a:buNone/>
+              <a:defRPr sz="3200" b="0" i="0" kern="1200" cap="all">
+                <a:solidFill>
+                  <a:schemeClr val="tx1"/>
+                </a:solidFill>
+                <a:effectLst/>
+                <a:latin typeface="+mj-lt"/>
+                <a:ea typeface="+mj-ea"/>
+                <a:cs typeface="+mj-cs"/>
+              </a:defRPr>
+            </a:lvl1pPr>
+          </a:lstStyle>
+          <a:p>
+            <a:endParaRPr lang="en-US" dirty="0"/>
+          </a:p>
+        </p:txBody>
+      </p:sp>
+      <p:pic>
+        <p:nvPicPr>
+          <p:cNvPr id="17" name="Picture 16">
+            <a:extLst>
+              <a:ext uri="{FF2B5EF4-FFF2-40B4-BE49-F238E27FC236}">
+                <a16:creationId xmlns:a16="http://schemas.microsoft.com/office/drawing/2014/main" id="{DF63C9AD-AE6E-4512-8171-91612E84CCFB}"/>
+              </a:ext>
+              <a:ext uri="{C183D7F6-B498-43B3-948B-1728B52AA6E4}">
+                <adec:decorative xmlns:adec="http://schemas.microsoft.com/office/drawing/2017/decorative" val="1"/>
+              </a:ext>
+            </a:extLst>
+          </p:cNvPr>
+          <p:cNvPicPr>
+            <a:picLocks noGrp="1" noRot="1" noChangeAspect="1" noMove="1" noResize="1" noEditPoints="1" noAdjustHandles="1" noChangeArrowheads="1" noChangeShapeType="1" noCrop="1"/>
+          </p:cNvPicPr>
+          <p:nvPr>
+            <p:extLst>
+              <p:ext uri="{386F3935-93C4-4BCD-93E2-E3B085C9AB24}">
+                <p16:designElem xmlns:p16="http://schemas.microsoft.com/office/powerpoint/2015/main" val="1"/>
+              </p:ext>
+            </p:extLst>
+          </p:nvPr>
+        </p:nvPicPr>
+        <p:blipFill rotWithShape="1">
+          <a:blip r:embed="rId2">
+            <a:extLst>
+              <a:ext uri="{28A0092B-C50C-407E-A947-70E740481C1C}">
+                <a14:useLocalDpi xmlns:a14="http://schemas.microsoft.com/office/drawing/2010/main" val="0"/>
+              </a:ext>
+            </a:extLst>
+          </a:blip>
+          <a:srcRect t="1538" b="-1538"/>
+          <a:stretch/>
+        </p:blipFill>
+        <p:spPr bwMode="black">
+          <a:xfrm>
+            <a:off x="0" y="6126480"/>
+            <a:ext cx="12192000" cy="742950"/>
+          </a:xfrm>
+          <a:prstGeom prst="rect">
+            <a:avLst/>
+          </a:prstGeom>
+        </p:spPr>
+      </p:pic>
+      <p:cxnSp>
+        <p:nvCxnSpPr>
+          <p:cNvPr id="19" name="Straight Connector 18">
+            <a:extLst>
+              <a:ext uri="{FF2B5EF4-FFF2-40B4-BE49-F238E27FC236}">
+                <a16:creationId xmlns:a16="http://schemas.microsoft.com/office/drawing/2014/main" id="{FE1A49CE-B63D-457A-A180-1C883E1A63D2}"/>
+              </a:ext>
+              <a:ext uri="{C183D7F6-B498-43B3-948B-1728B52AA6E4}">
+                <adec:decorative xmlns:adec="http://schemas.microsoft.com/office/drawing/2017/decorative" val="1"/>
+              </a:ext>
+            </a:extLst>
+          </p:cNvPr>
+          <p:cNvCxnSpPr>
+            <a:cxnSpLocks noGrp="1" noRot="1" noChangeAspect="1" noMove="1" noResize="1" noEditPoints="1" noAdjustHandles="1" noChangeArrowheads="1" noChangeShapeType="1"/>
+          </p:cNvCxnSpPr>
+          <p:nvPr>
+            <p:extLst>
+              <p:ext uri="{386F3935-93C4-4BCD-93E2-E3B085C9AB24}">
+                <p16:designElem xmlns:p16="http://schemas.microsoft.com/office/powerpoint/2015/main" val="1"/>
+              </p:ext>
+            </p:extLst>
+          </p:nvPr>
+        </p:nvCxnSpPr>
+        <p:spPr>
+          <a:xfrm>
+            <a:off x="0" y="6128413"/>
+            <a:ext cx="12192000" cy="0"/>
+          </a:xfrm>
+          <a:prstGeom prst="line">
+            <a:avLst/>
+          </a:prstGeom>
+          <a:ln w="12700">
+            <a:solidFill>
+              <a:srgbClr val="000001">
+                <a:alpha val="20000"/>
+              </a:srgbClr>
+            </a:solidFill>
+          </a:ln>
+        </p:spPr>
+        <p:style>
+          <a:lnRef idx="1">
+            <a:schemeClr val="accent1"/>
+          </a:lnRef>
+          <a:fillRef idx="0">
+            <a:schemeClr val="accent1"/>
+          </a:fillRef>
+          <a:effectRef idx="0">
+            <a:schemeClr val="accent1"/>
+          </a:effectRef>
+          <a:fontRef idx="minor">
+            <a:schemeClr val="tx1"/>
+          </a:fontRef>
+        </p:style>
+      </p:cxnSp>
+      <p:graphicFrame>
+        <p:nvGraphicFramePr>
+          <p:cNvPr id="5" name="Content Placeholder 2">
+            <a:extLst>
+              <a:ext uri="{FF2B5EF4-FFF2-40B4-BE49-F238E27FC236}">
+                <a16:creationId xmlns:a16="http://schemas.microsoft.com/office/drawing/2014/main" id="{CA1BD3C5-9CA4-439B-8C30-2345CE2B8005}"/>
+              </a:ext>
+            </a:extLst>
+          </p:cNvPr>
+          <p:cNvGraphicFramePr>
+            <a:graphicFrameLocks noGrp="1"/>
+          </p:cNvGraphicFramePr>
+          <p:nvPr>
+            <p:ph idx="1"/>
+            <p:extLst>
+              <p:ext uri="{D42A27DB-BD31-4B8C-83A1-F6EECF244321}">
+                <p14:modId xmlns:p14="http://schemas.microsoft.com/office/powerpoint/2010/main" val="1762045318"/>
+              </p:ext>
+            </p:extLst>
+          </p:nvPr>
+        </p:nvGraphicFramePr>
+        <p:xfrm>
+          <a:off x="5141913" y="803275"/>
+          <a:ext cx="5913437" cy="4637088"/>
+        </p:xfrm>
+        <a:graphic>
+          <a:graphicData uri="http://schemas.openxmlformats.org/drawingml/2006/diagram">
+            <dgm:relIds xmlns:dgm="http://schemas.openxmlformats.org/drawingml/2006/diagram" xmlns:r="http://schemas.openxmlformats.org/officeDocument/2006/relationships" r:dm="rId3" r:lo="rId4" r:qs="rId5" r:cs="rId6"/>
+          </a:graphicData>
+        </a:graphic>
+      </p:graphicFrame>
+    </p:spTree>
+    <p:extLst>
+      <p:ext uri="{BB962C8B-B14F-4D97-AF65-F5344CB8AC3E}">
+        <p14:creationId xmlns:p14="http://schemas.microsoft.com/office/powerpoint/2010/main" val="2221265607"/>
+      </p:ext>
+    </p:extLst>
+  </p:cSld>
+  <p:clrMapOvr>
+    <a:masterClrMapping/>
+  </p:clrMapOvr>
+</p:sld>
+</file>
+
+<file path=ppt/slides/slide14.xml><?xml version="1.0" encoding="utf-8"?>
+<p:sld xmlns:a="http://schemas.openxmlformats.org/drawingml/2006/main" xmlns:r="http://schemas.openxmlformats.org/officeDocument/2006/relationships" xmlns:p="http://schemas.openxmlformats.org/presentationml/2006/main">
+  <p:cSld>
+    <p:spTree>
+      <p:nvGrpSpPr>
+        <p:cNvPr id="1" name=""/>
+        <p:cNvGrpSpPr/>
+        <p:nvPr/>
+      </p:nvGrpSpPr>
+      <p:grpSpPr>
+        <a:xfrm>
+          <a:off x="0" y="0"/>
+          <a:ext cx="0" cy="0"/>
+          <a:chOff x="0" y="0"/>
+          <a:chExt cx="0" cy="0"/>
+        </a:xfrm>
+      </p:grpSpPr>
+      <p:sp>
+        <p:nvSpPr>
+          <p:cNvPr id="2" name="Title 1">
+            <a:extLst>
+              <a:ext uri="{FF2B5EF4-FFF2-40B4-BE49-F238E27FC236}">
+                <a16:creationId xmlns:a16="http://schemas.microsoft.com/office/drawing/2014/main" id="{EFD326AA-73F2-4822-A5E7-12DA97D77941}"/>
+              </a:ext>
+            </a:extLst>
+          </p:cNvPr>
+          <p:cNvSpPr>
+            <a:spLocks noGrp="1"/>
+          </p:cNvSpPr>
+          <p:nvPr>
+            <p:ph type="title"/>
+          </p:nvPr>
+        </p:nvSpPr>
+        <p:spPr/>
+        <p:txBody>
+          <a:bodyPr/>
+          <a:lstStyle/>
+          <a:p>
+            <a:r>
+              <a:rPr lang="en-SG" cap="none" dirty="0" err="1"/>
+              <a:t>Keras</a:t>
+            </a:r>
+            <a:r>
+              <a:rPr lang="en-SG" cap="none" dirty="0"/>
+              <a:t> tuner</a:t>
+            </a:r>
+          </a:p>
+        </p:txBody>
+      </p:sp>
+      <p:sp>
+        <p:nvSpPr>
+          <p:cNvPr id="3" name="Content Placeholder 2">
+            <a:extLst>
+              <a:ext uri="{FF2B5EF4-FFF2-40B4-BE49-F238E27FC236}">
+                <a16:creationId xmlns:a16="http://schemas.microsoft.com/office/drawing/2014/main" id="{936A7810-ADD2-4071-9338-7ABA5BED6601}"/>
+              </a:ext>
+            </a:extLst>
+          </p:cNvPr>
+          <p:cNvSpPr>
+            <a:spLocks noGrp="1"/>
+          </p:cNvSpPr>
+          <p:nvPr>
+            <p:ph idx="1"/>
+          </p:nvPr>
+        </p:nvSpPr>
+        <p:spPr/>
+        <p:txBody>
+          <a:bodyPr/>
+          <a:lstStyle/>
+          <a:p>
+            <a:r>
+              <a:rPr lang="en-SG" dirty="0"/>
+              <a:t>The </a:t>
+            </a:r>
+            <a:r>
+              <a:rPr lang="en-SG" dirty="0" err="1"/>
+              <a:t>Keras</a:t>
+            </a:r>
+            <a:r>
+              <a:rPr lang="en-SG" dirty="0"/>
+              <a:t> Tuner library was also used for hyperparameter tuning</a:t>
+            </a:r>
+          </a:p>
+          <a:p>
+            <a:r>
+              <a:rPr lang="en-SG" dirty="0"/>
+              <a:t>Hyperparameters tuned:</a:t>
+            </a:r>
+          </a:p>
+          <a:p>
+            <a:pPr lvl="1"/>
+            <a:r>
+              <a:rPr lang="en-SG" dirty="0"/>
+              <a:t>Convolution size</a:t>
+            </a:r>
+          </a:p>
+          <a:p>
+            <a:pPr lvl="1"/>
+            <a:r>
+              <a:rPr lang="en-SG" dirty="0"/>
+              <a:t>Number of filters</a:t>
+            </a:r>
+          </a:p>
+          <a:p>
+            <a:pPr lvl="1"/>
+            <a:r>
+              <a:rPr lang="en-SG" dirty="0"/>
+              <a:t>Base learning rate for Adam optimizer</a:t>
+            </a:r>
+          </a:p>
+        </p:txBody>
+      </p:sp>
+    </p:spTree>
+    <p:extLst>
+      <p:ext uri="{BB962C8B-B14F-4D97-AF65-F5344CB8AC3E}">
+        <p14:creationId xmlns:p14="http://schemas.microsoft.com/office/powerpoint/2010/main" val="1012050627"/>
+      </p:ext>
+    </p:extLst>
+  </p:cSld>
+  <p:clrMapOvr>
+    <a:masterClrMapping/>
+  </p:clrMapOvr>
+</p:sld>
+</file>
+
+<file path=ppt/slides/slide15.xml><?xml version="1.0" encoding="utf-8"?>
+<p:sld xmlns:a="http://schemas.openxmlformats.org/drawingml/2006/main" xmlns:r="http://schemas.openxmlformats.org/officeDocument/2006/relationships" xmlns:p="http://schemas.openxmlformats.org/presentationml/2006/main">
+  <p:cSld>
+    <p:spTree>
+      <p:nvGrpSpPr>
+        <p:cNvPr id="1" name=""/>
+        <p:cNvGrpSpPr/>
+        <p:nvPr/>
+      </p:nvGrpSpPr>
+      <p:grpSpPr>
+        <a:xfrm>
+          <a:off x="0" y="0"/>
+          <a:ext cx="0" cy="0"/>
+          <a:chOff x="0" y="0"/>
+          <a:chExt cx="0" cy="0"/>
+        </a:xfrm>
+      </p:grpSpPr>
+      <p:sp>
+        <p:nvSpPr>
+          <p:cNvPr id="2" name="Title 1">
+            <a:extLst>
+              <a:ext uri="{FF2B5EF4-FFF2-40B4-BE49-F238E27FC236}">
+                <a16:creationId xmlns:a16="http://schemas.microsoft.com/office/drawing/2014/main" id="{04A30342-75B8-4618-95DA-0DA6D0A4991E}"/>
+              </a:ext>
+            </a:extLst>
+          </p:cNvPr>
+          <p:cNvSpPr>
+            <a:spLocks noGrp="1"/>
+          </p:cNvSpPr>
+          <p:nvPr>
+            <p:ph type="title"/>
+          </p:nvPr>
+        </p:nvSpPr>
+        <p:spPr/>
+        <p:txBody>
+          <a:bodyPr/>
+          <a:lstStyle/>
+          <a:p>
+            <a:r>
+              <a:rPr lang="en-SG" cap="none" dirty="0"/>
+              <a:t>Tuning and Training the model:</a:t>
+            </a:r>
+          </a:p>
+        </p:txBody>
+      </p:sp>
+      <p:pic>
+        <p:nvPicPr>
+          <p:cNvPr id="1026" name="Picture 2" descr="Download 42 Time Wallpapers Which Will Always Keep You On Time">
+            <a:extLst>
+              <a:ext uri="{FF2B5EF4-FFF2-40B4-BE49-F238E27FC236}">
+                <a16:creationId xmlns:a16="http://schemas.microsoft.com/office/drawing/2014/main" id="{29D5FF41-A325-4F8D-AB54-D09F0C41F306}"/>
+              </a:ext>
+            </a:extLst>
+          </p:cNvPr>
+          <p:cNvPicPr>
+            <a:picLocks noGrp="1" noChangeAspect="1" noChangeArrowheads="1"/>
+          </p:cNvPicPr>
+          <p:nvPr>
+            <p:ph idx="1"/>
+          </p:nvPr>
+        </p:nvPicPr>
+        <p:blipFill>
+          <a:blip r:embed="rId2">
+            <a:extLst>
+              <a:ext uri="{28A0092B-C50C-407E-A947-70E740481C1C}">
+                <a14:useLocalDpi xmlns:a14="http://schemas.microsoft.com/office/drawing/2010/main" val="0"/>
+              </a:ext>
+            </a:extLst>
+          </a:blip>
+          <a:srcRect/>
+          <a:stretch>
+            <a:fillRect/>
+          </a:stretch>
+        </p:blipFill>
+        <p:spPr bwMode="auto">
+          <a:xfrm>
+            <a:off x="422879" y="2039984"/>
+            <a:ext cx="3203786" cy="2402241"/>
+          </a:xfrm>
+          <a:prstGeom prst="rect">
+            <a:avLst/>
+          </a:prstGeom>
+          <a:noFill/>
+          <a:extLst>
+            <a:ext uri="{909E8E84-426E-40DD-AFC4-6F175D3DCCD1}">
+              <a14:hiddenFill xmlns:a14="http://schemas.microsoft.com/office/drawing/2010/main">
+                <a:solidFill>
+                  <a:srgbClr val="FFFFFF"/>
+                </a:solidFill>
+              </a14:hiddenFill>
+            </a:ext>
+          </a:extLst>
+        </p:spPr>
+      </p:pic>
+      <p:pic>
+        <p:nvPicPr>
+          <p:cNvPr id="2050" name="Picture 2" descr="Sleepy: Revealed: Here's why we fall asleep when bored - The Economic Times">
+            <a:extLst>
+              <a:ext uri="{FF2B5EF4-FFF2-40B4-BE49-F238E27FC236}">
+                <a16:creationId xmlns:a16="http://schemas.microsoft.com/office/drawing/2014/main" id="{1E1717EA-41BC-4793-97EC-9088B9675F9A}"/>
+              </a:ext>
+            </a:extLst>
+          </p:cNvPr>
+          <p:cNvPicPr>
+            <a:picLocks noChangeAspect="1" noChangeArrowheads="1"/>
+          </p:cNvPicPr>
+          <p:nvPr/>
+        </p:nvPicPr>
+        <p:blipFill>
+          <a:blip r:embed="rId3">
+            <a:extLst>
+              <a:ext uri="{28A0092B-C50C-407E-A947-70E740481C1C}">
+                <a14:useLocalDpi xmlns:a14="http://schemas.microsoft.com/office/drawing/2010/main" val="0"/>
+              </a:ext>
+            </a:extLst>
+          </a:blip>
+          <a:srcRect/>
+          <a:stretch>
+            <a:fillRect/>
+          </a:stretch>
+        </p:blipFill>
+        <p:spPr bwMode="auto">
+          <a:xfrm>
+            <a:off x="3803277" y="2642346"/>
+            <a:ext cx="3316941" cy="2487706"/>
+          </a:xfrm>
+          <a:prstGeom prst="rect">
+            <a:avLst/>
+          </a:prstGeom>
+          <a:noFill/>
+          <a:extLst>
+            <a:ext uri="{909E8E84-426E-40DD-AFC4-6F175D3DCCD1}">
+              <a14:hiddenFill xmlns:a14="http://schemas.microsoft.com/office/drawing/2010/main">
+                <a:solidFill>
+                  <a:srgbClr val="FFFFFF"/>
+                </a:solidFill>
+              </a14:hiddenFill>
+            </a:ext>
+          </a:extLst>
+        </p:spPr>
+      </p:pic>
+      <p:pic>
+        <p:nvPicPr>
+          <p:cNvPr id="3074" name="Picture 2" descr="Dell Computer Fire / Explosion - FULL VERSION - YouTube">
+            <a:extLst>
+              <a:ext uri="{FF2B5EF4-FFF2-40B4-BE49-F238E27FC236}">
+                <a16:creationId xmlns:a16="http://schemas.microsoft.com/office/drawing/2014/main" id="{CDF0F6B6-7F23-431E-8AD8-DBD6821DC4D6}"/>
+              </a:ext>
+            </a:extLst>
+          </p:cNvPr>
+          <p:cNvPicPr>
+            <a:picLocks noChangeAspect="1" noChangeArrowheads="1"/>
+          </p:cNvPicPr>
+          <p:nvPr/>
+        </p:nvPicPr>
+        <p:blipFill>
+          <a:blip r:embed="rId4">
+            <a:extLst>
+              <a:ext uri="{28A0092B-C50C-407E-A947-70E740481C1C}">
+                <a14:useLocalDpi xmlns:a14="http://schemas.microsoft.com/office/drawing/2010/main" val="0"/>
+              </a:ext>
+            </a:extLst>
+          </a:blip>
+          <a:srcRect/>
+          <a:stretch>
+            <a:fillRect/>
+          </a:stretch>
+        </p:blipFill>
+        <p:spPr bwMode="auto">
+          <a:xfrm>
+            <a:off x="7404408" y="2105103"/>
+            <a:ext cx="3716229" cy="2090379"/>
+          </a:xfrm>
+          <a:prstGeom prst="rect">
+            <a:avLst/>
+          </a:prstGeom>
+          <a:noFill/>
+          <a:extLst>
+            <a:ext uri="{909E8E84-426E-40DD-AFC4-6F175D3DCCD1}">
+              <a14:hiddenFill xmlns:a14="http://schemas.microsoft.com/office/drawing/2010/main">
+                <a:solidFill>
+                  <a:srgbClr val="FFFFFF"/>
+                </a:solidFill>
+              </a14:hiddenFill>
+            </a:ext>
+          </a:extLst>
+        </p:spPr>
+      </p:pic>
+    </p:spTree>
+    <p:extLst>
+      <p:ext uri="{BB962C8B-B14F-4D97-AF65-F5344CB8AC3E}">
+        <p14:creationId xmlns:p14="http://schemas.microsoft.com/office/powerpoint/2010/main" val="3698840021"/>
+      </p:ext>
+    </p:extLst>
+  </p:cSld>
+  <p:clrMapOvr>
+    <a:masterClrMapping/>
+  </p:clrMapOvr>
+  <p:timing>
+    <p:tnLst>
+      <p:par>
+        <p:cTn id="1" dur="indefinite" restart="never" nodeType="tmRoot">
+          <p:childTnLst>
+            <p:seq concurrent="1" nextAc="seek">
+              <p:cTn id="2" dur="indefinite" nodeType="mainSeq">
+                <p:childTnLst>
+                  <p:par>
+                    <p:cTn id="3" fill="hold">
+                      <p:stCondLst>
+                        <p:cond delay="indefinite"/>
+                      </p:stCondLst>
+                      <p:childTnLst>
+                        <p:par>
+                          <p:cTn id="4" fill="hold">
+                            <p:stCondLst>
+                              <p:cond delay="0"/>
+                            </p:stCondLst>
+                            <p:childTnLst>
+                              <p:par>
+                                <p:cTn id="5" presetID="10" presetClass="entr" presetSubtype="0" fill="hold" nodeType="clickEffect">
+                                  <p:stCondLst>
+                                    <p:cond delay="0"/>
+                                  </p:stCondLst>
+                                  <p:childTnLst>
+                                    <p:set>
+                                      <p:cBhvr>
+                                        <p:cTn id="6" dur="1" fill="hold">
+                                          <p:stCondLst>
+                                            <p:cond delay="0"/>
+                                          </p:stCondLst>
+                                        </p:cTn>
+                                        <p:tgtEl>
+                                          <p:spTgt spid="3074"/>
+                                        </p:tgtEl>
+                                        <p:attrNameLst>
+                                          <p:attrName>style.visibility</p:attrName>
+                                        </p:attrNameLst>
+                                      </p:cBhvr>
+                                      <p:to>
+                                        <p:strVal val="visible"/>
+                                      </p:to>
+                                    </p:set>
+                                    <p:animEffect transition="in" filter="fade">
+                                      <p:cBhvr>
+                                        <p:cTn id="7" dur="500"/>
+                                        <p:tgtEl>
+                                          <p:spTgt spid="3074"/>
+                                        </p:tgtEl>
+                                      </p:cBhvr>
+                                    </p:animEffect>
+                                  </p:childTnLst>
+                                </p:cTn>
+                              </p:par>
+                              <p:par>
+                                <p:cTn id="8" presetID="10" presetClass="entr" presetSubtype="0" fill="hold" nodeType="withEffect">
+                                  <p:stCondLst>
+                                    <p:cond delay="0"/>
+                                  </p:stCondLst>
+                                  <p:childTnLst>
+                                    <p:set>
+                                      <p:cBhvr>
+                                        <p:cTn id="9" dur="1" fill="hold">
+                                          <p:stCondLst>
+                                            <p:cond delay="0"/>
+                                          </p:stCondLst>
+                                        </p:cTn>
+                                        <p:tgtEl>
+                                          <p:spTgt spid="2050"/>
+                                        </p:tgtEl>
+                                        <p:attrNameLst>
+                                          <p:attrName>style.visibility</p:attrName>
+                                        </p:attrNameLst>
+                                      </p:cBhvr>
+                                      <p:to>
+                                        <p:strVal val="visible"/>
+                                      </p:to>
+                                    </p:set>
+                                    <p:animEffect transition="in" filter="fade">
+                                      <p:cBhvr>
+                                        <p:cTn id="10" dur="500"/>
+                                        <p:tgtEl>
+                                          <p:spTgt spid="2050"/>
+                                        </p:tgtEl>
+                                      </p:cBhvr>
+                                    </p:animEffect>
+                                  </p:childTnLst>
+                                </p:cTn>
+                              </p:par>
+                              <p:par>
+                                <p:cTn id="11" presetID="10" presetClass="entr" presetSubtype="0" fill="hold" nodeType="withEffect">
+                                  <p:stCondLst>
+                                    <p:cond delay="0"/>
+                                  </p:stCondLst>
+                                  <p:childTnLst>
+                                    <p:set>
+                                      <p:cBhvr>
+                                        <p:cTn id="12" dur="1" fill="hold">
+                                          <p:stCondLst>
+                                            <p:cond delay="0"/>
+                                          </p:stCondLst>
+                                        </p:cTn>
+                                        <p:tgtEl>
+                                          <p:spTgt spid="1026"/>
+                                        </p:tgtEl>
+                                        <p:attrNameLst>
+                                          <p:attrName>style.visibility</p:attrName>
+                                        </p:attrNameLst>
+                                      </p:cBhvr>
+                                      <p:to>
+                                        <p:strVal val="visible"/>
+                                      </p:to>
+                                    </p:set>
+                                    <p:animEffect transition="in" filter="fade">
+                                      <p:cBhvr>
+                                        <p:cTn id="13" dur="500"/>
+                                        <p:tgtEl>
+                                          <p:spTgt spid="1026"/>
+                                        </p:tgtEl>
+                                      </p:cBhvr>
+                                    </p:animEffect>
+                                  </p:childTnLst>
+                                </p:cTn>
+                              </p:par>
+                            </p:childTnLst>
+                          </p:cTn>
+                        </p:par>
+                      </p:childTnLst>
+                    </p:cTn>
+                  </p:par>
+                </p:childTnLst>
+              </p:cTn>
+              <p:prevCondLst>
+                <p:cond evt="onPrev" delay="0">
+                  <p:tgtEl>
+                    <p:sldTgt/>
+                  </p:tgtEl>
+                </p:cond>
+              </p:prevCondLst>
+              <p:nextCondLst>
+                <p:cond evt="onNext" delay="0">
+                  <p:tgtEl>
+                    <p:sldTgt/>
+                  </p:tgtEl>
+                </p:cond>
+              </p:nextCondLst>
+            </p:seq>
+          </p:childTnLst>
+        </p:cTn>
+      </p:par>
+    </p:tnLst>
+  </p:timing>
+</p:sld>
+</file>
+
+<file path=ppt/slides/slide16.xml><?xml version="1.0" encoding="utf-8"?>
+<p:sld xmlns:a="http://schemas.openxmlformats.org/drawingml/2006/main" xmlns:r="http://schemas.openxmlformats.org/officeDocument/2006/relationships" xmlns:p="http://schemas.openxmlformats.org/presentationml/2006/main">
+  <p:cSld>
+    <p:spTree>
+      <p:nvGrpSpPr>
+        <p:cNvPr id="1" name=""/>
+        <p:cNvGrpSpPr/>
+        <p:nvPr/>
+      </p:nvGrpSpPr>
+      <p:grpSpPr>
+        <a:xfrm>
+          <a:off x="0" y="0"/>
+          <a:ext cx="0" cy="0"/>
+          <a:chOff x="0" y="0"/>
+          <a:chExt cx="0" cy="0"/>
+        </a:xfrm>
+      </p:grpSpPr>
+      <p:sp>
+        <p:nvSpPr>
+          <p:cNvPr id="2" name="Title 1">
+            <a:extLst>
+              <a:ext uri="{FF2B5EF4-FFF2-40B4-BE49-F238E27FC236}">
+                <a16:creationId xmlns:a16="http://schemas.microsoft.com/office/drawing/2014/main" id="{4712583E-3F1F-4065-A02D-3AC24FB204C2}"/>
+              </a:ext>
+            </a:extLst>
+          </p:cNvPr>
+          <p:cNvSpPr>
+            <a:spLocks noGrp="1"/>
+          </p:cNvSpPr>
+          <p:nvPr>
+            <p:ph type="title"/>
+          </p:nvPr>
+        </p:nvSpPr>
+        <p:spPr/>
+        <p:txBody>
+          <a:bodyPr/>
+          <a:lstStyle/>
+          <a:p>
+            <a:r>
+              <a:rPr lang="en-SG" cap="none" dirty="0"/>
+              <a:t>Final model architecture:</a:t>
+            </a:r>
+          </a:p>
+        </p:txBody>
+      </p:sp>
+      <p:sp>
+        <p:nvSpPr>
+          <p:cNvPr id="3" name="Content Placeholder 2">
+            <a:extLst>
+              <a:ext uri="{FF2B5EF4-FFF2-40B4-BE49-F238E27FC236}">
+                <a16:creationId xmlns:a16="http://schemas.microsoft.com/office/drawing/2014/main" id="{FF96ADB8-1C8E-48A3-8B3D-6B9B368ADB72}"/>
+              </a:ext>
+            </a:extLst>
+          </p:cNvPr>
+          <p:cNvSpPr>
+            <a:spLocks noGrp="1"/>
+          </p:cNvSpPr>
+          <p:nvPr>
+            <p:ph idx="1"/>
+          </p:nvPr>
+        </p:nvSpPr>
+        <p:spPr>
+          <a:xfrm>
+            <a:off x="7949290" y="2122018"/>
+            <a:ext cx="3467063" cy="3459916"/>
+          </a:xfrm>
+        </p:spPr>
+        <p:txBody>
+          <a:bodyPr>
+            <a:normAutofit fontScale="92500" lnSpcReduction="20000"/>
+          </a:bodyPr>
+          <a:lstStyle/>
+          <a:p>
+            <a:r>
+              <a:rPr lang="en-SG" dirty="0"/>
+              <a:t>Deep architectures were attempted (VGG, </a:t>
+            </a:r>
+            <a:r>
+              <a:rPr lang="en-SG" dirty="0" err="1"/>
+              <a:t>AlexNet</a:t>
+            </a:r>
+            <a:r>
+              <a:rPr lang="en-SG" dirty="0"/>
+              <a:t>) but couldn’t seem to achieve higher accuracies.</a:t>
+            </a:r>
+          </a:p>
+          <a:p>
+            <a:r>
+              <a:rPr lang="en-SG" dirty="0"/>
+              <a:t>After removing some layers, the final network is shallow with only 3 convolution layers and 1 pooling layer (Max pooling), with the final dense layer for the final classification output.</a:t>
+            </a:r>
+          </a:p>
+        </p:txBody>
+      </p:sp>
+      <p:pic>
+        <p:nvPicPr>
+          <p:cNvPr id="5" name="Picture 4">
+            <a:extLst>
+              <a:ext uri="{FF2B5EF4-FFF2-40B4-BE49-F238E27FC236}">
+                <a16:creationId xmlns:a16="http://schemas.microsoft.com/office/drawing/2014/main" id="{3B4280CA-A4BA-470E-AF27-0076130E6C46}"/>
+              </a:ext>
+            </a:extLst>
+          </p:cNvPr>
+          <p:cNvPicPr>
+            <a:picLocks noChangeAspect="1"/>
+          </p:cNvPicPr>
+          <p:nvPr/>
+        </p:nvPicPr>
+        <p:blipFill>
+          <a:blip r:embed="rId2"/>
+          <a:stretch>
+            <a:fillRect/>
+          </a:stretch>
+        </p:blipFill>
+        <p:spPr>
+          <a:xfrm>
+            <a:off x="1451579" y="2062506"/>
+            <a:ext cx="6105525" cy="3990975"/>
+          </a:xfrm>
+          <a:prstGeom prst="rect">
+            <a:avLst/>
+          </a:prstGeom>
+        </p:spPr>
+      </p:pic>
+    </p:spTree>
+    <p:extLst>
+      <p:ext uri="{BB962C8B-B14F-4D97-AF65-F5344CB8AC3E}">
+        <p14:creationId xmlns:p14="http://schemas.microsoft.com/office/powerpoint/2010/main" val="2031575006"/>
+      </p:ext>
+    </p:extLst>
+  </p:cSld>
+  <p:clrMapOvr>
+    <a:masterClrMapping/>
+  </p:clrMapOvr>
+</p:sld>
+</file>
+
+<file path=ppt/slides/slide17.xml><?xml version="1.0" encoding="utf-8"?>
+<p:sld xmlns:a="http://schemas.openxmlformats.org/drawingml/2006/main" xmlns:r="http://schemas.openxmlformats.org/officeDocument/2006/relationships" xmlns:p="http://schemas.openxmlformats.org/presentationml/2006/main">
+  <p:cSld>
+    <p:spTree>
+      <p:nvGrpSpPr>
+        <p:cNvPr id="1" name=""/>
+        <p:cNvGrpSpPr/>
+        <p:nvPr/>
+      </p:nvGrpSpPr>
+      <p:grpSpPr>
+        <a:xfrm>
+          <a:off x="0" y="0"/>
+          <a:ext cx="0" cy="0"/>
+          <a:chOff x="0" y="0"/>
+          <a:chExt cx="0" cy="0"/>
+        </a:xfrm>
+      </p:grpSpPr>
+      <p:sp>
+        <p:nvSpPr>
+          <p:cNvPr id="2" name="Title 1">
+            <a:extLst>
+              <a:ext uri="{FF2B5EF4-FFF2-40B4-BE49-F238E27FC236}">
+                <a16:creationId xmlns:a16="http://schemas.microsoft.com/office/drawing/2014/main" id="{6A3F6BC0-C3A5-4F75-ACA4-7A8D3D5E575E}"/>
+              </a:ext>
+            </a:extLst>
+          </p:cNvPr>
+          <p:cNvSpPr>
+            <a:spLocks noGrp="1"/>
+          </p:cNvSpPr>
+          <p:nvPr>
+            <p:ph type="title"/>
+          </p:nvPr>
+        </p:nvSpPr>
+        <p:spPr/>
+        <p:txBody>
+          <a:bodyPr/>
+          <a:lstStyle/>
+          <a:p>
+            <a:r>
+              <a:rPr lang="en-SG" cap="none" dirty="0"/>
+              <a:t>Evaluation</a:t>
+            </a:r>
+          </a:p>
+        </p:txBody>
+      </p:sp>
+      <p:sp>
+        <p:nvSpPr>
+          <p:cNvPr id="3" name="Content Placeholder 2">
+            <a:extLst>
+              <a:ext uri="{FF2B5EF4-FFF2-40B4-BE49-F238E27FC236}">
+                <a16:creationId xmlns:a16="http://schemas.microsoft.com/office/drawing/2014/main" id="{C9B77E6C-9970-4C20-B498-F0F7412A8761}"/>
+              </a:ext>
+            </a:extLst>
+          </p:cNvPr>
+          <p:cNvSpPr>
+            <a:spLocks noGrp="1"/>
+          </p:cNvSpPr>
+          <p:nvPr>
+            <p:ph idx="1"/>
+          </p:nvPr>
+        </p:nvSpPr>
+        <p:spPr>
+          <a:xfrm>
+            <a:off x="7226489" y="2089560"/>
+            <a:ext cx="4149087" cy="3439652"/>
+          </a:xfrm>
+        </p:spPr>
+        <p:txBody>
+          <a:bodyPr/>
+          <a:lstStyle/>
+          <a:p>
+            <a:r>
+              <a:rPr lang="en-SG" dirty="0"/>
+              <a:t>Model stagnates around 0.70-0.72 accuracy</a:t>
+            </a:r>
+          </a:p>
+        </p:txBody>
+      </p:sp>
+      <p:pic>
+        <p:nvPicPr>
+          <p:cNvPr id="8" name="Picture 7">
+            <a:extLst>
+              <a:ext uri="{FF2B5EF4-FFF2-40B4-BE49-F238E27FC236}">
+                <a16:creationId xmlns:a16="http://schemas.microsoft.com/office/drawing/2014/main" id="{2DF19341-6F5A-4270-9574-46A7D4BE6314}"/>
+              </a:ext>
+            </a:extLst>
+          </p:cNvPr>
+          <p:cNvPicPr>
+            <a:picLocks noChangeAspect="1"/>
+          </p:cNvPicPr>
+          <p:nvPr/>
+        </p:nvPicPr>
+        <p:blipFill>
+          <a:blip r:embed="rId2"/>
+          <a:stretch>
+            <a:fillRect/>
+          </a:stretch>
+        </p:blipFill>
+        <p:spPr>
+          <a:xfrm>
+            <a:off x="1451579" y="1970649"/>
+            <a:ext cx="5728651" cy="3439652"/>
+          </a:xfrm>
+          <a:prstGeom prst="rect">
+            <a:avLst/>
+          </a:prstGeom>
+        </p:spPr>
+      </p:pic>
+    </p:spTree>
+    <p:extLst>
+      <p:ext uri="{BB962C8B-B14F-4D97-AF65-F5344CB8AC3E}">
+        <p14:creationId xmlns:p14="http://schemas.microsoft.com/office/powerpoint/2010/main" val="3121871982"/>
+      </p:ext>
+    </p:extLst>
+  </p:cSld>
+  <p:clrMapOvr>
+    <a:masterClrMapping/>
+  </p:clrMapOvr>
+</p:sld>
+</file>
+
+<file path=ppt/slides/slide18.xml><?xml version="1.0" encoding="utf-8"?>
+<p:sld xmlns:a="http://schemas.openxmlformats.org/drawingml/2006/main" xmlns:r="http://schemas.openxmlformats.org/officeDocument/2006/relationships" xmlns:p="http://schemas.openxmlformats.org/presentationml/2006/main">
+  <p:cSld>
+    <p:spTree>
+      <p:nvGrpSpPr>
+        <p:cNvPr id="1" name=""/>
+        <p:cNvGrpSpPr/>
+        <p:nvPr/>
+      </p:nvGrpSpPr>
+      <p:grpSpPr>
+        <a:xfrm>
+          <a:off x="0" y="0"/>
+          <a:ext cx="0" cy="0"/>
+          <a:chOff x="0" y="0"/>
+          <a:chExt cx="0" cy="0"/>
+        </a:xfrm>
+      </p:grpSpPr>
+      <p:sp>
+        <p:nvSpPr>
+          <p:cNvPr id="2" name="Title 1">
+            <a:extLst>
+              <a:ext uri="{FF2B5EF4-FFF2-40B4-BE49-F238E27FC236}">
+                <a16:creationId xmlns:a16="http://schemas.microsoft.com/office/drawing/2014/main" id="{6A3F6BC0-C3A5-4F75-ACA4-7A8D3D5E575E}"/>
+              </a:ext>
+            </a:extLst>
+          </p:cNvPr>
+          <p:cNvSpPr>
+            <a:spLocks noGrp="1"/>
+          </p:cNvSpPr>
+          <p:nvPr>
+            <p:ph type="title"/>
+          </p:nvPr>
+        </p:nvSpPr>
+        <p:spPr/>
+        <p:txBody>
+          <a:bodyPr/>
+          <a:lstStyle/>
+          <a:p>
+            <a:r>
+              <a:rPr lang="en-SG" cap="none" dirty="0"/>
+              <a:t>Evaluation</a:t>
+            </a:r>
+          </a:p>
+        </p:txBody>
+      </p:sp>
+      <p:sp>
+        <p:nvSpPr>
+          <p:cNvPr id="3" name="Content Placeholder 2">
+            <a:extLst>
+              <a:ext uri="{FF2B5EF4-FFF2-40B4-BE49-F238E27FC236}">
+                <a16:creationId xmlns:a16="http://schemas.microsoft.com/office/drawing/2014/main" id="{C9B77E6C-9970-4C20-B498-F0F7412A8761}"/>
+              </a:ext>
+            </a:extLst>
+          </p:cNvPr>
+          <p:cNvSpPr>
+            <a:spLocks noGrp="1"/>
+          </p:cNvSpPr>
+          <p:nvPr>
+            <p:ph idx="1"/>
+          </p:nvPr>
+        </p:nvSpPr>
+        <p:spPr>
+          <a:xfrm>
+            <a:off x="7226489" y="2089560"/>
+            <a:ext cx="4149087" cy="3439652"/>
+          </a:xfrm>
+        </p:spPr>
+        <p:txBody>
+          <a:bodyPr/>
+          <a:lstStyle/>
+          <a:p>
+            <a:r>
+              <a:rPr lang="en-SG" dirty="0"/>
+              <a:t>Similarly, loss function also converges after ~200 epochs</a:t>
+            </a:r>
+          </a:p>
+        </p:txBody>
+      </p:sp>
+      <p:pic>
+        <p:nvPicPr>
+          <p:cNvPr id="5" name="Picture 4">
+            <a:extLst>
+              <a:ext uri="{FF2B5EF4-FFF2-40B4-BE49-F238E27FC236}">
+                <a16:creationId xmlns:a16="http://schemas.microsoft.com/office/drawing/2014/main" id="{1E41C7A4-B4E5-4520-9B04-7E21F245F831}"/>
+              </a:ext>
+            </a:extLst>
+          </p:cNvPr>
+          <p:cNvPicPr>
+            <a:picLocks noChangeAspect="1"/>
+          </p:cNvPicPr>
+          <p:nvPr/>
+        </p:nvPicPr>
+        <p:blipFill>
+          <a:blip r:embed="rId2"/>
+          <a:stretch>
+            <a:fillRect/>
+          </a:stretch>
+        </p:blipFill>
+        <p:spPr>
+          <a:xfrm>
+            <a:off x="1451579" y="2089559"/>
+            <a:ext cx="5681294" cy="3439653"/>
+          </a:xfrm>
+          <a:prstGeom prst="rect">
+            <a:avLst/>
+          </a:prstGeom>
+        </p:spPr>
+      </p:pic>
+    </p:spTree>
+    <p:extLst>
+      <p:ext uri="{BB962C8B-B14F-4D97-AF65-F5344CB8AC3E}">
+        <p14:creationId xmlns:p14="http://schemas.microsoft.com/office/powerpoint/2010/main" val="1164026281"/>
+      </p:ext>
+    </p:extLst>
+  </p:cSld>
+  <p:clrMapOvr>
+    <a:masterClrMapping/>
+  </p:clrMapOvr>
+</p:sld>
+</file>
+
+<file path=ppt/slides/slide19.xml><?xml version="1.0" encoding="utf-8"?>
+<p:sld xmlns:a="http://schemas.openxmlformats.org/drawingml/2006/main" xmlns:r="http://schemas.openxmlformats.org/officeDocument/2006/relationships" xmlns:p="http://schemas.openxmlformats.org/presentationml/2006/main">
+  <p:cSld>
+    <p:spTree>
+      <p:nvGrpSpPr>
+        <p:cNvPr id="1" name=""/>
+        <p:cNvGrpSpPr/>
+        <p:nvPr/>
+      </p:nvGrpSpPr>
+      <p:grpSpPr>
+        <a:xfrm>
+          <a:off x="0" y="0"/>
+          <a:ext cx="0" cy="0"/>
+          <a:chOff x="0" y="0"/>
+          <a:chExt cx="0" cy="0"/>
+        </a:xfrm>
+      </p:grpSpPr>
+      <p:sp>
+        <p:nvSpPr>
+          <p:cNvPr id="2" name="Title 1">
+            <a:extLst>
+              <a:ext uri="{FF2B5EF4-FFF2-40B4-BE49-F238E27FC236}">
+                <a16:creationId xmlns:a16="http://schemas.microsoft.com/office/drawing/2014/main" id="{9978485D-1E08-4659-931E-FC0CA58076FD}"/>
+              </a:ext>
+            </a:extLst>
+          </p:cNvPr>
+          <p:cNvSpPr>
+            <a:spLocks noGrp="1"/>
+          </p:cNvSpPr>
+          <p:nvPr>
+            <p:ph type="title"/>
+          </p:nvPr>
+        </p:nvSpPr>
+        <p:spPr/>
+        <p:txBody>
+          <a:bodyPr/>
+          <a:lstStyle/>
+          <a:p>
+            <a:r>
+              <a:rPr lang="en-SG" cap="none"/>
+              <a:t>Evaluation</a:t>
+            </a:r>
+            <a:endParaRPr lang="en-SG" cap="none" dirty="0"/>
+          </a:p>
+        </p:txBody>
+      </p:sp>
+      <p:sp>
+        <p:nvSpPr>
+          <p:cNvPr id="3" name="Content Placeholder 2">
+            <a:extLst>
+              <a:ext uri="{FF2B5EF4-FFF2-40B4-BE49-F238E27FC236}">
+                <a16:creationId xmlns:a16="http://schemas.microsoft.com/office/drawing/2014/main" id="{EE1DB3B9-6B6E-4FE3-B8A9-15165D251024}"/>
+              </a:ext>
+            </a:extLst>
+          </p:cNvPr>
+          <p:cNvSpPr>
+            <a:spLocks noGrp="1"/>
+          </p:cNvSpPr>
+          <p:nvPr>
+            <p:ph idx="1"/>
+          </p:nvPr>
+        </p:nvSpPr>
+        <p:spPr>
+          <a:xfrm>
+            <a:off x="7423484" y="2015732"/>
+            <a:ext cx="3631370" cy="3450613"/>
+          </a:xfrm>
+        </p:spPr>
+        <p:txBody>
+          <a:bodyPr/>
+          <a:lstStyle/>
+          <a:p>
+            <a:r>
+              <a:rPr lang="en-SG" dirty="0"/>
+              <a:t>Model failed to pick up any of the covid-19 images</a:t>
+            </a:r>
+          </a:p>
+          <a:p>
+            <a:r>
+              <a:rPr lang="en-SG" dirty="0"/>
+              <a:t>Predicts most images as bacterial infections</a:t>
+            </a:r>
+          </a:p>
+        </p:txBody>
+      </p:sp>
+      <p:pic>
+        <p:nvPicPr>
+          <p:cNvPr id="5" name="Picture 4">
+            <a:extLst>
+              <a:ext uri="{FF2B5EF4-FFF2-40B4-BE49-F238E27FC236}">
+                <a16:creationId xmlns:a16="http://schemas.microsoft.com/office/drawing/2014/main" id="{3565F6FE-3F0B-4A66-A4DE-FCC2D0F6EF18}"/>
+              </a:ext>
+            </a:extLst>
+          </p:cNvPr>
+          <p:cNvPicPr>
+            <a:picLocks noChangeAspect="1"/>
+          </p:cNvPicPr>
+          <p:nvPr/>
+        </p:nvPicPr>
+        <p:blipFill>
+          <a:blip r:embed="rId2"/>
+          <a:stretch>
+            <a:fillRect/>
+          </a:stretch>
+        </p:blipFill>
+        <p:spPr>
+          <a:xfrm>
+            <a:off x="1451579" y="1964766"/>
+            <a:ext cx="5460681" cy="3929495"/>
+          </a:xfrm>
+          <a:prstGeom prst="rect">
+            <a:avLst/>
+          </a:prstGeom>
+        </p:spPr>
+      </p:pic>
+      <p:pic>
+        <p:nvPicPr>
+          <p:cNvPr id="7" name="Picture 6">
+            <a:extLst>
+              <a:ext uri="{FF2B5EF4-FFF2-40B4-BE49-F238E27FC236}">
+                <a16:creationId xmlns:a16="http://schemas.microsoft.com/office/drawing/2014/main" id="{B268DBD6-B660-481F-B524-C27117B70CF7}"/>
+              </a:ext>
+            </a:extLst>
+          </p:cNvPr>
+          <p:cNvPicPr>
+            <a:picLocks noChangeAspect="1"/>
+          </p:cNvPicPr>
+          <p:nvPr/>
+        </p:nvPicPr>
+        <p:blipFill>
+          <a:blip r:embed="rId3"/>
+          <a:stretch>
+            <a:fillRect/>
+          </a:stretch>
+        </p:blipFill>
+        <p:spPr>
+          <a:xfrm>
+            <a:off x="7140662" y="4082550"/>
+            <a:ext cx="4197014" cy="1811711"/>
+          </a:xfrm>
+          <a:prstGeom prst="rect">
+            <a:avLst/>
+          </a:prstGeom>
+        </p:spPr>
+      </p:pic>
+    </p:spTree>
+    <p:extLst>
+      <p:ext uri="{BB962C8B-B14F-4D97-AF65-F5344CB8AC3E}">
+        <p14:creationId xmlns:p14="http://schemas.microsoft.com/office/powerpoint/2010/main" val="1877185895"/>
+      </p:ext>
+    </p:extLst>
+  </p:cSld>
+  <p:clrMapOvr>
+    <a:masterClrMapping/>
+  </p:clrMapOvr>
+</p:sld>
+</file>
+
 <file path=ppt/slides/slide2.xml><?xml version="1.0" encoding="utf-8"?>
 <p:sld xmlns:a="http://schemas.openxmlformats.org/drawingml/2006/main" xmlns:r="http://schemas.openxmlformats.org/officeDocument/2006/relationships" xmlns:p="http://schemas.openxmlformats.org/presentationml/2006/main">
   <p:cSld>
@@ -7761,7 +13234,7 @@
 </p:sld>
 </file>
 
-<file path=ppt/slides/slide3.xml><?xml version="1.0" encoding="utf-8"?>
+<file path=ppt/slides/slide20.xml><?xml version="1.0" encoding="utf-8"?>
 <p:sld xmlns:a="http://schemas.openxmlformats.org/drawingml/2006/main" xmlns:r="http://schemas.openxmlformats.org/officeDocument/2006/relationships" xmlns:p="http://schemas.openxmlformats.org/presentationml/2006/main">
   <p:cSld>
     <p:spTree>
@@ -7783,7 +13256,7 @@
           <p:cNvPr id="2" name="Title 1">
             <a:extLst>
               <a:ext uri="{FF2B5EF4-FFF2-40B4-BE49-F238E27FC236}">
-                <a16:creationId xmlns:a16="http://schemas.microsoft.com/office/drawing/2014/main" id="{9A7EE37B-4A2F-4F55-98CA-78C858458754}"/>
+                <a16:creationId xmlns:a16="http://schemas.microsoft.com/office/drawing/2014/main" id="{9032FE2D-FD0A-46F3-AAF3-720DD0CCFB51}"/>
               </a:ext>
             </a:extLst>
           </p:cNvPr>
@@ -7801,210 +13274,45 @@
           <a:p>
             <a:r>
               <a:rPr lang="en-SG" cap="none" dirty="0"/>
-              <a:t>Chest X-Rays</a:t>
+              <a:t>Evaluation</a:t>
             </a:r>
           </a:p>
         </p:txBody>
       </p:sp>
-      <p:pic>
-        <p:nvPicPr>
-          <p:cNvPr id="17" name="Picture 16" descr="A picture containing film, nature, waterfall, water&#10;&#10;Description automatically generated">
+      <p:sp>
+        <p:nvSpPr>
+          <p:cNvPr id="3" name="Content Placeholder 2">
             <a:extLst>
               <a:ext uri="{FF2B5EF4-FFF2-40B4-BE49-F238E27FC236}">
-                <a16:creationId xmlns:a16="http://schemas.microsoft.com/office/drawing/2014/main" id="{F9AEEB1D-95A5-4B7C-B831-C46B05CDEA9C}"/>
+                <a16:creationId xmlns:a16="http://schemas.microsoft.com/office/drawing/2014/main" id="{8A6ACCF1-8DBA-4A81-88B4-D52E546234CE}"/>
               </a:ext>
             </a:extLst>
           </p:cNvPr>
-          <p:cNvPicPr>
-            <a:picLocks noChangeAspect="1"/>
-          </p:cNvPicPr>
-          <p:nvPr/>
-        </p:nvPicPr>
-        <p:blipFill>
-          <a:blip r:embed="rId3"/>
-          <a:stretch>
-            <a:fillRect/>
-          </a:stretch>
-        </p:blipFill>
-        <p:spPr>
-          <a:xfrm>
-            <a:off x="199140" y="2782805"/>
-            <a:ext cx="3213217" cy="3078559"/>
-          </a:xfrm>
-          <a:prstGeom prst="rect">
-            <a:avLst/>
-          </a:prstGeom>
-        </p:spPr>
-      </p:pic>
-      <p:sp>
-        <p:nvSpPr>
-          <p:cNvPr id="18" name="TextBox 17">
-            <a:extLst>
-              <a:ext uri="{FF2B5EF4-FFF2-40B4-BE49-F238E27FC236}">
-                <a16:creationId xmlns:a16="http://schemas.microsoft.com/office/drawing/2014/main" id="{6159D6E7-117C-49DA-9B23-500B9644AB3D}"/>
-              </a:ext>
-            </a:extLst>
-          </p:cNvPr>
-          <p:cNvSpPr txBox="1"/>
-          <p:nvPr/>
+          <p:cNvSpPr>
+            <a:spLocks noGrp="1"/>
+          </p:cNvSpPr>
+          <p:nvPr>
+            <p:ph idx="1"/>
+          </p:nvPr>
         </p:nvSpPr>
         <p:spPr>
           <a:xfrm>
-            <a:off x="1414598" y="2255149"/>
-            <a:ext cx="1048044" cy="369332"/>
+            <a:off x="7725335" y="2015732"/>
+            <a:ext cx="3329519" cy="3450613"/>
           </a:xfrm>
-          <a:prstGeom prst="rect">
-            <a:avLst/>
-          </a:prstGeom>
-          <a:noFill/>
         </p:spPr>
         <p:txBody>
-          <a:bodyPr wrap="none" rtlCol="0">
-            <a:spAutoFit/>
-          </a:bodyPr>
+          <a:bodyPr/>
           <a:lstStyle/>
           <a:p>
-            <a:r>
-              <a:rPr lang="en-SG" dirty="0"/>
-              <a:t>Covid-19</a:t>
-            </a:r>
-          </a:p>
-        </p:txBody>
-      </p:sp>
-      <p:pic>
-        <p:nvPicPr>
-          <p:cNvPr id="22" name="Picture 21" descr="A picture containing film, doughnut, donut, close&#10;&#10;Description automatically generated">
-            <a:extLst>
-              <a:ext uri="{FF2B5EF4-FFF2-40B4-BE49-F238E27FC236}">
-                <a16:creationId xmlns:a16="http://schemas.microsoft.com/office/drawing/2014/main" id="{A3B0ECA2-C6D3-4427-9FC8-B417BCDBD756}"/>
-              </a:ext>
-            </a:extLst>
-          </p:cNvPr>
-          <p:cNvPicPr>
-            <a:picLocks noChangeAspect="1"/>
-          </p:cNvPicPr>
-          <p:nvPr/>
-        </p:nvPicPr>
-        <p:blipFill>
-          <a:blip r:embed="rId4"/>
-          <a:stretch>
-            <a:fillRect/>
-          </a:stretch>
-        </p:blipFill>
-        <p:spPr>
-          <a:xfrm>
-            <a:off x="3997941" y="3254990"/>
-            <a:ext cx="3880241" cy="2448049"/>
-          </a:xfrm>
-          <a:prstGeom prst="rect">
-            <a:avLst/>
-          </a:prstGeom>
-        </p:spPr>
-      </p:pic>
-      <p:sp>
-        <p:nvSpPr>
-          <p:cNvPr id="45" name="TextBox 44">
-            <a:extLst>
-              <a:ext uri="{FF2B5EF4-FFF2-40B4-BE49-F238E27FC236}">
-                <a16:creationId xmlns:a16="http://schemas.microsoft.com/office/drawing/2014/main" id="{4D275EFA-E93B-457F-9BD8-82E0F7C4645F}"/>
-              </a:ext>
-            </a:extLst>
-          </p:cNvPr>
-          <p:cNvSpPr txBox="1"/>
-          <p:nvPr/>
-        </p:nvSpPr>
-        <p:spPr>
-          <a:xfrm>
-            <a:off x="5571978" y="2255149"/>
-            <a:ext cx="992579" cy="369332"/>
-          </a:xfrm>
-          <a:prstGeom prst="rect">
-            <a:avLst/>
-          </a:prstGeom>
-          <a:noFill/>
-        </p:spPr>
-        <p:txBody>
-          <a:bodyPr wrap="none" rtlCol="0">
-            <a:spAutoFit/>
-          </a:bodyPr>
-          <a:lstStyle/>
-          <a:p>
-            <a:r>
-              <a:rPr lang="en-SG" dirty="0"/>
-              <a:t>Bacterial</a:t>
-            </a:r>
-          </a:p>
-        </p:txBody>
-      </p:sp>
-      <p:pic>
-        <p:nvPicPr>
-          <p:cNvPr id="24" name="Picture 23" descr="A picture containing film, table, person, wearing&#10;&#10;Description automatically generated">
-            <a:extLst>
-              <a:ext uri="{FF2B5EF4-FFF2-40B4-BE49-F238E27FC236}">
-                <a16:creationId xmlns:a16="http://schemas.microsoft.com/office/drawing/2014/main" id="{59F12154-6E0B-4C83-8914-A854EF9CCA02}"/>
-              </a:ext>
-            </a:extLst>
-          </p:cNvPr>
-          <p:cNvPicPr>
-            <a:picLocks noChangeAspect="1"/>
-          </p:cNvPicPr>
-          <p:nvPr/>
-        </p:nvPicPr>
-        <p:blipFill>
-          <a:blip r:embed="rId5"/>
-          <a:stretch>
-            <a:fillRect/>
-          </a:stretch>
-        </p:blipFill>
-        <p:spPr>
-          <a:xfrm>
-            <a:off x="8411395" y="2749013"/>
-            <a:ext cx="2910832" cy="3112351"/>
-          </a:xfrm>
-          <a:prstGeom prst="rect">
-            <a:avLst/>
-          </a:prstGeom>
-        </p:spPr>
-      </p:pic>
-      <p:sp>
-        <p:nvSpPr>
-          <p:cNvPr id="48" name="TextBox 47">
-            <a:extLst>
-              <a:ext uri="{FF2B5EF4-FFF2-40B4-BE49-F238E27FC236}">
-                <a16:creationId xmlns:a16="http://schemas.microsoft.com/office/drawing/2014/main" id="{43CF01F8-6015-4A4E-8D4E-E6B5A25676E2}"/>
-              </a:ext>
-            </a:extLst>
-          </p:cNvPr>
-          <p:cNvSpPr txBox="1"/>
-          <p:nvPr/>
-        </p:nvSpPr>
-        <p:spPr>
-          <a:xfrm>
-            <a:off x="9417873" y="2255149"/>
-            <a:ext cx="897875" cy="369332"/>
-          </a:xfrm>
-          <a:prstGeom prst="rect">
-            <a:avLst/>
-          </a:prstGeom>
-          <a:noFill/>
-        </p:spPr>
-        <p:txBody>
-          <a:bodyPr wrap="none" rtlCol="0">
-            <a:spAutoFit/>
-          </a:bodyPr>
-          <a:lstStyle/>
-          <a:p>
-            <a:r>
-              <a:rPr lang="en-SG" dirty="0"/>
-              <a:t>Healthy</a:t>
-            </a:r>
+            <a:endParaRPr lang="en-SG" dirty="0"/>
           </a:p>
         </p:txBody>
       </p:sp>
     </p:spTree>
     <p:extLst>
       <p:ext uri="{BB962C8B-B14F-4D97-AF65-F5344CB8AC3E}">
-        <p14:creationId xmlns:p14="http://schemas.microsoft.com/office/powerpoint/2010/main" val="681119809"/>
+        <p14:creationId xmlns:p14="http://schemas.microsoft.com/office/powerpoint/2010/main" val="2444551862"/>
       </p:ext>
     </p:extLst>
   </p:cSld>
@@ -8014,7 +13322,105 @@
 </p:sld>
 </file>
 
-<file path=ppt/slides/slide4.xml><?xml version="1.0" encoding="utf-8"?>
+<file path=ppt/slides/slide21.xml><?xml version="1.0" encoding="utf-8"?>
+<p:sld xmlns:a="http://schemas.openxmlformats.org/drawingml/2006/main" xmlns:r="http://schemas.openxmlformats.org/officeDocument/2006/relationships" xmlns:p="http://schemas.openxmlformats.org/presentationml/2006/main">
+  <p:cSld>
+    <p:spTree>
+      <p:nvGrpSpPr>
+        <p:cNvPr id="1" name=""/>
+        <p:cNvGrpSpPr/>
+        <p:nvPr/>
+      </p:nvGrpSpPr>
+      <p:grpSpPr>
+        <a:xfrm>
+          <a:off x="0" y="0"/>
+          <a:ext cx="0" cy="0"/>
+          <a:chOff x="0" y="0"/>
+          <a:chExt cx="0" cy="0"/>
+        </a:xfrm>
+      </p:grpSpPr>
+      <p:sp>
+        <p:nvSpPr>
+          <p:cNvPr id="2" name="Title 1">
+            <a:extLst>
+              <a:ext uri="{FF2B5EF4-FFF2-40B4-BE49-F238E27FC236}">
+                <a16:creationId xmlns:a16="http://schemas.microsoft.com/office/drawing/2014/main" id="{C96E8218-9597-4C0A-BAEB-77108FDE8142}"/>
+              </a:ext>
+            </a:extLst>
+          </p:cNvPr>
+          <p:cNvSpPr>
+            <a:spLocks noGrp="1"/>
+          </p:cNvSpPr>
+          <p:nvPr>
+            <p:ph type="title"/>
+          </p:nvPr>
+        </p:nvSpPr>
+        <p:spPr/>
+        <p:txBody>
+          <a:bodyPr/>
+          <a:lstStyle/>
+          <a:p>
+            <a:r>
+              <a:rPr lang="en-SG" cap="none" dirty="0"/>
+              <a:t>Weaknesses</a:t>
+            </a:r>
+          </a:p>
+        </p:txBody>
+      </p:sp>
+      <p:sp>
+        <p:nvSpPr>
+          <p:cNvPr id="3" name="Content Placeholder 2">
+            <a:extLst>
+              <a:ext uri="{FF2B5EF4-FFF2-40B4-BE49-F238E27FC236}">
+                <a16:creationId xmlns:a16="http://schemas.microsoft.com/office/drawing/2014/main" id="{055E692A-7B97-4A57-8405-27F38D314750}"/>
+              </a:ext>
+            </a:extLst>
+          </p:cNvPr>
+          <p:cNvSpPr>
+            <a:spLocks noGrp="1"/>
+          </p:cNvSpPr>
+          <p:nvPr>
+            <p:ph idx="1"/>
+          </p:nvPr>
+        </p:nvSpPr>
+        <p:spPr/>
+        <p:txBody>
+          <a:bodyPr/>
+          <a:lstStyle/>
+          <a:p>
+            <a:r>
+              <a:rPr lang="en-SG" dirty="0"/>
+              <a:t>Imbalanced dataset difficult to overcome</a:t>
+            </a:r>
+          </a:p>
+          <a:p>
+            <a:r>
+              <a:rPr lang="en-SG" dirty="0"/>
+              <a:t>No data on the length of covid-19 infection; clouding (infected tissue) may be more visible on patients who have been infected for a longer period of time</a:t>
+            </a:r>
+          </a:p>
+          <a:p>
+            <a:r>
+              <a:rPr lang="en-SG" dirty="0"/>
+              <a:t>Very difficult for model to differentiate between bacterial and viral infections</a:t>
+            </a:r>
+          </a:p>
+        </p:txBody>
+      </p:sp>
+    </p:spTree>
+    <p:extLst>
+      <p:ext uri="{BB962C8B-B14F-4D97-AF65-F5344CB8AC3E}">
+        <p14:creationId xmlns:p14="http://schemas.microsoft.com/office/powerpoint/2010/main" val="3840672963"/>
+      </p:ext>
+    </p:extLst>
+  </p:cSld>
+  <p:clrMapOvr>
+    <a:masterClrMapping/>
+  </p:clrMapOvr>
+</p:sld>
+</file>
+
+<file path=ppt/slides/slide3.xml><?xml version="1.0" encoding="utf-8"?>
 <p:sld xmlns:a="http://schemas.openxmlformats.org/drawingml/2006/main" xmlns:r="http://schemas.openxmlformats.org/officeDocument/2006/relationships" xmlns:p="http://schemas.openxmlformats.org/presentationml/2006/main">
   <p:cSld>
     <p:spTree>
@@ -8054,7 +13460,7 @@
           <a:p>
             <a:r>
               <a:rPr lang="en-SG" cap="none" dirty="0"/>
-              <a:t>Building a model to detect infections</a:t>
+              <a:t>Building a model to detect infections from Chest X-Rays</a:t>
             </a:r>
           </a:p>
         </p:txBody>
@@ -8098,259 +13504,7 @@
 </p:sld>
 </file>
 
-<file path=ppt/slides/slide5.xml><?xml version="1.0" encoding="utf-8"?>
-<p:sld xmlns:a="http://schemas.openxmlformats.org/drawingml/2006/main" xmlns:r="http://schemas.openxmlformats.org/officeDocument/2006/relationships" xmlns:p="http://schemas.openxmlformats.org/presentationml/2006/main">
-  <p:cSld>
-    <p:bg>
-      <p:bgPr>
-        <a:gradFill rotWithShape="1">
-          <a:gsLst>
-            <a:gs pos="0">
-              <a:schemeClr val="bg2">
-                <a:tint val="94000"/>
-                <a:satMod val="80000"/>
-                <a:lumMod val="106000"/>
-              </a:schemeClr>
-            </a:gs>
-            <a:gs pos="100000">
-              <a:schemeClr val="bg2">
-                <a:shade val="80000"/>
-              </a:schemeClr>
-            </a:gs>
-          </a:gsLst>
-          <a:path path="circle">
-            <a:fillToRect l="50000" t="50000" r="50000" b="50000"/>
-          </a:path>
-        </a:gradFill>
-        <a:effectLst/>
-      </p:bgPr>
-    </p:bg>
-    <p:spTree>
-      <p:nvGrpSpPr>
-        <p:cNvPr id="1" name=""/>
-        <p:cNvGrpSpPr/>
-        <p:nvPr/>
-      </p:nvGrpSpPr>
-      <p:grpSpPr>
-        <a:xfrm>
-          <a:off x="0" y="0"/>
-          <a:ext cx="0" cy="0"/>
-          <a:chOff x="0" y="0"/>
-          <a:chExt cx="0" cy="0"/>
-        </a:xfrm>
-      </p:grpSpPr>
-      <p:sp useBgFill="1">
-        <p:nvSpPr>
-          <p:cNvPr id="8" name="Rectangle 7">
-            <a:extLst>
-              <a:ext uri="{FF2B5EF4-FFF2-40B4-BE49-F238E27FC236}">
-                <a16:creationId xmlns:a16="http://schemas.microsoft.com/office/drawing/2014/main" id="{29C51009-A09A-4689-8E6C-F8FC99E6A840}"/>
-              </a:ext>
-              <a:ext uri="{C183D7F6-B498-43B3-948B-1728B52AA6E4}">
-                <adec:decorative xmlns:adec="http://schemas.microsoft.com/office/drawing/2017/decorative" val="1"/>
-              </a:ext>
-            </a:extLst>
-          </p:cNvPr>
-          <p:cNvSpPr>
-            <a:spLocks noGrp="1" noRot="1" noChangeAspect="1" noMove="1" noResize="1" noEditPoints="1" noAdjustHandles="1" noChangeArrowheads="1" noChangeShapeType="1" noTextEdit="1"/>
-          </p:cNvSpPr>
-          <p:nvPr>
-            <p:extLst>
-              <p:ext uri="{386F3935-93C4-4BCD-93E2-E3B085C9AB24}">
-                <p16:designElem xmlns:p16="http://schemas.microsoft.com/office/powerpoint/2015/main" val="1"/>
-              </p:ext>
-            </p:extLst>
-          </p:nvPr>
-        </p:nvSpPr>
-        <p:spPr>
-          <a:xfrm>
-            <a:off x="2" y="0"/>
-            <a:ext cx="12191695" cy="6858000"/>
-          </a:xfrm>
-          <a:prstGeom prst="rect">
-            <a:avLst/>
-          </a:prstGeom>
-          <a:ln>
-            <a:noFill/>
-          </a:ln>
-        </p:spPr>
-        <p:style>
-          <a:lnRef idx="2">
-            <a:schemeClr val="accent1">
-              <a:shade val="50000"/>
-            </a:schemeClr>
-          </a:lnRef>
-          <a:fillRef idx="1">
-            <a:schemeClr val="accent1"/>
-          </a:fillRef>
-          <a:effectRef idx="0">
-            <a:schemeClr val="accent1"/>
-          </a:effectRef>
-          <a:fontRef idx="minor">
-            <a:schemeClr val="lt1"/>
-          </a:fontRef>
-        </p:style>
-        <p:txBody>
-          <a:bodyPr rtlCol="0" anchor="ctr"/>
-          <a:lstStyle/>
-          <a:p>
-            <a:pPr algn="ctr"/>
-            <a:endParaRPr lang="en-US"/>
-          </a:p>
-        </p:txBody>
-      </p:sp>
-      <p:sp>
-        <p:nvSpPr>
-          <p:cNvPr id="2" name="Title 1">
-            <a:extLst>
-              <a:ext uri="{FF2B5EF4-FFF2-40B4-BE49-F238E27FC236}">
-                <a16:creationId xmlns:a16="http://schemas.microsoft.com/office/drawing/2014/main" id="{6C879FC2-6E6C-4B87-A5F9-EC54D599FC3D}"/>
-              </a:ext>
-            </a:extLst>
-          </p:cNvPr>
-          <p:cNvSpPr>
-            <a:spLocks noGrp="1"/>
-          </p:cNvSpPr>
-          <p:nvPr>
-            <p:ph type="title"/>
-          </p:nvPr>
-        </p:nvSpPr>
-        <p:spPr>
-          <a:xfrm>
-            <a:off x="844476" y="1600199"/>
-            <a:ext cx="3539266" cy="4297680"/>
-          </a:xfrm>
-        </p:spPr>
-        <p:txBody>
-          <a:bodyPr anchor="ctr">
-            <a:normAutofit/>
-          </a:bodyPr>
-          <a:lstStyle/>
-          <a:p>
-            <a:r>
-              <a:rPr lang="en-SG" cap="none" dirty="0"/>
-              <a:t>Model choice: Convolutional neural network</a:t>
-            </a:r>
-          </a:p>
-        </p:txBody>
-      </p:sp>
-      <p:cxnSp>
-        <p:nvCxnSpPr>
-          <p:cNvPr id="10" name="Straight Connector 9">
-            <a:extLst>
-              <a:ext uri="{FF2B5EF4-FFF2-40B4-BE49-F238E27FC236}">
-                <a16:creationId xmlns:a16="http://schemas.microsoft.com/office/drawing/2014/main" id="{9EC65442-F244-409C-BF44-C5D6472E810A}"/>
-              </a:ext>
-              <a:ext uri="{C183D7F6-B498-43B3-948B-1728B52AA6E4}">
-                <adec:decorative xmlns:adec="http://schemas.microsoft.com/office/drawing/2017/decorative" val="1"/>
-              </a:ext>
-            </a:extLst>
-          </p:cNvPr>
-          <p:cNvCxnSpPr>
-            <a:cxnSpLocks noGrp="1" noRot="1" noChangeAspect="1" noMove="1" noResize="1" noEditPoints="1" noAdjustHandles="1" noChangeArrowheads="1" noChangeShapeType="1"/>
-          </p:cNvCxnSpPr>
-          <p:nvPr>
-            <p:extLst>
-              <p:ext uri="{386F3935-93C4-4BCD-93E2-E3B085C9AB24}">
-                <p16:designElem xmlns:p16="http://schemas.microsoft.com/office/powerpoint/2015/main" val="1"/>
-              </p:ext>
-            </p:extLst>
-          </p:nvPr>
-        </p:nvCxnSpPr>
-        <p:spPr>
-          <a:xfrm>
-            <a:off x="4654296" y="2148839"/>
-            <a:ext cx="0" cy="3200400"/>
-          </a:xfrm>
-          <a:prstGeom prst="line">
-            <a:avLst/>
-          </a:prstGeom>
-          <a:ln w="31750"/>
-        </p:spPr>
-        <p:style>
-          <a:lnRef idx="1">
-            <a:schemeClr val="accent1"/>
-          </a:lnRef>
-          <a:fillRef idx="0">
-            <a:schemeClr val="accent1"/>
-          </a:fillRef>
-          <a:effectRef idx="0">
-            <a:schemeClr val="accent1"/>
-          </a:effectRef>
-          <a:fontRef idx="minor">
-            <a:schemeClr val="tx1"/>
-          </a:fontRef>
-        </p:style>
-      </p:cxnSp>
-      <p:sp>
-        <p:nvSpPr>
-          <p:cNvPr id="3" name="Content Placeholder 2">
-            <a:extLst>
-              <a:ext uri="{FF2B5EF4-FFF2-40B4-BE49-F238E27FC236}">
-                <a16:creationId xmlns:a16="http://schemas.microsoft.com/office/drawing/2014/main" id="{675F8EBE-C537-4D47-B320-E8C538EAF447}"/>
-              </a:ext>
-            </a:extLst>
-          </p:cNvPr>
-          <p:cNvSpPr>
-            <a:spLocks noGrp="1"/>
-          </p:cNvSpPr>
-          <p:nvPr>
-            <p:ph idx="1"/>
-          </p:nvPr>
-        </p:nvSpPr>
-        <p:spPr>
-          <a:xfrm>
-            <a:off x="4924851" y="1600199"/>
-            <a:ext cx="6130003" cy="4297680"/>
-          </a:xfrm>
-        </p:spPr>
-        <p:txBody>
-          <a:bodyPr anchor="ctr">
-            <a:normAutofit/>
-          </a:bodyPr>
-          <a:lstStyle/>
-          <a:p>
-            <a:r>
-              <a:rPr lang="en-SG" dirty="0"/>
-              <a:t>Commonly used for image classification problems</a:t>
-            </a:r>
-          </a:p>
-          <a:p>
-            <a:r>
-              <a:rPr lang="en-SG" dirty="0"/>
-              <a:t>Well established CNN architectures available to use as a starting point, instead of starting from scratch (LeNet-5,  </a:t>
-            </a:r>
-            <a:r>
-              <a:rPr lang="en-SG" dirty="0" err="1"/>
-              <a:t>AlexNet</a:t>
-            </a:r>
-            <a:r>
-              <a:rPr lang="en-SG" dirty="0"/>
-              <a:t>,  VGG etc.)</a:t>
-            </a:r>
-          </a:p>
-          <a:p>
-            <a:r>
-              <a:rPr lang="en-SG" dirty="0"/>
-              <a:t>Images are not sequential, therefore Recurrent Neural Networks (RNNs) are not relevant</a:t>
-            </a:r>
-          </a:p>
-        </p:txBody>
-      </p:sp>
-    </p:spTree>
-    <p:extLst>
-      <p:ext uri="{BB962C8B-B14F-4D97-AF65-F5344CB8AC3E}">
-        <p14:creationId xmlns:p14="http://schemas.microsoft.com/office/powerpoint/2010/main" val="1645237531"/>
-      </p:ext>
-    </p:extLst>
-  </p:cSld>
-  <p:clrMapOvr>
-    <a:masterClrMapping/>
-  </p:clrMapOvr>
-</p:sld>
-</file>
-
-<file path=ppt/slides/slide6.xml><?xml version="1.0" encoding="utf-8"?>
+<file path=ppt/slides/slide4.xml><?xml version="1.0" encoding="utf-8"?>
 <p:sld xmlns:a="http://schemas.openxmlformats.org/drawingml/2006/main" xmlns:r="http://schemas.openxmlformats.org/officeDocument/2006/relationships" xmlns:p="http://schemas.openxmlformats.org/presentationml/2006/main">
   <p:cSld>
     <p:spTree>
@@ -8372,7 +13526,7 @@
           <p:cNvPr id="2" name="Title 1">
             <a:extLst>
               <a:ext uri="{FF2B5EF4-FFF2-40B4-BE49-F238E27FC236}">
-                <a16:creationId xmlns:a16="http://schemas.microsoft.com/office/drawing/2014/main" id="{4712583E-3F1F-4065-A02D-3AC24FB204C2}"/>
+                <a16:creationId xmlns:a16="http://schemas.microsoft.com/office/drawing/2014/main" id="{2C45AF1C-6D18-4E85-BE62-50CC2F6B664B}"/>
               </a:ext>
             </a:extLst>
           </p:cNvPr>
@@ -8400,7 +13554,7 @@
           <p:cNvPr id="3" name="Content Placeholder 2">
             <a:extLst>
               <a:ext uri="{FF2B5EF4-FFF2-40B4-BE49-F238E27FC236}">
-                <a16:creationId xmlns:a16="http://schemas.microsoft.com/office/drawing/2014/main" id="{FF96ADB8-1C8E-48A3-8B3D-6B9B368ADB72}"/>
+                <a16:creationId xmlns:a16="http://schemas.microsoft.com/office/drawing/2014/main" id="{A51CD789-A097-4C41-B370-3588D900D608}"/>
               </a:ext>
             </a:extLst>
           </p:cNvPr>
@@ -8416,14 +13570,786 @@
           <a:bodyPr/>
           <a:lstStyle/>
           <a:p>
-            <a:endParaRPr lang="en-SG"/>
+            <a:r>
+              <a:rPr lang="en-GB" dirty="0"/>
+              <a:t>We will be using a dataset containing Chest X-Rays of patients.</a:t>
+            </a:r>
+          </a:p>
+          <a:p>
+            <a:r>
+              <a:rPr lang="en-GB" dirty="0"/>
+              <a:t>The dataset was downloaded from Kaggle: </a:t>
+            </a:r>
+            <a:r>
+              <a:rPr lang="en-GB" dirty="0">
+                <a:hlinkClick r:id="rId2"/>
+              </a:rPr>
+              <a:t>https://www.kaggle.com/praveengovi/coronahack-chest-xraydataset</a:t>
+            </a:r>
+            <a:endParaRPr lang="en-GB" dirty="0"/>
+          </a:p>
+          <a:p>
+            <a:r>
+              <a:rPr lang="en-GB" dirty="0"/>
+              <a:t>The dataset contains ~5800 jpeg images of Chest X-Rays of Healthy patients, as well as patients affected with Pneumonia. The pneumonia X-Rays contain cases of bacterial infections as well as viral infections, such as SARS (Severe Acute Respiratory Syndrome ) ,Streptococcus &amp; ARDS (Acute Respiratory Distress Syndrome).</a:t>
+            </a:r>
+            <a:endParaRPr lang="en-SG" dirty="0"/>
           </a:p>
         </p:txBody>
       </p:sp>
     </p:spTree>
     <p:extLst>
       <p:ext uri="{BB962C8B-B14F-4D97-AF65-F5344CB8AC3E}">
-        <p14:creationId xmlns:p14="http://schemas.microsoft.com/office/powerpoint/2010/main" val="2031575006"/>
+        <p14:creationId xmlns:p14="http://schemas.microsoft.com/office/powerpoint/2010/main" val="3377569536"/>
+      </p:ext>
+    </p:extLst>
+  </p:cSld>
+  <p:clrMapOvr>
+    <a:masterClrMapping/>
+  </p:clrMapOvr>
+</p:sld>
+</file>
+
+<file path=ppt/slides/slide5.xml><?xml version="1.0" encoding="utf-8"?>
+<p:sld xmlns:a="http://schemas.openxmlformats.org/drawingml/2006/main" xmlns:r="http://schemas.openxmlformats.org/officeDocument/2006/relationships" xmlns:p="http://schemas.openxmlformats.org/presentationml/2006/main">
+  <p:cSld>
+    <p:spTree>
+      <p:nvGrpSpPr>
+        <p:cNvPr id="1" name=""/>
+        <p:cNvGrpSpPr/>
+        <p:nvPr/>
+      </p:nvGrpSpPr>
+      <p:grpSpPr>
+        <a:xfrm>
+          <a:off x="0" y="0"/>
+          <a:ext cx="0" cy="0"/>
+          <a:chOff x="0" y="0"/>
+          <a:chExt cx="0" cy="0"/>
+        </a:xfrm>
+      </p:grpSpPr>
+      <p:sp>
+        <p:nvSpPr>
+          <p:cNvPr id="2" name="Title 1">
+            <a:extLst>
+              <a:ext uri="{FF2B5EF4-FFF2-40B4-BE49-F238E27FC236}">
+                <a16:creationId xmlns:a16="http://schemas.microsoft.com/office/drawing/2014/main" id="{9A7EE37B-4A2F-4F55-98CA-78C858458754}"/>
+              </a:ext>
+            </a:extLst>
+          </p:cNvPr>
+          <p:cNvSpPr>
+            <a:spLocks noGrp="1"/>
+          </p:cNvSpPr>
+          <p:nvPr>
+            <p:ph type="title"/>
+          </p:nvPr>
+        </p:nvSpPr>
+        <p:spPr/>
+        <p:txBody>
+          <a:bodyPr/>
+          <a:lstStyle/>
+          <a:p>
+            <a:r>
+              <a:rPr lang="en-SG" cap="none" dirty="0"/>
+              <a:t>Chest X-Rays</a:t>
+            </a:r>
+          </a:p>
+        </p:txBody>
+      </p:sp>
+      <p:pic>
+        <p:nvPicPr>
+          <p:cNvPr id="17" name="Picture 16" descr="A picture containing film, nature, waterfall, water&#10;&#10;Description automatically generated">
+            <a:extLst>
+              <a:ext uri="{FF2B5EF4-FFF2-40B4-BE49-F238E27FC236}">
+                <a16:creationId xmlns:a16="http://schemas.microsoft.com/office/drawing/2014/main" id="{F9AEEB1D-95A5-4B7C-B831-C46B05CDEA9C}"/>
+              </a:ext>
+            </a:extLst>
+          </p:cNvPr>
+          <p:cNvPicPr>
+            <a:picLocks noChangeAspect="1"/>
+          </p:cNvPicPr>
+          <p:nvPr/>
+        </p:nvPicPr>
+        <p:blipFill>
+          <a:blip r:embed="rId3"/>
+          <a:stretch>
+            <a:fillRect/>
+          </a:stretch>
+        </p:blipFill>
+        <p:spPr>
+          <a:xfrm>
+            <a:off x="199141" y="2782805"/>
+            <a:ext cx="2555128" cy="2448049"/>
+          </a:xfrm>
+          <a:prstGeom prst="rect">
+            <a:avLst/>
+          </a:prstGeom>
+        </p:spPr>
+      </p:pic>
+      <p:sp>
+        <p:nvSpPr>
+          <p:cNvPr id="18" name="TextBox 17">
+            <a:extLst>
+              <a:ext uri="{FF2B5EF4-FFF2-40B4-BE49-F238E27FC236}">
+                <a16:creationId xmlns:a16="http://schemas.microsoft.com/office/drawing/2014/main" id="{6159D6E7-117C-49DA-9B23-500B9644AB3D}"/>
+              </a:ext>
+            </a:extLst>
+          </p:cNvPr>
+          <p:cNvSpPr txBox="1"/>
+          <p:nvPr/>
+        </p:nvSpPr>
+        <p:spPr>
+          <a:xfrm>
+            <a:off x="952683" y="2260393"/>
+            <a:ext cx="1048044" cy="369332"/>
+          </a:xfrm>
+          <a:prstGeom prst="rect">
+            <a:avLst/>
+          </a:prstGeom>
+          <a:noFill/>
+        </p:spPr>
+        <p:txBody>
+          <a:bodyPr wrap="none" rtlCol="0">
+            <a:spAutoFit/>
+          </a:bodyPr>
+          <a:lstStyle/>
+          <a:p>
+            <a:r>
+              <a:rPr lang="en-SG" dirty="0"/>
+              <a:t>Covid-19</a:t>
+            </a:r>
+          </a:p>
+        </p:txBody>
+      </p:sp>
+      <p:pic>
+        <p:nvPicPr>
+          <p:cNvPr id="22" name="Picture 21" descr="A picture containing film, doughnut, donut, close&#10;&#10;Description automatically generated">
+            <a:extLst>
+              <a:ext uri="{FF2B5EF4-FFF2-40B4-BE49-F238E27FC236}">
+                <a16:creationId xmlns:a16="http://schemas.microsoft.com/office/drawing/2014/main" id="{A3B0ECA2-C6D3-4427-9FC8-B417BCDBD756}"/>
+              </a:ext>
+            </a:extLst>
+          </p:cNvPr>
+          <p:cNvPicPr>
+            <a:picLocks noChangeAspect="1"/>
+          </p:cNvPicPr>
+          <p:nvPr/>
+        </p:nvPicPr>
+        <p:blipFill>
+          <a:blip r:embed="rId4"/>
+          <a:stretch>
+            <a:fillRect/>
+          </a:stretch>
+        </p:blipFill>
+        <p:spPr>
+          <a:xfrm>
+            <a:off x="5569372" y="2782804"/>
+            <a:ext cx="3178870" cy="2448049"/>
+          </a:xfrm>
+          <a:prstGeom prst="rect">
+            <a:avLst/>
+          </a:prstGeom>
+        </p:spPr>
+      </p:pic>
+      <p:sp>
+        <p:nvSpPr>
+          <p:cNvPr id="45" name="TextBox 44">
+            <a:extLst>
+              <a:ext uri="{FF2B5EF4-FFF2-40B4-BE49-F238E27FC236}">
+                <a16:creationId xmlns:a16="http://schemas.microsoft.com/office/drawing/2014/main" id="{4D275EFA-E93B-457F-9BD8-82E0F7C4645F}"/>
+              </a:ext>
+            </a:extLst>
+          </p:cNvPr>
+          <p:cNvSpPr txBox="1"/>
+          <p:nvPr/>
+        </p:nvSpPr>
+        <p:spPr>
+          <a:xfrm>
+            <a:off x="6662517" y="2284456"/>
+            <a:ext cx="992579" cy="369332"/>
+          </a:xfrm>
+          <a:prstGeom prst="rect">
+            <a:avLst/>
+          </a:prstGeom>
+          <a:noFill/>
+        </p:spPr>
+        <p:txBody>
+          <a:bodyPr wrap="none" rtlCol="0">
+            <a:spAutoFit/>
+          </a:bodyPr>
+          <a:lstStyle/>
+          <a:p>
+            <a:r>
+              <a:rPr lang="en-SG" dirty="0"/>
+              <a:t>Bacterial</a:t>
+            </a:r>
+          </a:p>
+        </p:txBody>
+      </p:sp>
+      <p:pic>
+        <p:nvPicPr>
+          <p:cNvPr id="24" name="Picture 23" descr="A picture containing film, table, person, wearing&#10;&#10;Description automatically generated">
+            <a:extLst>
+              <a:ext uri="{FF2B5EF4-FFF2-40B4-BE49-F238E27FC236}">
+                <a16:creationId xmlns:a16="http://schemas.microsoft.com/office/drawing/2014/main" id="{59F12154-6E0B-4C83-8914-A854EF9CCA02}"/>
+              </a:ext>
+            </a:extLst>
+          </p:cNvPr>
+          <p:cNvPicPr>
+            <a:picLocks noChangeAspect="1"/>
+          </p:cNvPicPr>
+          <p:nvPr/>
+        </p:nvPicPr>
+        <p:blipFill>
+          <a:blip r:embed="rId5"/>
+          <a:stretch>
+            <a:fillRect/>
+          </a:stretch>
+        </p:blipFill>
+        <p:spPr>
+          <a:xfrm>
+            <a:off x="8916013" y="2748324"/>
+            <a:ext cx="2344837" cy="2507172"/>
+          </a:xfrm>
+          <a:prstGeom prst="rect">
+            <a:avLst/>
+          </a:prstGeom>
+        </p:spPr>
+      </p:pic>
+      <p:sp>
+        <p:nvSpPr>
+          <p:cNvPr id="48" name="TextBox 47">
+            <a:extLst>
+              <a:ext uri="{FF2B5EF4-FFF2-40B4-BE49-F238E27FC236}">
+                <a16:creationId xmlns:a16="http://schemas.microsoft.com/office/drawing/2014/main" id="{43CF01F8-6015-4A4E-8D4E-E6B5A25676E2}"/>
+              </a:ext>
+            </a:extLst>
+          </p:cNvPr>
+          <p:cNvSpPr txBox="1"/>
+          <p:nvPr/>
+        </p:nvSpPr>
+        <p:spPr>
+          <a:xfrm>
+            <a:off x="9639493" y="2284456"/>
+            <a:ext cx="897875" cy="369332"/>
+          </a:xfrm>
+          <a:prstGeom prst="rect">
+            <a:avLst/>
+          </a:prstGeom>
+          <a:noFill/>
+        </p:spPr>
+        <p:txBody>
+          <a:bodyPr wrap="none" rtlCol="0">
+            <a:spAutoFit/>
+          </a:bodyPr>
+          <a:lstStyle/>
+          <a:p>
+            <a:r>
+              <a:rPr lang="en-SG" dirty="0"/>
+              <a:t>Healthy</a:t>
+            </a:r>
+          </a:p>
+        </p:txBody>
+      </p:sp>
+      <p:pic>
+        <p:nvPicPr>
+          <p:cNvPr id="4" name="Picture 3">
+            <a:extLst>
+              <a:ext uri="{FF2B5EF4-FFF2-40B4-BE49-F238E27FC236}">
+                <a16:creationId xmlns:a16="http://schemas.microsoft.com/office/drawing/2014/main" id="{10FF9658-8E18-4055-AB74-74A32286510C}"/>
+              </a:ext>
+            </a:extLst>
+          </p:cNvPr>
+          <p:cNvPicPr>
+            <a:picLocks noChangeAspect="1"/>
+          </p:cNvPicPr>
+          <p:nvPr/>
+        </p:nvPicPr>
+        <p:blipFill>
+          <a:blip r:embed="rId6"/>
+          <a:stretch>
+            <a:fillRect/>
+          </a:stretch>
+        </p:blipFill>
+        <p:spPr>
+          <a:xfrm>
+            <a:off x="2982436" y="2748323"/>
+            <a:ext cx="2470925" cy="2507173"/>
+          </a:xfrm>
+          <a:prstGeom prst="rect">
+            <a:avLst/>
+          </a:prstGeom>
+        </p:spPr>
+      </p:pic>
+      <p:sp>
+        <p:nvSpPr>
+          <p:cNvPr id="11" name="TextBox 10">
+            <a:extLst>
+              <a:ext uri="{FF2B5EF4-FFF2-40B4-BE49-F238E27FC236}">
+                <a16:creationId xmlns:a16="http://schemas.microsoft.com/office/drawing/2014/main" id="{0D77DBB6-6A99-40CA-AC58-A12BF5EB7542}"/>
+              </a:ext>
+            </a:extLst>
+          </p:cNvPr>
+          <p:cNvSpPr txBox="1"/>
+          <p:nvPr/>
+        </p:nvSpPr>
+        <p:spPr>
+          <a:xfrm>
+            <a:off x="3275492" y="2260393"/>
+            <a:ext cx="1884811" cy="369332"/>
+          </a:xfrm>
+          <a:prstGeom prst="rect">
+            <a:avLst/>
+          </a:prstGeom>
+          <a:noFill/>
+        </p:spPr>
+        <p:txBody>
+          <a:bodyPr wrap="none" rtlCol="0">
+            <a:spAutoFit/>
+          </a:bodyPr>
+          <a:lstStyle/>
+          <a:p>
+            <a:r>
+              <a:rPr lang="en-SG" dirty="0"/>
+              <a:t>Viral (Non-</a:t>
+            </a:r>
+            <a:r>
+              <a:rPr lang="en-SG" dirty="0" err="1"/>
+              <a:t>Covid</a:t>
+            </a:r>
+            <a:r>
+              <a:rPr lang="en-SG" dirty="0"/>
+              <a:t>)</a:t>
+            </a:r>
+          </a:p>
+        </p:txBody>
+      </p:sp>
+    </p:spTree>
+    <p:extLst>
+      <p:ext uri="{BB962C8B-B14F-4D97-AF65-F5344CB8AC3E}">
+        <p14:creationId xmlns:p14="http://schemas.microsoft.com/office/powerpoint/2010/main" val="681119809"/>
+      </p:ext>
+    </p:extLst>
+  </p:cSld>
+  <p:clrMapOvr>
+    <a:masterClrMapping/>
+  </p:clrMapOvr>
+</p:sld>
+</file>
+
+<file path=ppt/slides/slide6.xml><?xml version="1.0" encoding="utf-8"?>
+<p:sld xmlns:a="http://schemas.openxmlformats.org/drawingml/2006/main" xmlns:r="http://schemas.openxmlformats.org/officeDocument/2006/relationships" xmlns:p="http://schemas.openxmlformats.org/presentationml/2006/main">
+  <p:cSld>
+    <p:bg>
+      <p:bgPr>
+        <a:gradFill rotWithShape="1">
+          <a:gsLst>
+            <a:gs pos="0">
+              <a:schemeClr val="bg2">
+                <a:tint val="94000"/>
+                <a:satMod val="80000"/>
+                <a:lumMod val="106000"/>
+              </a:schemeClr>
+            </a:gs>
+            <a:gs pos="100000">
+              <a:schemeClr val="bg2">
+                <a:shade val="80000"/>
+              </a:schemeClr>
+            </a:gs>
+          </a:gsLst>
+          <a:path path="circle">
+            <a:fillToRect l="43000" r="43000" b="100000"/>
+          </a:path>
+        </a:gradFill>
+        <a:effectLst/>
+      </p:bgPr>
+    </p:bg>
+    <p:spTree>
+      <p:nvGrpSpPr>
+        <p:cNvPr id="1" name=""/>
+        <p:cNvGrpSpPr/>
+        <p:nvPr/>
+      </p:nvGrpSpPr>
+      <p:grpSpPr>
+        <a:xfrm>
+          <a:off x="0" y="0"/>
+          <a:ext cx="0" cy="0"/>
+          <a:chOff x="0" y="0"/>
+          <a:chExt cx="0" cy="0"/>
+        </a:xfrm>
+      </p:grpSpPr>
+      <p:sp>
+        <p:nvSpPr>
+          <p:cNvPr id="2" name="Title 1">
+            <a:extLst>
+              <a:ext uri="{FF2B5EF4-FFF2-40B4-BE49-F238E27FC236}">
+                <a16:creationId xmlns:a16="http://schemas.microsoft.com/office/drawing/2014/main" id="{54C25394-EC85-4C2F-B292-BCA6EB3959A4}"/>
+              </a:ext>
+            </a:extLst>
+          </p:cNvPr>
+          <p:cNvSpPr>
+            <a:spLocks noGrp="1"/>
+          </p:cNvSpPr>
+          <p:nvPr>
+            <p:ph type="title"/>
+          </p:nvPr>
+        </p:nvSpPr>
+        <p:spPr>
+          <a:xfrm>
+            <a:off x="1451579" y="804519"/>
+            <a:ext cx="9603275" cy="1049235"/>
+          </a:xfrm>
+        </p:spPr>
+        <p:txBody>
+          <a:bodyPr>
+            <a:normAutofit/>
+          </a:bodyPr>
+          <a:lstStyle/>
+          <a:p>
+            <a:r>
+              <a:rPr lang="en-SG" cap="none" dirty="0"/>
+              <a:t>Dataset summary</a:t>
+            </a:r>
+          </a:p>
+        </p:txBody>
+      </p:sp>
+      <p:pic>
+        <p:nvPicPr>
+          <p:cNvPr id="7" name="Picture 6">
+            <a:extLst>
+              <a:ext uri="{FF2B5EF4-FFF2-40B4-BE49-F238E27FC236}">
+                <a16:creationId xmlns:a16="http://schemas.microsoft.com/office/drawing/2014/main" id="{ABCB814A-1DD7-4101-97C1-71F419C44028}"/>
+              </a:ext>
+            </a:extLst>
+          </p:cNvPr>
+          <p:cNvPicPr>
+            <a:picLocks noChangeAspect="1"/>
+          </p:cNvPicPr>
+          <p:nvPr/>
+        </p:nvPicPr>
+        <p:blipFill>
+          <a:blip r:embed="rId2"/>
+          <a:stretch>
+            <a:fillRect/>
+          </a:stretch>
+        </p:blipFill>
+        <p:spPr>
+          <a:xfrm>
+            <a:off x="1451579" y="3135405"/>
+            <a:ext cx="4960443" cy="1211270"/>
+          </a:xfrm>
+          <a:prstGeom prst="rect">
+            <a:avLst/>
+          </a:prstGeom>
+        </p:spPr>
+      </p:pic>
+      <p:sp>
+        <p:nvSpPr>
+          <p:cNvPr id="3" name="Content Placeholder 2">
+            <a:extLst>
+              <a:ext uri="{FF2B5EF4-FFF2-40B4-BE49-F238E27FC236}">
+                <a16:creationId xmlns:a16="http://schemas.microsoft.com/office/drawing/2014/main" id="{87AB39B4-2CAF-4B1B-85CE-C7D372871EFF}"/>
+              </a:ext>
+            </a:extLst>
+          </p:cNvPr>
+          <p:cNvSpPr>
+            <a:spLocks noGrp="1"/>
+          </p:cNvSpPr>
+          <p:nvPr>
+            <p:ph idx="1"/>
+          </p:nvPr>
+        </p:nvSpPr>
+        <p:spPr>
+          <a:xfrm>
+            <a:off x="6892299" y="2015734"/>
+            <a:ext cx="4162555" cy="3450613"/>
+          </a:xfrm>
+        </p:spPr>
+        <p:txBody>
+          <a:bodyPr>
+            <a:normAutofit/>
+          </a:bodyPr>
+          <a:lstStyle/>
+          <a:p>
+            <a:r>
+              <a:rPr lang="en-SG" dirty="0"/>
+              <a:t>The dataset is very imbalanced, with only 58 images for the Covid-19 class.</a:t>
+            </a:r>
+          </a:p>
+          <a:p>
+            <a:r>
+              <a:rPr lang="en-SG" dirty="0"/>
+              <a:t>We address this issue by image augmentation and implementing class weights.</a:t>
+            </a:r>
+          </a:p>
+        </p:txBody>
+      </p:sp>
+    </p:spTree>
+    <p:extLst>
+      <p:ext uri="{BB962C8B-B14F-4D97-AF65-F5344CB8AC3E}">
+        <p14:creationId xmlns:p14="http://schemas.microsoft.com/office/powerpoint/2010/main" val="1783063478"/>
+      </p:ext>
+    </p:extLst>
+  </p:cSld>
+  <p:clrMapOvr>
+    <a:masterClrMapping/>
+  </p:clrMapOvr>
+</p:sld>
+</file>
+
+<file path=ppt/slides/slide7.xml><?xml version="1.0" encoding="utf-8"?>
+<p:sld xmlns:a="http://schemas.openxmlformats.org/drawingml/2006/main" xmlns:r="http://schemas.openxmlformats.org/officeDocument/2006/relationships" xmlns:p="http://schemas.openxmlformats.org/presentationml/2006/main">
+  <p:cSld>
+    <p:spTree>
+      <p:nvGrpSpPr>
+        <p:cNvPr id="1" name=""/>
+        <p:cNvGrpSpPr/>
+        <p:nvPr/>
+      </p:nvGrpSpPr>
+      <p:grpSpPr>
+        <a:xfrm>
+          <a:off x="0" y="0"/>
+          <a:ext cx="0" cy="0"/>
+          <a:chOff x="0" y="0"/>
+          <a:chExt cx="0" cy="0"/>
+        </a:xfrm>
+      </p:grpSpPr>
+      <p:sp>
+        <p:nvSpPr>
+          <p:cNvPr id="2" name="Title 1">
+            <a:extLst>
+              <a:ext uri="{FF2B5EF4-FFF2-40B4-BE49-F238E27FC236}">
+                <a16:creationId xmlns:a16="http://schemas.microsoft.com/office/drawing/2014/main" id="{2B722C37-82B7-4349-888D-5690B076BDF9}"/>
+              </a:ext>
+            </a:extLst>
+          </p:cNvPr>
+          <p:cNvSpPr>
+            <a:spLocks noGrp="1"/>
+          </p:cNvSpPr>
+          <p:nvPr>
+            <p:ph type="title"/>
+          </p:nvPr>
+        </p:nvSpPr>
+        <p:spPr/>
+        <p:txBody>
+          <a:bodyPr/>
+          <a:lstStyle/>
+          <a:p>
+            <a:r>
+              <a:rPr lang="en-SG" cap="none"/>
+              <a:t>Image augmentation: Horizontal shifting</a:t>
+            </a:r>
+            <a:endParaRPr lang="en-SG" cap="none" dirty="0"/>
+          </a:p>
+        </p:txBody>
+      </p:sp>
+      <p:pic>
+        <p:nvPicPr>
+          <p:cNvPr id="5" name="Content Placeholder 4">
+            <a:extLst>
+              <a:ext uri="{FF2B5EF4-FFF2-40B4-BE49-F238E27FC236}">
+                <a16:creationId xmlns:a16="http://schemas.microsoft.com/office/drawing/2014/main" id="{230E3C3C-EB69-4707-84AA-ADE89BA4924B}"/>
+              </a:ext>
+            </a:extLst>
+          </p:cNvPr>
+          <p:cNvPicPr>
+            <a:picLocks noGrp="1" noChangeAspect="1"/>
+          </p:cNvPicPr>
+          <p:nvPr>
+            <p:ph idx="1"/>
+          </p:nvPr>
+        </p:nvPicPr>
+        <p:blipFill>
+          <a:blip r:embed="rId2"/>
+          <a:stretch>
+            <a:fillRect/>
+          </a:stretch>
+        </p:blipFill>
+        <p:spPr>
+          <a:xfrm>
+            <a:off x="1450479" y="2299736"/>
+            <a:ext cx="9604375" cy="2817590"/>
+          </a:xfrm>
+        </p:spPr>
+      </p:pic>
+    </p:spTree>
+    <p:extLst>
+      <p:ext uri="{BB962C8B-B14F-4D97-AF65-F5344CB8AC3E}">
+        <p14:creationId xmlns:p14="http://schemas.microsoft.com/office/powerpoint/2010/main" val="2636004548"/>
+      </p:ext>
+    </p:extLst>
+  </p:cSld>
+  <p:clrMapOvr>
+    <a:masterClrMapping/>
+  </p:clrMapOvr>
+</p:sld>
+</file>
+
+<file path=ppt/slides/slide8.xml><?xml version="1.0" encoding="utf-8"?>
+<p:sld xmlns:a="http://schemas.openxmlformats.org/drawingml/2006/main" xmlns:r="http://schemas.openxmlformats.org/officeDocument/2006/relationships" xmlns:p="http://schemas.openxmlformats.org/presentationml/2006/main">
+  <p:cSld>
+    <p:spTree>
+      <p:nvGrpSpPr>
+        <p:cNvPr id="1" name=""/>
+        <p:cNvGrpSpPr/>
+        <p:nvPr/>
+      </p:nvGrpSpPr>
+      <p:grpSpPr>
+        <a:xfrm>
+          <a:off x="0" y="0"/>
+          <a:ext cx="0" cy="0"/>
+          <a:chOff x="0" y="0"/>
+          <a:chExt cx="0" cy="0"/>
+        </a:xfrm>
+      </p:grpSpPr>
+      <p:sp>
+        <p:nvSpPr>
+          <p:cNvPr id="2" name="Title 1">
+            <a:extLst>
+              <a:ext uri="{FF2B5EF4-FFF2-40B4-BE49-F238E27FC236}">
+                <a16:creationId xmlns:a16="http://schemas.microsoft.com/office/drawing/2014/main" id="{2B722C37-82B7-4349-888D-5690B076BDF9}"/>
+              </a:ext>
+            </a:extLst>
+          </p:cNvPr>
+          <p:cNvSpPr>
+            <a:spLocks noGrp="1"/>
+          </p:cNvSpPr>
+          <p:nvPr>
+            <p:ph type="title"/>
+          </p:nvPr>
+        </p:nvSpPr>
+        <p:spPr/>
+        <p:txBody>
+          <a:bodyPr/>
+          <a:lstStyle/>
+          <a:p>
+            <a:r>
+              <a:rPr lang="en-SG" cap="none" dirty="0"/>
+              <a:t>Image augmentation:  Vertical Shifting</a:t>
+            </a:r>
+          </a:p>
+        </p:txBody>
+      </p:sp>
+      <p:pic>
+        <p:nvPicPr>
+          <p:cNvPr id="7" name="Content Placeholder 6">
+            <a:extLst>
+              <a:ext uri="{FF2B5EF4-FFF2-40B4-BE49-F238E27FC236}">
+                <a16:creationId xmlns:a16="http://schemas.microsoft.com/office/drawing/2014/main" id="{87CEFAEB-BE9E-44A6-B466-9D74A3F6F66D}"/>
+              </a:ext>
+            </a:extLst>
+          </p:cNvPr>
+          <p:cNvPicPr>
+            <a:picLocks noGrp="1" noChangeAspect="1"/>
+          </p:cNvPicPr>
+          <p:nvPr>
+            <p:ph idx="1"/>
+          </p:nvPr>
+        </p:nvPicPr>
+        <p:blipFill>
+          <a:blip r:embed="rId2"/>
+          <a:stretch>
+            <a:fillRect/>
+          </a:stretch>
+        </p:blipFill>
+        <p:spPr>
+          <a:xfrm>
+            <a:off x="1450479" y="2229510"/>
+            <a:ext cx="9604375" cy="2913686"/>
+          </a:xfrm>
+        </p:spPr>
+      </p:pic>
+    </p:spTree>
+    <p:extLst>
+      <p:ext uri="{BB962C8B-B14F-4D97-AF65-F5344CB8AC3E}">
+        <p14:creationId xmlns:p14="http://schemas.microsoft.com/office/powerpoint/2010/main" val="1408193176"/>
+      </p:ext>
+    </p:extLst>
+  </p:cSld>
+  <p:clrMapOvr>
+    <a:masterClrMapping/>
+  </p:clrMapOvr>
+</p:sld>
+</file>
+
+<file path=ppt/slides/slide9.xml><?xml version="1.0" encoding="utf-8"?>
+<p:sld xmlns:a="http://schemas.openxmlformats.org/drawingml/2006/main" xmlns:r="http://schemas.openxmlformats.org/officeDocument/2006/relationships" xmlns:p="http://schemas.openxmlformats.org/presentationml/2006/main">
+  <p:cSld>
+    <p:spTree>
+      <p:nvGrpSpPr>
+        <p:cNvPr id="1" name=""/>
+        <p:cNvGrpSpPr/>
+        <p:nvPr/>
+      </p:nvGrpSpPr>
+      <p:grpSpPr>
+        <a:xfrm>
+          <a:off x="0" y="0"/>
+          <a:ext cx="0" cy="0"/>
+          <a:chOff x="0" y="0"/>
+          <a:chExt cx="0" cy="0"/>
+        </a:xfrm>
+      </p:grpSpPr>
+      <p:sp>
+        <p:nvSpPr>
+          <p:cNvPr id="2" name="Title 1">
+            <a:extLst>
+              <a:ext uri="{FF2B5EF4-FFF2-40B4-BE49-F238E27FC236}">
+                <a16:creationId xmlns:a16="http://schemas.microsoft.com/office/drawing/2014/main" id="{2B722C37-82B7-4349-888D-5690B076BDF9}"/>
+              </a:ext>
+            </a:extLst>
+          </p:cNvPr>
+          <p:cNvSpPr>
+            <a:spLocks noGrp="1"/>
+          </p:cNvSpPr>
+          <p:nvPr>
+            <p:ph type="title"/>
+          </p:nvPr>
+        </p:nvSpPr>
+        <p:spPr/>
+        <p:txBody>
+          <a:bodyPr/>
+          <a:lstStyle/>
+          <a:p>
+            <a:r>
+              <a:rPr lang="en-SG" cap="none" dirty="0"/>
+              <a:t>Image augmentation:  Lateral inversion</a:t>
+            </a:r>
+          </a:p>
+        </p:txBody>
+      </p:sp>
+      <p:pic>
+        <p:nvPicPr>
+          <p:cNvPr id="6" name="Picture 5">
+            <a:extLst>
+              <a:ext uri="{FF2B5EF4-FFF2-40B4-BE49-F238E27FC236}">
+                <a16:creationId xmlns:a16="http://schemas.microsoft.com/office/drawing/2014/main" id="{73BB5646-6143-4E7D-9A03-F4EF38876277}"/>
+              </a:ext>
+            </a:extLst>
+          </p:cNvPr>
+          <p:cNvPicPr>
+            <a:picLocks noChangeAspect="1"/>
+          </p:cNvPicPr>
+          <p:nvPr/>
+        </p:nvPicPr>
+        <p:blipFill>
+          <a:blip r:embed="rId2"/>
+          <a:stretch>
+            <a:fillRect/>
+          </a:stretch>
+        </p:blipFill>
+        <p:spPr>
+          <a:xfrm>
+            <a:off x="1451579" y="2479786"/>
+            <a:ext cx="9603275" cy="2859402"/>
+          </a:xfrm>
+          <a:prstGeom prst="rect">
+            <a:avLst/>
+          </a:prstGeom>
+        </p:spPr>
+      </p:pic>
+    </p:spTree>
+    <p:extLst>
+      <p:ext uri="{BB962C8B-B14F-4D97-AF65-F5344CB8AC3E}">
+        <p14:creationId xmlns:p14="http://schemas.microsoft.com/office/powerpoint/2010/main" val="3459924319"/>
       </p:ext>
     </p:extLst>
   </p:cSld>
